--- a/NCMB_BitSummit_hacosco.pptx
+++ b/NCMB_BitSummit_hacosco.pptx
@@ -5,7 +5,7 @@
     <p:sldMasterId id="2147483660" r:id="rId1"/>
   </p:sldMasterIdLst>
   <p:notesMasterIdLst>
-    <p:notesMasterId r:id="rId32"/>
+    <p:notesMasterId r:id="rId33"/>
   </p:notesMasterIdLst>
   <p:sldIdLst>
     <p:sldId id="256" r:id="rId2"/>
@@ -29,15 +29,16 @@
     <p:sldId id="300" r:id="rId20"/>
     <p:sldId id="301" r:id="rId21"/>
     <p:sldId id="270" r:id="rId22"/>
-    <p:sldId id="272" r:id="rId23"/>
-    <p:sldId id="302" r:id="rId24"/>
-    <p:sldId id="276" r:id="rId25"/>
-    <p:sldId id="310" r:id="rId26"/>
-    <p:sldId id="311" r:id="rId27"/>
-    <p:sldId id="312" r:id="rId28"/>
-    <p:sldId id="307" r:id="rId29"/>
-    <p:sldId id="304" r:id="rId30"/>
-    <p:sldId id="305" r:id="rId31"/>
+    <p:sldId id="302" r:id="rId23"/>
+    <p:sldId id="276" r:id="rId24"/>
+    <p:sldId id="310" r:id="rId25"/>
+    <p:sldId id="311" r:id="rId26"/>
+    <p:sldId id="312" r:id="rId27"/>
+    <p:sldId id="307" r:id="rId28"/>
+    <p:sldId id="304" r:id="rId29"/>
+    <p:sldId id="313" r:id="rId30"/>
+    <p:sldId id="315" r:id="rId31"/>
+    <p:sldId id="305" r:id="rId32"/>
   </p:sldIdLst>
   <p:sldSz cx="9144000" cy="6858000" type="screen4x3"/>
   <p:notesSz cx="6858000" cy="9144000"/>
@@ -138,7 +139,7 @@
   </p:defaultTextStyle>
   <p:extLst>
     <p:ext uri="{EFAFB233-063F-42B5-8137-9DF3F51BA10A}">
-      <p15:sldGuideLst xmlns:p15="http://schemas.microsoft.com/office/powerpoint/2012/main">
+      <p15:sldGuideLst xmlns="" xmlns:p15="http://schemas.microsoft.com/office/powerpoint/2012/main">
         <p15:guide id="1" orient="horz" pos="2160" userDrawn="1">
           <p15:clr>
             <a:srgbClr val="A4A3A4"/>
@@ -237,7 +238,7 @@
           <a:p>
             <a:fld id="{1EC99428-9822-4C18-BF2C-9D03EC27FEAF}" type="datetimeFigureOut">
               <a:rPr kumimoji="1" lang="ja-JP" altLang="en-US" smtClean="0"/>
-              <a:t>2015/7/1</a:t>
+              <a:t>2015/7/2</a:t>
             </a:fld>
             <a:endParaRPr kumimoji="1" lang="ja-JP" altLang="en-US"/>
           </a:p>
@@ -602,7 +603,7 @@
           <a:p>
             <a:fld id="{5BBED7AD-AEC8-44C8-AC7A-DA1FDD4DAE15}" type="slidenum">
               <a:rPr kumimoji="1" lang="ja-JP" altLang="en-US" smtClean="0"/>
-              <a:t>26</a:t>
+              <a:t>25</a:t>
             </a:fld>
             <a:endParaRPr kumimoji="1" lang="ja-JP" altLang="en-US"/>
           </a:p>
@@ -11538,7 +11539,10 @@
             <a:r>
               <a:rPr lang="en-US" altLang="ja-JP" dirty="0">
                 <a:solidFill>
-                  <a:prstClr val="black"/>
+                  <a:schemeClr val="tx1">
+                    <a:lumMod val="50000"/>
+                    <a:lumOff val="50000"/>
+                  </a:schemeClr>
                 </a:solidFill>
                 <a:latin typeface="Calibri"/>
                 <a:ea typeface="ＭＳ Ｐゴシック" panose="020B0600070205080204" pitchFamily="50" charset="-128"/>
@@ -11548,7 +11552,10 @@
             <a:r>
               <a:rPr lang="en-US" altLang="ja-JP" dirty="0" err="1">
                 <a:solidFill>
-                  <a:prstClr val="black"/>
+                  <a:schemeClr val="tx1">
+                    <a:lumMod val="50000"/>
+                    <a:lumOff val="50000"/>
+                  </a:schemeClr>
                 </a:solidFill>
                 <a:latin typeface="Calibri"/>
                 <a:ea typeface="ＭＳ Ｐゴシック" panose="020B0600070205080204" pitchFamily="50" charset="-128"/>
@@ -11558,7 +11565,10 @@
             <a:r>
               <a:rPr lang="en-US" altLang="ja-JP" dirty="0">
                 <a:solidFill>
-                  <a:prstClr val="black"/>
+                  <a:schemeClr val="tx1">
+                    <a:lumMod val="50000"/>
+                    <a:lumOff val="50000"/>
+                  </a:schemeClr>
                 </a:solidFill>
                 <a:latin typeface="Calibri"/>
                 <a:ea typeface="ＭＳ Ｐゴシック" panose="020B0600070205080204" pitchFamily="50" charset="-128"/>
@@ -11570,7 +11580,10 @@
             <a:r>
               <a:rPr lang="en-US" altLang="ja-JP" dirty="0">
                 <a:solidFill>
-                  <a:prstClr val="black"/>
+                  <a:schemeClr val="tx1">
+                    <a:lumMod val="50000"/>
+                    <a:lumOff val="50000"/>
+                  </a:schemeClr>
                 </a:solidFill>
                 <a:latin typeface="Calibri"/>
                 <a:ea typeface="ＭＳ Ｐゴシック" panose="020B0600070205080204" pitchFamily="50" charset="-128"/>
@@ -11580,7 +11593,10 @@
             <a:r>
               <a:rPr lang="en-US" altLang="ja-JP" dirty="0" err="1">
                 <a:solidFill>
-                  <a:prstClr val="black"/>
+                  <a:schemeClr val="tx1">
+                    <a:lumMod val="50000"/>
+                    <a:lumOff val="50000"/>
+                  </a:schemeClr>
                 </a:solidFill>
                 <a:latin typeface="Calibri"/>
                 <a:ea typeface="ＭＳ Ｐゴシック" panose="020B0600070205080204" pitchFamily="50" charset="-128"/>
@@ -11590,7 +11606,10 @@
             <a:r>
               <a:rPr lang="en-US" altLang="ja-JP" dirty="0">
                 <a:solidFill>
-                  <a:prstClr val="black"/>
+                  <a:schemeClr val="tx1">
+                    <a:lumMod val="50000"/>
+                    <a:lumOff val="50000"/>
+                  </a:schemeClr>
                 </a:solidFill>
                 <a:latin typeface="Calibri"/>
                 <a:ea typeface="ＭＳ Ｐゴシック" panose="020B0600070205080204" pitchFamily="50" charset="-128"/>
@@ -11602,7 +11621,10 @@
             <a:r>
               <a:rPr lang="en-US" altLang="ja-JP" dirty="0">
                 <a:solidFill>
-                  <a:prstClr val="black"/>
+                  <a:schemeClr val="tx1">
+                    <a:lumMod val="50000"/>
+                    <a:lumOff val="50000"/>
+                  </a:schemeClr>
                 </a:solidFill>
                 <a:latin typeface="Calibri"/>
                 <a:ea typeface="ＭＳ Ｐゴシック" panose="020B0600070205080204" pitchFamily="50" charset="-128"/>
@@ -11612,7 +11634,10 @@
             <a:r>
               <a:rPr lang="en-US" altLang="ja-JP" dirty="0" smtClean="0">
                 <a:solidFill>
-                  <a:prstClr val="black"/>
+                  <a:schemeClr val="tx1">
+                    <a:lumMod val="50000"/>
+                    <a:lumOff val="50000"/>
+                  </a:schemeClr>
                 </a:solidFill>
                 <a:latin typeface="Calibri"/>
                 <a:ea typeface="ＭＳ Ｐゴシック" panose="020B0600070205080204" pitchFamily="50" charset="-128"/>
@@ -11624,7 +11649,10 @@
             <a:r>
               <a:rPr lang="ja-JP" altLang="en-US" sz="800" dirty="0" smtClean="0">
                 <a:solidFill>
-                  <a:prstClr val="black"/>
+                  <a:schemeClr val="tx1">
+                    <a:lumMod val="50000"/>
+                    <a:lumOff val="50000"/>
+                  </a:schemeClr>
                 </a:solidFill>
                 <a:latin typeface="Calibri"/>
                 <a:ea typeface="ＭＳ Ｐゴシック" panose="020B0600070205080204" pitchFamily="50" charset="-128"/>
@@ -11633,7 +11661,10 @@
             </a:r>
             <a:endParaRPr lang="en-US" altLang="ja-JP" sz="800" dirty="0" smtClean="0">
               <a:solidFill>
-                <a:prstClr val="black"/>
+                <a:schemeClr val="tx1">
+                  <a:lumMod val="50000"/>
+                  <a:lumOff val="50000"/>
+                </a:schemeClr>
               </a:solidFill>
               <a:latin typeface="Calibri"/>
               <a:ea typeface="ＭＳ Ｐゴシック" panose="020B0600070205080204" pitchFamily="50" charset="-128"/>
@@ -11643,7 +11674,10 @@
             <a:r>
               <a:rPr lang="ja-JP" altLang="en-US" sz="800" dirty="0" smtClean="0">
                 <a:solidFill>
-                  <a:prstClr val="black"/>
+                  <a:schemeClr val="tx1">
+                    <a:lumMod val="50000"/>
+                    <a:lumOff val="50000"/>
+                  </a:schemeClr>
                 </a:solidFill>
                 <a:latin typeface="Calibri"/>
                 <a:ea typeface="ＭＳ Ｐゴシック" panose="020B0600070205080204" pitchFamily="50" charset="-128"/>
@@ -11653,7 +11687,10 @@
             <a:r>
               <a:rPr lang="en-US" altLang="ja-JP" sz="1400" dirty="0" smtClean="0">
                 <a:solidFill>
-                  <a:prstClr val="black"/>
+                  <a:schemeClr val="tx1">
+                    <a:lumMod val="50000"/>
+                    <a:lumOff val="50000"/>
+                  </a:schemeClr>
                 </a:solidFill>
                 <a:latin typeface="Calibri"/>
                 <a:ea typeface="ＭＳ Ｐゴシック" panose="020B0600070205080204" pitchFamily="50" charset="-128"/>
@@ -11663,7 +11700,10 @@
             <a:r>
               <a:rPr lang="ja-JP" altLang="en-US" sz="1400" dirty="0" smtClean="0">
                 <a:solidFill>
-                  <a:prstClr val="black"/>
+                  <a:schemeClr val="tx1">
+                    <a:lumMod val="50000"/>
+                    <a:lumOff val="50000"/>
+                  </a:schemeClr>
                 </a:solidFill>
                 <a:latin typeface="Calibri"/>
                 <a:ea typeface="ＭＳ Ｐゴシック" panose="020B0600070205080204" pitchFamily="50" charset="-128"/>
@@ -11673,7 +11713,10 @@
             <a:r>
               <a:rPr lang="en-US" altLang="ja-JP" sz="1400" dirty="0" smtClean="0">
                 <a:solidFill>
-                  <a:prstClr val="black"/>
+                  <a:schemeClr val="tx1">
+                    <a:lumMod val="50000"/>
+                    <a:lumOff val="50000"/>
+                  </a:schemeClr>
                 </a:solidFill>
                 <a:latin typeface="Calibri"/>
                 <a:ea typeface="ＭＳ Ｐゴシック" panose="020B0600070205080204" pitchFamily="50" charset="-128"/>
@@ -11682,7 +11725,10 @@
             </a:r>
             <a:endParaRPr lang="en-US" altLang="ja-JP" sz="800" dirty="0" smtClean="0">
               <a:solidFill>
-                <a:prstClr val="black"/>
+                <a:schemeClr val="tx1">
+                  <a:lumMod val="50000"/>
+                  <a:lumOff val="50000"/>
+                </a:schemeClr>
               </a:solidFill>
               <a:latin typeface="Calibri"/>
               <a:ea typeface="ＭＳ Ｐゴシック" panose="020B0600070205080204" pitchFamily="50" charset="-128"/>
@@ -11692,7 +11738,10 @@
             <a:r>
               <a:rPr lang="ja-JP" altLang="en-US" sz="800" dirty="0">
                 <a:solidFill>
-                  <a:prstClr val="black"/>
+                  <a:schemeClr val="tx1">
+                    <a:lumMod val="50000"/>
+                    <a:lumOff val="50000"/>
+                  </a:schemeClr>
                 </a:solidFill>
                 <a:latin typeface="Calibri"/>
                 <a:ea typeface="ＭＳ Ｐゴシック" panose="020B0600070205080204" pitchFamily="50" charset="-128"/>
@@ -11701,7 +11750,10 @@
             </a:r>
             <a:endParaRPr lang="en-US" altLang="ja-JP" sz="800" dirty="0">
               <a:solidFill>
-                <a:prstClr val="black"/>
+                <a:schemeClr val="tx1">
+                  <a:lumMod val="50000"/>
+                  <a:lumOff val="50000"/>
+                </a:schemeClr>
               </a:solidFill>
               <a:latin typeface="Calibri"/>
               <a:ea typeface="ＭＳ Ｐゴシック" panose="020B0600070205080204" pitchFamily="50" charset="-128"/>
@@ -11711,7 +11763,10 @@
             <a:r>
               <a:rPr lang="en-US" altLang="ja-JP" dirty="0" smtClean="0">
                 <a:solidFill>
-                  <a:prstClr val="black"/>
+                  <a:schemeClr val="tx1">
+                    <a:lumMod val="50000"/>
+                    <a:lumOff val="50000"/>
+                  </a:schemeClr>
                 </a:solidFill>
                 <a:latin typeface="Calibri"/>
                 <a:ea typeface="ＭＳ Ｐゴシック" panose="020B0600070205080204" pitchFamily="50" charset="-128"/>
@@ -11721,7 +11776,10 @@
             <a:r>
               <a:rPr lang="en-US" altLang="ja-JP" dirty="0">
                 <a:solidFill>
-                  <a:prstClr val="black"/>
+                  <a:schemeClr val="tx1">
+                    <a:lumMod val="50000"/>
+                    <a:lumOff val="50000"/>
+                  </a:schemeClr>
                 </a:solidFill>
                 <a:latin typeface="Calibri"/>
                 <a:ea typeface="ＭＳ Ｐゴシック" panose="020B0600070205080204" pitchFamily="50" charset="-128"/>
@@ -11731,7 +11789,10 @@
             <a:r>
               <a:rPr lang="ja-JP" altLang="en-US" dirty="0">
                 <a:solidFill>
-                  <a:prstClr val="black"/>
+                  <a:schemeClr val="tx1">
+                    <a:lumMod val="50000"/>
+                    <a:lumOff val="50000"/>
+                  </a:schemeClr>
                 </a:solidFill>
                 <a:latin typeface="Calibri"/>
                 <a:ea typeface="ＭＳ Ｐゴシック" panose="020B0600070205080204" pitchFamily="50" charset="-128"/>
@@ -11743,7 +11804,10 @@
             <a:r>
               <a:rPr lang="en-US" altLang="ja-JP" dirty="0" smtClean="0">
                 <a:solidFill>
-                  <a:prstClr val="black"/>
+                  <a:schemeClr val="tx1">
+                    <a:lumMod val="50000"/>
+                    <a:lumOff val="50000"/>
+                  </a:schemeClr>
                 </a:solidFill>
                 <a:latin typeface="Calibri"/>
                 <a:ea typeface="ＭＳ Ｐゴシック" panose="020B0600070205080204" pitchFamily="50" charset="-128"/>
@@ -11753,7 +11817,10 @@
             <a:r>
               <a:rPr lang="en-US" altLang="ja-JP" dirty="0" err="1">
                 <a:solidFill>
-                  <a:prstClr val="black"/>
+                  <a:schemeClr val="tx1">
+                    <a:lumMod val="50000"/>
+                    <a:lumOff val="50000"/>
+                  </a:schemeClr>
                 </a:solidFill>
                 <a:latin typeface="Calibri"/>
                 <a:ea typeface="ＭＳ Ｐゴシック" panose="020B0600070205080204" pitchFamily="50" charset="-128"/>
@@ -11763,7 +11830,10 @@
             <a:r>
               <a:rPr lang="en-US" altLang="ja-JP" dirty="0">
                 <a:solidFill>
-                  <a:prstClr val="black"/>
+                  <a:schemeClr val="tx1">
+                    <a:lumMod val="50000"/>
+                    <a:lumOff val="50000"/>
+                  </a:schemeClr>
                 </a:solidFill>
                 <a:latin typeface="Calibri"/>
                 <a:ea typeface="ＭＳ Ｐゴシック" panose="020B0600070205080204" pitchFamily="50" charset="-128"/>
@@ -12100,7 +12170,10 @@
             <a:r>
               <a:rPr lang="en-US" altLang="ja-JP" dirty="0" smtClean="0">
                 <a:solidFill>
-                  <a:prstClr val="black"/>
+                  <a:schemeClr val="tx1">
+                    <a:lumMod val="50000"/>
+                    <a:lumOff val="50000"/>
+                  </a:schemeClr>
                 </a:solidFill>
                 <a:latin typeface="Calibri"/>
                 <a:ea typeface="ＭＳ Ｐゴシック" panose="020B0600070205080204" pitchFamily="50" charset="-128"/>
@@ -12109,7 +12182,10 @@
             </a:r>
             <a:endParaRPr lang="en-US" altLang="ja-JP" dirty="0">
               <a:solidFill>
-                <a:prstClr val="black"/>
+                <a:schemeClr val="tx1">
+                  <a:lumMod val="50000"/>
+                  <a:lumOff val="50000"/>
+                </a:schemeClr>
               </a:solidFill>
               <a:latin typeface="Calibri"/>
               <a:ea typeface="ＭＳ Ｐゴシック" panose="020B0600070205080204" pitchFamily="50" charset="-128"/>
@@ -12186,8 +12262,8 @@
         </p:nvSpPr>
         <p:spPr>
           <a:xfrm>
-            <a:off x="1100907" y="1043608"/>
-            <a:ext cx="6912768" cy="646331"/>
+            <a:off x="467544" y="1043608"/>
+            <a:ext cx="8019882" cy="923330"/>
           </a:xfrm>
           <a:prstGeom prst="rect">
             <a:avLst/>
@@ -12297,7 +12373,47 @@
                 <a:latin typeface="Calibri"/>
                 <a:ea typeface="ＭＳ Ｐゴシック" panose="020B0600070205080204" pitchFamily="50" charset="-128"/>
               </a:rPr>
-              <a:t>」を</a:t>
+              <a:t>」の</a:t>
+            </a:r>
+            <a:r>
+              <a:rPr lang="en-US" altLang="ja-JP" dirty="0" smtClean="0">
+                <a:solidFill>
+                  <a:prstClr val="black"/>
+                </a:solidFill>
+                <a:latin typeface="Calibri"/>
+                <a:ea typeface="ＭＳ Ｐゴシック" panose="020B0600070205080204" pitchFamily="50" charset="-128"/>
+              </a:rPr>
+              <a:t>77</a:t>
+            </a:r>
+            <a:r>
+              <a:rPr lang="ja-JP" altLang="en-US" dirty="0" smtClean="0">
+                <a:solidFill>
+                  <a:prstClr val="black"/>
+                </a:solidFill>
+                <a:latin typeface="Calibri"/>
+                <a:ea typeface="ＭＳ Ｐゴシック" panose="020B0600070205080204" pitchFamily="50" charset="-128"/>
+              </a:rPr>
+              <a:t>行目からはじまる</a:t>
+            </a:r>
+            <a:r>
+              <a:rPr lang="en-US" altLang="ja-JP" dirty="0" err="1" smtClean="0">
+                <a:solidFill>
+                  <a:prstClr val="black"/>
+                </a:solidFill>
+                <a:latin typeface="Calibri"/>
+                <a:ea typeface="ＭＳ Ｐゴシック" panose="020B0600070205080204" pitchFamily="50" charset="-128"/>
+              </a:rPr>
+              <a:t>OnGoal</a:t>
+            </a:r>
+            <a:r>
+              <a:rPr lang="ja-JP" altLang="en-US" dirty="0" smtClean="0">
+                <a:solidFill>
+                  <a:prstClr val="black"/>
+                </a:solidFill>
+                <a:latin typeface="Calibri"/>
+                <a:ea typeface="ＭＳ Ｐゴシック" panose="020B0600070205080204" pitchFamily="50" charset="-128"/>
+              </a:rPr>
+              <a:t>に下記の黒文字で書かれているコードを実装してください。</a:t>
             </a:r>
             <a:endParaRPr lang="en-US" altLang="ja-JP" dirty="0" smtClean="0">
               <a:solidFill>
@@ -12308,26 +12424,6 @@
             </a:endParaRPr>
           </a:p>
           <a:p>
-            <a:r>
-              <a:rPr lang="ja-JP" altLang="en-US" dirty="0">
-                <a:solidFill>
-                  <a:prstClr val="black"/>
-                </a:solidFill>
-                <a:latin typeface="Calibri"/>
-                <a:ea typeface="ＭＳ Ｐゴシック" panose="020B0600070205080204" pitchFamily="50" charset="-128"/>
-              </a:rPr>
-              <a:t>参照</a:t>
-            </a:r>
-            <a:r>
-              <a:rPr lang="ja-JP" altLang="en-US" dirty="0" smtClean="0">
-                <a:solidFill>
-                  <a:prstClr val="black"/>
-                </a:solidFill>
-                <a:latin typeface="Calibri"/>
-                <a:ea typeface="ＭＳ Ｐゴシック" panose="020B0600070205080204" pitchFamily="50" charset="-128"/>
-              </a:rPr>
-              <a:t>ください</a:t>
-            </a:r>
             <a:endParaRPr lang="en-US" altLang="ja-JP" dirty="0">
               <a:solidFill>
                 <a:prstClr val="black"/>
@@ -12391,569 +12487,34 @@
           <a:lstStyle/>
           <a:p>
             <a:r>
-              <a:rPr lang="en-US" altLang="ja-JP" sz="3200" dirty="0">
-                <a:latin typeface="Meiryo UI" panose="020B0604030504040204" pitchFamily="50" charset="-128"/>
-                <a:ea typeface="Meiryo UI" panose="020B0604030504040204" pitchFamily="50" charset="-128"/>
-                <a:cs typeface="Meiryo UI" panose="020B0604030504040204" pitchFamily="50" charset="-128"/>
-              </a:rPr>
-              <a:t>UI</a:t>
-            </a:r>
-            <a:r>
               <a:rPr lang="ja-JP" altLang="en-US" sz="3200" dirty="0">
                 <a:latin typeface="Meiryo UI" panose="020B0604030504040204" pitchFamily="50" charset="-128"/>
                 <a:ea typeface="Meiryo UI" panose="020B0604030504040204" pitchFamily="50" charset="-128"/>
                 <a:cs typeface="Meiryo UI" panose="020B0604030504040204" pitchFamily="50" charset="-128"/>
               </a:rPr>
-              <a:t>との</a:t>
-            </a:r>
-            <a:r>
-              <a:rPr lang="ja-JP" altLang="en-US" sz="3200" dirty="0" smtClean="0">
-                <a:latin typeface="Meiryo UI" panose="020B0604030504040204" pitchFamily="50" charset="-128"/>
-                <a:ea typeface="Meiryo UI" panose="020B0604030504040204" pitchFamily="50" charset="-128"/>
-                <a:cs typeface="Meiryo UI" panose="020B0604030504040204" pitchFamily="50" charset="-128"/>
-              </a:rPr>
-              <a:t>紐付け･動作確認</a:t>
-            </a:r>
-            <a:endParaRPr lang="ja-JP" altLang="en-US" sz="3200" dirty="0">
-              <a:latin typeface="Meiryo UI" panose="020B0604030504040204" pitchFamily="50" charset="-128"/>
-              <a:ea typeface="Meiryo UI" panose="020B0604030504040204" pitchFamily="50" charset="-128"/>
-              <a:cs typeface="Meiryo UI" panose="020B0604030504040204" pitchFamily="50" charset="-128"/>
-            </a:endParaRPr>
-          </a:p>
-        </p:txBody>
-      </p:sp>
-      <p:sp>
-        <p:nvSpPr>
-          <p:cNvPr id="6" name="正方形/長方形 5"/>
+              <a:t>ハンズオン</a:t>
+            </a:r>
+            <a:r>
+              <a:rPr kumimoji="1" lang="ja-JP" altLang="en-US" dirty="0" smtClean="0"/>
+              <a:t>の流れ</a:t>
+            </a:r>
+            <a:endParaRPr kumimoji="1" lang="ja-JP" altLang="en-US" dirty="0"/>
+          </a:p>
+        </p:txBody>
+      </p:sp>
+      <p:sp>
+        <p:nvSpPr>
+          <p:cNvPr id="4" name="角丸四角形 3"/>
           <p:cNvSpPr/>
           <p:nvPr/>
         </p:nvSpPr>
-        <p:spPr>
-          <a:xfrm>
-            <a:off x="971599" y="2477795"/>
-            <a:ext cx="6807781" cy="2031325"/>
-          </a:xfrm>
-          <a:prstGeom prst="rect">
+        <p:spPr bwMode="auto">
+          <a:xfrm>
+            <a:off x="539552" y="1556792"/>
+            <a:ext cx="3600000" cy="450000"/>
+          </a:xfrm>
+          <a:prstGeom prst="roundRect">
             <a:avLst/>
-          </a:prstGeom>
-          <a:noFill/>
-          <a:ln>
-            <a:solidFill>
-              <a:schemeClr val="tx1"/>
-            </a:solidFill>
-          </a:ln>
-        </p:spPr>
-        <p:style>
-          <a:lnRef idx="2">
-            <a:schemeClr val="accent1">
-              <a:shade val="50000"/>
-            </a:schemeClr>
-          </a:lnRef>
-          <a:fillRef idx="1">
-            <a:schemeClr val="accent1"/>
-          </a:fillRef>
-          <a:effectRef idx="0">
-            <a:schemeClr val="accent1"/>
-          </a:effectRef>
-          <a:fontRef idx="minor">
-            <a:schemeClr val="lt1"/>
-          </a:fontRef>
-        </p:style>
-        <p:txBody>
-          <a:bodyPr rtlCol="0" anchor="ctr"/>
-          <a:lstStyle/>
-          <a:p>
-            <a:pPr algn="ctr"/>
-            <a:endParaRPr kumimoji="1" lang="ja-JP" altLang="en-US"/>
-          </a:p>
-        </p:txBody>
-      </p:sp>
-      <p:sp>
-        <p:nvSpPr>
-          <p:cNvPr id="8" name="正方形/長方形 7"/>
-          <p:cNvSpPr/>
-          <p:nvPr/>
-        </p:nvSpPr>
-        <p:spPr>
-          <a:xfrm>
-            <a:off x="971599" y="2477795"/>
-            <a:ext cx="7200801" cy="2031325"/>
-          </a:xfrm>
-          <a:prstGeom prst="rect">
-            <a:avLst/>
-          </a:prstGeom>
-        </p:spPr>
-        <p:txBody>
-          <a:bodyPr wrap="square">
-            <a:spAutoFit/>
-          </a:bodyPr>
-          <a:lstStyle/>
-          <a:p>
-            <a:r>
-              <a:rPr lang="en-US" altLang="ja-JP" sz="1400" dirty="0" smtClean="0"/>
-              <a:t>void </a:t>
-            </a:r>
-            <a:r>
-              <a:rPr lang="en-US" altLang="ja-JP" sz="1400" dirty="0" err="1"/>
-              <a:t>OnGUI</a:t>
-            </a:r>
-            <a:r>
-              <a:rPr lang="en-US" altLang="ja-JP" sz="1400" dirty="0"/>
-              <a:t> () {</a:t>
-            </a:r>
-          </a:p>
-          <a:p>
-            <a:r>
-              <a:rPr lang="en-US" altLang="ja-JP" sz="1400" dirty="0"/>
-              <a:t>	</a:t>
-            </a:r>
-            <a:r>
-              <a:rPr lang="en-US" altLang="ja-JP" sz="1400" dirty="0" err="1" smtClean="0"/>
-              <a:t>drawSaveScore</a:t>
-            </a:r>
-            <a:r>
-              <a:rPr lang="en-US" altLang="ja-JP" sz="1400" dirty="0"/>
-              <a:t>();</a:t>
-            </a:r>
-          </a:p>
-          <a:p>
-            <a:r>
-              <a:rPr lang="en-US" altLang="ja-JP" sz="1400" dirty="0"/>
-              <a:t>	</a:t>
-            </a:r>
-            <a:r>
-              <a:rPr lang="en-US" altLang="ja-JP" sz="1400" dirty="0" smtClean="0"/>
-              <a:t>// </a:t>
-            </a:r>
-            <a:r>
-              <a:rPr lang="ja-JP" altLang="en-US" sz="1400" dirty="0"/>
-              <a:t>ログインボタンが押されたら</a:t>
-            </a:r>
-          </a:p>
-          <a:p>
-            <a:r>
-              <a:rPr lang="ja-JP" altLang="en-US" sz="1400" dirty="0"/>
-              <a:t>	</a:t>
-            </a:r>
-            <a:r>
-              <a:rPr lang="en-US" altLang="ja-JP" sz="1400" dirty="0" smtClean="0"/>
-              <a:t>if </a:t>
-            </a:r>
-            <a:r>
-              <a:rPr lang="en-US" altLang="ja-JP" sz="1400" dirty="0"/>
-              <a:t>(</a:t>
-            </a:r>
-            <a:r>
-              <a:rPr lang="en-US" altLang="ja-JP" sz="1400" dirty="0" err="1"/>
-              <a:t>SubmitButton</a:t>
-            </a:r>
-            <a:r>
-              <a:rPr lang="en-US" altLang="ja-JP" sz="1400" dirty="0"/>
-              <a:t>) {</a:t>
-            </a:r>
-          </a:p>
-          <a:p>
-            <a:r>
-              <a:rPr lang="en-US" altLang="ja-JP" sz="1400" dirty="0"/>
-              <a:t>		</a:t>
-            </a:r>
-            <a:r>
-              <a:rPr lang="en-US" altLang="ja-JP" sz="1400" dirty="0" smtClean="0"/>
-              <a:t>//</a:t>
-            </a:r>
-            <a:r>
-              <a:rPr lang="en-US" altLang="ja-JP" sz="1400" dirty="0" err="1"/>
-              <a:t>FindObjectOfType</a:t>
-            </a:r>
-            <a:r>
-              <a:rPr lang="en-US" altLang="ja-JP" sz="1400" dirty="0"/>
-              <a:t>&lt;</a:t>
-            </a:r>
-            <a:r>
-              <a:rPr lang="en-US" altLang="ja-JP" sz="1400" dirty="0" err="1"/>
-              <a:t>SaveScore</a:t>
-            </a:r>
-            <a:r>
-              <a:rPr lang="en-US" altLang="ja-JP" sz="1400" dirty="0"/>
-              <a:t>&gt; ().save (name, score);</a:t>
-            </a:r>
-          </a:p>
-          <a:p>
-            <a:r>
-              <a:rPr lang="en-US" altLang="ja-JP" sz="1400" dirty="0"/>
-              <a:t>		</a:t>
-            </a:r>
-            <a:r>
-              <a:rPr lang="en-US" altLang="ja-JP" sz="1400" dirty="0" err="1" smtClean="0"/>
-              <a:t>Application.LoadLevel</a:t>
-            </a:r>
-            <a:r>
-              <a:rPr lang="en-US" altLang="ja-JP" sz="1400" dirty="0" smtClean="0"/>
-              <a:t> </a:t>
-            </a:r>
-            <a:r>
-              <a:rPr lang="en-US" altLang="ja-JP" sz="1400" dirty="0"/>
-              <a:t>("Stage");</a:t>
-            </a:r>
-          </a:p>
-          <a:p>
-            <a:r>
-              <a:rPr lang="en-US" altLang="ja-JP" sz="1400" dirty="0"/>
-              <a:t>	</a:t>
-            </a:r>
-            <a:r>
-              <a:rPr lang="en-US" altLang="ja-JP" sz="1400" dirty="0" smtClean="0"/>
-              <a:t>}</a:t>
-            </a:r>
-            <a:endParaRPr lang="en-US" altLang="ja-JP" sz="1400" dirty="0"/>
-          </a:p>
-          <a:p>
-            <a:r>
-              <a:rPr lang="en-US" altLang="ja-JP" sz="1400" dirty="0"/>
-              <a:t>		</a:t>
-            </a:r>
-          </a:p>
-          <a:p>
-            <a:r>
-              <a:rPr lang="en-US" altLang="ja-JP" sz="1400" dirty="0" smtClean="0"/>
-              <a:t>}</a:t>
-            </a:r>
-            <a:endParaRPr lang="ja-JP" altLang="en-US" sz="1400" dirty="0"/>
-          </a:p>
-        </p:txBody>
-      </p:sp>
-      <p:sp>
-        <p:nvSpPr>
-          <p:cNvPr id="9" name="タイトル 1"/>
-          <p:cNvSpPr txBox="1">
-            <a:spLocks/>
-          </p:cNvSpPr>
-          <p:nvPr/>
-        </p:nvSpPr>
-        <p:spPr>
-          <a:xfrm>
-            <a:off x="946996" y="1102960"/>
-            <a:ext cx="5089768" cy="1080120"/>
-          </a:xfrm>
-          <a:prstGeom prst="rect">
-            <a:avLst/>
-          </a:prstGeom>
-        </p:spPr>
-        <p:txBody>
-          <a:bodyPr vert="horz" lIns="91440" tIns="45720" rIns="91440" bIns="45720" rtlCol="0" anchor="ctr">
-            <a:noAutofit/>
-          </a:bodyPr>
-          <a:lstStyle>
-            <a:lvl1pPr algn="ctr" defTabSz="914400" rtl="0" eaLnBrk="1" latinLnBrk="0" hangingPunct="1">
-              <a:spcBef>
-                <a:spcPct val="0"/>
-              </a:spcBef>
-              <a:buNone/>
-              <a:defRPr kumimoji="1" sz="4400" kern="1200">
-                <a:solidFill>
-                  <a:schemeClr val="tx1"/>
-                </a:solidFill>
-                <a:latin typeface="+mj-lt"/>
-                <a:ea typeface="+mj-ea"/>
-                <a:cs typeface="+mj-cs"/>
-              </a:defRPr>
-            </a:lvl1pPr>
-          </a:lstStyle>
-          <a:p>
-            <a:pPr algn="l"/>
-            <a:r>
-              <a:rPr lang="en-US" altLang="ja-JP" sz="2800" b="1" dirty="0" smtClean="0"/>
-              <a:t>UI</a:t>
-            </a:r>
-            <a:r>
-              <a:rPr lang="ja-JP" altLang="en-US" sz="2800" b="1" dirty="0" smtClean="0"/>
-              <a:t>との紐付け</a:t>
-            </a:r>
-            <a:endParaRPr lang="en-US" altLang="ja-JP" sz="2800" b="1" dirty="0" smtClean="0"/>
-          </a:p>
-          <a:p>
-            <a:pPr algn="l"/>
-            <a:endParaRPr lang="en-US" altLang="ja-JP" sz="1400" dirty="0" smtClean="0"/>
-          </a:p>
-          <a:p>
-            <a:pPr algn="l"/>
-            <a:r>
-              <a:rPr lang="en-US" altLang="ja-JP" sz="1400" dirty="0" smtClean="0"/>
-              <a:t>Asset&gt;Script</a:t>
-            </a:r>
-            <a:r>
-              <a:rPr lang="ja-JP" altLang="en-US" sz="1400" dirty="0" smtClean="0"/>
-              <a:t>の「</a:t>
-            </a:r>
-            <a:r>
-              <a:rPr lang="en-US" altLang="ja-JP" sz="1400" dirty="0" err="1" smtClean="0"/>
-              <a:t>ScoreUI.cs</a:t>
-            </a:r>
-            <a:r>
-              <a:rPr lang="ja-JP" altLang="en-US" sz="1400" dirty="0" smtClean="0"/>
-              <a:t>」の</a:t>
-            </a:r>
-            <a:endParaRPr lang="en-US" altLang="ja-JP" sz="1400" dirty="0" smtClean="0"/>
-          </a:p>
-          <a:p>
-            <a:pPr algn="l"/>
-            <a:r>
-              <a:rPr lang="en-US" altLang="ja-JP" sz="1400" dirty="0" err="1" smtClean="0"/>
-              <a:t>OnGUI</a:t>
-            </a:r>
-            <a:r>
-              <a:rPr lang="ja-JP" altLang="en-US" sz="1400" dirty="0" smtClean="0"/>
-              <a:t>のコメントアウト</a:t>
-            </a:r>
-            <a:r>
-              <a:rPr lang="en-US" altLang="ja-JP" sz="1400" dirty="0" smtClean="0"/>
-              <a:t>(</a:t>
-            </a:r>
-            <a:r>
-              <a:rPr lang="ja-JP" altLang="en-US" sz="1400" dirty="0" smtClean="0"/>
-              <a:t>赤丸部分</a:t>
-            </a:r>
-            <a:r>
-              <a:rPr lang="en-US" altLang="ja-JP" sz="1400" dirty="0" smtClean="0"/>
-              <a:t>)</a:t>
-            </a:r>
-            <a:r>
-              <a:rPr lang="ja-JP" altLang="en-US" sz="1400" dirty="0" smtClean="0"/>
-              <a:t>を消去すると</a:t>
-            </a:r>
-            <a:endParaRPr lang="en-US" altLang="ja-JP" sz="1400" dirty="0" smtClean="0"/>
-          </a:p>
-          <a:p>
-            <a:pPr algn="l"/>
-            <a:r>
-              <a:rPr lang="ja-JP" altLang="en-US" sz="1400" dirty="0" smtClean="0"/>
-              <a:t>左のゲームオーバー画面の</a:t>
-            </a:r>
-            <a:endParaRPr lang="en-US" altLang="ja-JP" sz="1400" dirty="0" smtClean="0"/>
-          </a:p>
-          <a:p>
-            <a:pPr algn="l"/>
-            <a:r>
-              <a:rPr lang="ja-JP" altLang="en-US" sz="1400" dirty="0" smtClean="0"/>
-              <a:t>「</a:t>
-            </a:r>
-            <a:r>
-              <a:rPr lang="en-US" altLang="ja-JP" sz="1400" dirty="0" err="1" smtClean="0"/>
-              <a:t>Submmit</a:t>
-            </a:r>
-            <a:r>
-              <a:rPr lang="ja-JP" altLang="en-US" sz="1400" dirty="0" smtClean="0"/>
-              <a:t>」ボタン押した際に</a:t>
-            </a:r>
-            <a:endParaRPr lang="en-US" altLang="ja-JP" sz="1400" dirty="0" smtClean="0"/>
-          </a:p>
-          <a:p>
-            <a:pPr algn="l"/>
-            <a:r>
-              <a:rPr lang="ja-JP" altLang="en-US" sz="1400" dirty="0" smtClean="0"/>
-              <a:t>入力した名前とスコアを保存できるようになります</a:t>
-            </a:r>
-            <a:endParaRPr lang="ja-JP" altLang="en-US" sz="1400" dirty="0"/>
-          </a:p>
-        </p:txBody>
-      </p:sp>
-      <p:sp>
-        <p:nvSpPr>
-          <p:cNvPr id="10" name="円/楕円 9"/>
-          <p:cNvSpPr/>
-          <p:nvPr/>
-        </p:nvSpPr>
-        <p:spPr>
-          <a:xfrm>
-            <a:off x="2783196" y="3341321"/>
-            <a:ext cx="288032" cy="281637"/>
-          </a:xfrm>
-          <a:prstGeom prst="ellipse">
-            <a:avLst/>
-          </a:prstGeom>
-          <a:noFill/>
-          <a:ln>
-            <a:solidFill>
-              <a:srgbClr val="FF0000"/>
-            </a:solidFill>
-          </a:ln>
-        </p:spPr>
-        <p:style>
-          <a:lnRef idx="2">
-            <a:schemeClr val="accent1">
-              <a:shade val="50000"/>
-            </a:schemeClr>
-          </a:lnRef>
-          <a:fillRef idx="1">
-            <a:schemeClr val="accent1"/>
-          </a:fillRef>
-          <a:effectRef idx="0">
-            <a:schemeClr val="accent1"/>
-          </a:effectRef>
-          <a:fontRef idx="minor">
-            <a:schemeClr val="lt1"/>
-          </a:fontRef>
-        </p:style>
-        <p:txBody>
-          <a:bodyPr rtlCol="0" anchor="ctr"/>
-          <a:lstStyle/>
-          <a:p>
-            <a:pPr algn="ctr"/>
-            <a:endParaRPr kumimoji="1" lang="ja-JP" altLang="en-US"/>
-          </a:p>
-        </p:txBody>
-      </p:sp>
-      <p:pic>
-        <p:nvPicPr>
-          <p:cNvPr id="7" name="Picture 3" descr="C:\Users\fumisato\Documents\ハンズオン\スコア画面.PNG"/>
-          <p:cNvPicPr>
-            <a:picLocks noChangeAspect="1" noChangeArrowheads="1"/>
-          </p:cNvPicPr>
-          <p:nvPr/>
-        </p:nvPicPr>
-        <p:blipFill>
-          <a:blip r:embed="rId2" cstate="print">
-            <a:extLst>
-              <a:ext uri="{28A0092B-C50C-407E-A947-70E740481C1C}">
-                <a14:useLocalDpi xmlns:a14="http://schemas.microsoft.com/office/drawing/2010/main" val="0"/>
-              </a:ext>
-            </a:extLst>
-          </a:blip>
-          <a:srcRect/>
-          <a:stretch>
-            <a:fillRect/>
-          </a:stretch>
-        </p:blipFill>
-        <p:spPr bwMode="auto">
-          <a:xfrm>
-            <a:off x="5475935" y="942777"/>
-            <a:ext cx="2303445" cy="1463010"/>
-          </a:xfrm>
-          <a:prstGeom prst="rect">
-            <a:avLst/>
-          </a:prstGeom>
-          <a:noFill/>
-          <a:extLst>
-            <a:ext uri="{909E8E84-426E-40DD-AFC4-6F175D3DCCD1}">
-              <a14:hiddenFill xmlns:a14="http://schemas.microsoft.com/office/drawing/2010/main">
-                <a:solidFill>
-                  <a:srgbClr val="FFFFFF"/>
-                </a:solidFill>
-              </a14:hiddenFill>
-            </a:ext>
-          </a:extLst>
-        </p:spPr>
-      </p:pic>
-      <p:sp>
-        <p:nvSpPr>
-          <p:cNvPr id="3" name="テキスト ボックス 2"/>
-          <p:cNvSpPr txBox="1"/>
-          <p:nvPr/>
-        </p:nvSpPr>
-        <p:spPr>
-          <a:xfrm>
-            <a:off x="83458" y="4581128"/>
-            <a:ext cx="3696454" cy="1169551"/>
-          </a:xfrm>
-          <a:prstGeom prst="rect">
-            <a:avLst/>
-          </a:prstGeom>
-          <a:noFill/>
-        </p:spPr>
-        <p:txBody>
-          <a:bodyPr wrap="square" rtlCol="0">
-            <a:spAutoFit/>
-          </a:bodyPr>
-          <a:lstStyle/>
-          <a:p>
-            <a:r>
-              <a:rPr lang="ja-JP" altLang="en-US" sz="2800" b="1" dirty="0" smtClean="0"/>
-              <a:t>動作確認</a:t>
-            </a:r>
-            <a:endParaRPr lang="en-US" altLang="ja-JP" sz="2800" b="1" dirty="0" smtClean="0"/>
-          </a:p>
-          <a:p>
-            <a:endParaRPr kumimoji="1" lang="en-US" altLang="ja-JP" sz="1400" dirty="0" smtClean="0"/>
-          </a:p>
-          <a:p>
-            <a:r>
-              <a:rPr kumimoji="1" lang="ja-JP" altLang="en-US" sz="1400" dirty="0" smtClean="0"/>
-              <a:t>一度</a:t>
-            </a:r>
-            <a:r>
-              <a:rPr lang="en-US" altLang="ja-JP" sz="1400" dirty="0"/>
-              <a:t>Asset&gt;Scenes</a:t>
-            </a:r>
-            <a:r>
-              <a:rPr lang="ja-JP" altLang="en-US" sz="1400" dirty="0"/>
-              <a:t>の「</a:t>
-            </a:r>
-            <a:r>
-              <a:rPr lang="en-US" altLang="ja-JP" sz="1400" dirty="0"/>
-              <a:t> </a:t>
-            </a:r>
-            <a:r>
-              <a:rPr lang="en-US" altLang="ja-JP" sz="1400" dirty="0" smtClean="0"/>
-              <a:t>Stage </a:t>
-            </a:r>
-            <a:r>
-              <a:rPr lang="ja-JP" altLang="en-US" sz="1400" dirty="0"/>
-              <a:t>」 シーンに</a:t>
-            </a:r>
-            <a:r>
-              <a:rPr kumimoji="1" lang="ja-JP" altLang="en-US" sz="1400" dirty="0" smtClean="0"/>
-              <a:t>戻っていただきゲームを実行してください</a:t>
-            </a:r>
-            <a:endParaRPr kumimoji="1" lang="ja-JP" altLang="en-US" sz="1400" dirty="0"/>
-          </a:p>
-        </p:txBody>
-      </p:sp>
-      <p:pic>
-        <p:nvPicPr>
-          <p:cNvPr id="4" name="図 3"/>
-          <p:cNvPicPr>
-            <a:picLocks noChangeAspect="1"/>
-          </p:cNvPicPr>
-          <p:nvPr/>
-        </p:nvPicPr>
-        <p:blipFill rotWithShape="1">
-          <a:blip r:embed="rId3">
-            <a:extLst>
-              <a:ext uri="{28A0092B-C50C-407E-A947-70E740481C1C}">
-                <a14:useLocalDpi xmlns:a14="http://schemas.microsoft.com/office/drawing/2010/main" val="0"/>
-              </a:ext>
-            </a:extLst>
-          </a:blip>
-          <a:srcRect l="125" r="42344" b="58561"/>
-          <a:stretch/>
-        </p:blipFill>
-        <p:spPr>
-          <a:xfrm>
-            <a:off x="3898812" y="4950460"/>
-            <a:ext cx="5245188" cy="1463037"/>
-          </a:xfrm>
-          <a:prstGeom prst="rect">
-            <a:avLst/>
-          </a:prstGeom>
-        </p:spPr>
-      </p:pic>
-      <p:sp>
-        <p:nvSpPr>
-          <p:cNvPr id="5" name="角丸四角形吹き出し 4"/>
-          <p:cNvSpPr/>
-          <p:nvPr/>
-        </p:nvSpPr>
-        <p:spPr bwMode="auto">
-          <a:xfrm>
-            <a:off x="683568" y="5736158"/>
-            <a:ext cx="3096344" cy="903582"/>
-          </a:xfrm>
-          <a:prstGeom prst="wedgeRoundRectCallout">
-            <a:avLst>
-              <a:gd name="adj1" fmla="val 56218"/>
-              <a:gd name="adj2" fmla="val -17554"/>
-              <a:gd name="adj3" fmla="val 16667"/>
-            </a:avLst>
           </a:prstGeom>
           <a:solidFill>
             <a:schemeClr val="bg1"/>
@@ -12981,6 +12542,70 @@
           </a:extLst>
         </p:spPr>
         <p:txBody>
+          <a:bodyPr vert="horz" wrap="none" lIns="91440" tIns="45720" rIns="91440" bIns="45720" numCol="1" rtlCol="0" anchor="b" anchorCtr="0" compatLnSpc="1">
+            <a:prstTxWarp prst="textNoShape">
+              <a:avLst/>
+            </a:prstTxWarp>
+          </a:bodyPr>
+          <a:lstStyle/>
+          <a:p>
+            <a:pPr algn="ctr"/>
+            <a:r>
+              <a:rPr lang="ja-JP" altLang="en-US" sz="2800" dirty="0" smtClean="0">
+                <a:latin typeface="Meiryo UI" panose="020B0604030504040204" pitchFamily="50" charset="-128"/>
+                <a:ea typeface="Meiryo UI" panose="020B0604030504040204" pitchFamily="50" charset="-128"/>
+                <a:cs typeface="Meiryo UI" panose="020B0604030504040204" pitchFamily="50" charset="-128"/>
+              </a:rPr>
+              <a:t>事前準備</a:t>
+            </a:r>
+            <a:endParaRPr lang="en-US" altLang="ja-JP" sz="2800" dirty="0" smtClean="0">
+              <a:latin typeface="Meiryo UI" panose="020B0604030504040204" pitchFamily="50" charset="-128"/>
+              <a:ea typeface="Meiryo UI" panose="020B0604030504040204" pitchFamily="50" charset="-128"/>
+              <a:cs typeface="Meiryo UI" panose="020B0604030504040204" pitchFamily="50" charset="-128"/>
+            </a:endParaRPr>
+          </a:p>
+        </p:txBody>
+      </p:sp>
+      <p:sp>
+        <p:nvSpPr>
+          <p:cNvPr id="5" name="角丸四角形 4"/>
+          <p:cNvSpPr/>
+          <p:nvPr/>
+        </p:nvSpPr>
+        <p:spPr bwMode="auto">
+          <a:xfrm>
+            <a:off x="539552" y="2643423"/>
+            <a:ext cx="3600000" cy="450000"/>
+          </a:xfrm>
+          <a:prstGeom prst="roundRect">
+            <a:avLst/>
+          </a:prstGeom>
+          <a:solidFill>
+            <a:schemeClr val="bg1"/>
+          </a:solidFill>
+          <a:ln w="38100" cap="flat" cmpd="sng" algn="ctr">
+            <a:solidFill>
+              <a:srgbClr val="808080"/>
+            </a:solidFill>
+            <a:prstDash val="solid"/>
+            <a:round/>
+            <a:headEnd type="none" w="med" len="med"/>
+            <a:tailEnd type="none" w="med" len="med"/>
+          </a:ln>
+          <a:effectLst/>
+          <a:extLst>
+            <a:ext uri="{AF507438-7753-43E0-B8FC-AC1667EBCBE1}">
+              <a14:hiddenEffects xmlns:a14="http://schemas.microsoft.com/office/drawing/2010/main">
+                <a:effectLst>
+                  <a:outerShdw dist="35921" dir="2700000" algn="ctr" rotWithShape="0">
+                    <a:schemeClr val="bg2"/>
+                  </a:outerShdw>
+                </a:effectLst>
+              </a14:hiddenEffects>
+            </a:ext>
+          </a:extLst>
+        </p:spPr>
+        <p:txBody>
           <a:bodyPr vert="horz" wrap="none" lIns="91440" tIns="45720" rIns="91440" bIns="45720" numCol="1" rtlCol="0" anchor="ctr" anchorCtr="0" compatLnSpc="1">
             <a:prstTxWarp prst="textNoShape">
               <a:avLst/>
@@ -12988,102 +12613,968 @@
           </a:bodyPr>
           <a:lstStyle/>
           <a:p>
-            <a:pPr lvl="0"/>
+            <a:pPr algn="ctr" fontAlgn="base">
+              <a:spcBef>
+                <a:spcPct val="0"/>
+              </a:spcBef>
+              <a:spcAft>
+                <a:spcPct val="0"/>
+              </a:spcAft>
+            </a:pPr>
+            <a:r>
+              <a:rPr lang="en-US" altLang="ja-JP" sz="2800" dirty="0" err="1" smtClean="0">
+                <a:latin typeface="Meiryo UI" panose="020B0604030504040204" pitchFamily="50" charset="-128"/>
+                <a:ea typeface="Meiryo UI" panose="020B0604030504040204" pitchFamily="50" charset="-128"/>
+                <a:cs typeface="Meiryo UI" panose="020B0604030504040204" pitchFamily="50" charset="-128"/>
+              </a:rPr>
+              <a:t>mBaaS</a:t>
+            </a:r>
+            <a:r>
+              <a:rPr lang="ja-JP" altLang="en-US" sz="2800" dirty="0" err="1" smtClean="0">
+                <a:latin typeface="Meiryo UI" panose="020B0604030504040204" pitchFamily="50" charset="-128"/>
+                <a:ea typeface="Meiryo UI" panose="020B0604030504040204" pitchFamily="50" charset="-128"/>
+                <a:cs typeface="Meiryo UI" panose="020B0604030504040204" pitchFamily="50" charset="-128"/>
+              </a:rPr>
+              <a:t>への</a:t>
+            </a:r>
+            <a:r>
+              <a:rPr lang="ja-JP" altLang="en-US" sz="2800" dirty="0" smtClean="0">
+                <a:latin typeface="Meiryo UI" panose="020B0604030504040204" pitchFamily="50" charset="-128"/>
+                <a:ea typeface="Meiryo UI" panose="020B0604030504040204" pitchFamily="50" charset="-128"/>
+                <a:cs typeface="Meiryo UI" panose="020B0604030504040204" pitchFamily="50" charset="-128"/>
+              </a:rPr>
+              <a:t>認証の準備</a:t>
+            </a:r>
+            <a:endParaRPr lang="ja-JP" altLang="en-US" sz="2800" dirty="0">
+              <a:latin typeface="Meiryo UI" panose="020B0604030504040204" pitchFamily="50" charset="-128"/>
+              <a:ea typeface="Meiryo UI" panose="020B0604030504040204" pitchFamily="50" charset="-128"/>
+              <a:cs typeface="Meiryo UI" panose="020B0604030504040204" pitchFamily="50" charset="-128"/>
+            </a:endParaRPr>
+          </a:p>
+        </p:txBody>
+      </p:sp>
+      <p:sp>
+        <p:nvSpPr>
+          <p:cNvPr id="6" name="角丸四角形 5"/>
+          <p:cNvSpPr/>
+          <p:nvPr/>
+        </p:nvSpPr>
+        <p:spPr bwMode="auto">
+          <a:xfrm>
+            <a:off x="539552" y="3730054"/>
+            <a:ext cx="3600000" cy="450000"/>
+          </a:xfrm>
+          <a:prstGeom prst="roundRect">
+            <a:avLst/>
+          </a:prstGeom>
+          <a:solidFill>
+            <a:schemeClr val="bg1"/>
+          </a:solidFill>
+          <a:ln w="38100" cap="flat" cmpd="sng" algn="ctr">
+            <a:solidFill>
+              <a:srgbClr val="808080"/>
+            </a:solidFill>
+            <a:prstDash val="solid"/>
+            <a:round/>
+            <a:headEnd type="none" w="med" len="med"/>
+            <a:tailEnd type="none" w="med" len="med"/>
+          </a:ln>
+          <a:effectLst/>
+          <a:extLst>
+            <a:ext uri="{AF507438-7753-43E0-B8FC-AC1667EBCBE1}">
+              <a14:hiddenEffects xmlns:a14="http://schemas.microsoft.com/office/drawing/2010/main">
+                <a:effectLst>
+                  <a:outerShdw dist="35921" dir="2700000" algn="ctr" rotWithShape="0">
+                    <a:schemeClr val="bg2"/>
+                  </a:outerShdw>
+                </a:effectLst>
+              </a14:hiddenEffects>
+            </a:ext>
+          </a:extLst>
+        </p:spPr>
+        <p:txBody>
+          <a:bodyPr vert="horz" wrap="none" lIns="91440" tIns="45720" rIns="91440" bIns="45720" numCol="1" rtlCol="0" anchor="ctr" anchorCtr="0" compatLnSpc="1">
+            <a:prstTxWarp prst="textNoShape">
+              <a:avLst/>
+            </a:prstTxWarp>
+          </a:bodyPr>
+          <a:lstStyle/>
+          <a:p>
+            <a:pPr algn="ctr" fontAlgn="base">
+              <a:spcBef>
+                <a:spcPct val="0"/>
+              </a:spcBef>
+              <a:spcAft>
+                <a:spcPct val="0"/>
+              </a:spcAft>
+            </a:pPr>
+            <a:r>
+              <a:rPr lang="ja-JP" altLang="en-US" sz="2800" dirty="0" smtClean="0">
+                <a:latin typeface="Meiryo UI" panose="020B0604030504040204" pitchFamily="50" charset="-128"/>
+                <a:ea typeface="Meiryo UI" panose="020B0604030504040204" pitchFamily="50" charset="-128"/>
+                <a:cs typeface="Meiryo UI" panose="020B0604030504040204" pitchFamily="50" charset="-128"/>
+              </a:rPr>
+              <a:t>データ更新実装</a:t>
+            </a:r>
+            <a:endParaRPr lang="ja-JP" altLang="en-US" sz="2800" dirty="0">
+              <a:latin typeface="Meiryo UI" panose="020B0604030504040204" pitchFamily="50" charset="-128"/>
+              <a:ea typeface="Meiryo UI" panose="020B0604030504040204" pitchFamily="50" charset="-128"/>
+              <a:cs typeface="Meiryo UI" panose="020B0604030504040204" pitchFamily="50" charset="-128"/>
+            </a:endParaRPr>
+          </a:p>
+        </p:txBody>
+      </p:sp>
+      <p:sp>
+        <p:nvSpPr>
+          <p:cNvPr id="7" name="角丸四角形 6"/>
+          <p:cNvSpPr/>
+          <p:nvPr/>
+        </p:nvSpPr>
+        <p:spPr bwMode="auto">
+          <a:xfrm>
+            <a:off x="539552" y="4816684"/>
+            <a:ext cx="3600000" cy="450000"/>
+          </a:xfrm>
+          <a:prstGeom prst="roundRect">
+            <a:avLst/>
+          </a:prstGeom>
+          <a:solidFill>
+            <a:schemeClr val="bg1"/>
+          </a:solidFill>
+          <a:ln w="38100" cap="flat" cmpd="sng" algn="ctr">
+            <a:solidFill>
+              <a:srgbClr val="808080"/>
+            </a:solidFill>
+            <a:prstDash val="solid"/>
+            <a:round/>
+            <a:headEnd type="none" w="med" len="med"/>
+            <a:tailEnd type="none" w="med" len="med"/>
+          </a:ln>
+          <a:effectLst/>
+          <a:extLst>
+            <a:ext uri="{AF507438-7753-43E0-B8FC-AC1667EBCBE1}">
+              <a14:hiddenEffects xmlns:a14="http://schemas.microsoft.com/office/drawing/2010/main">
+                <a:effectLst>
+                  <a:outerShdw dist="35921" dir="2700000" algn="ctr" rotWithShape="0">
+                    <a:schemeClr val="bg2"/>
+                  </a:outerShdw>
+                </a:effectLst>
+              </a14:hiddenEffects>
+            </a:ext>
+          </a:extLst>
+        </p:spPr>
+        <p:txBody>
+          <a:bodyPr vert="horz" wrap="none" lIns="91440" tIns="45720" rIns="91440" bIns="45720" numCol="1" rtlCol="0" anchor="ctr" anchorCtr="0" compatLnSpc="1">
+            <a:prstTxWarp prst="textNoShape">
+              <a:avLst/>
+            </a:prstTxWarp>
+          </a:bodyPr>
+          <a:lstStyle/>
+          <a:p>
+            <a:pPr algn="ctr" fontAlgn="base">
+              <a:spcBef>
+                <a:spcPct val="0"/>
+              </a:spcBef>
+              <a:spcAft>
+                <a:spcPct val="0"/>
+              </a:spcAft>
+            </a:pPr>
+            <a:r>
+              <a:rPr lang="ja-JP" altLang="en-US" sz="2800" dirty="0" smtClean="0">
+                <a:latin typeface="Meiryo UI" panose="020B0604030504040204" pitchFamily="50" charset="-128"/>
+                <a:ea typeface="Meiryo UI" panose="020B0604030504040204" pitchFamily="50" charset="-128"/>
+                <a:cs typeface="Meiryo UI" panose="020B0604030504040204" pitchFamily="50" charset="-128"/>
+              </a:rPr>
+              <a:t> ランキング実装</a:t>
+            </a:r>
+            <a:endParaRPr lang="ja-JP" altLang="en-US" sz="2800" dirty="0">
+              <a:latin typeface="Meiryo UI" panose="020B0604030504040204" pitchFamily="50" charset="-128"/>
+              <a:ea typeface="Meiryo UI" panose="020B0604030504040204" pitchFamily="50" charset="-128"/>
+              <a:cs typeface="Meiryo UI" panose="020B0604030504040204" pitchFamily="50" charset="-128"/>
+            </a:endParaRPr>
+          </a:p>
+        </p:txBody>
+      </p:sp>
+      <p:cxnSp>
+        <p:nvCxnSpPr>
+          <p:cNvPr id="8" name="直線矢印コネクタ 7"/>
+          <p:cNvCxnSpPr>
+            <a:stCxn id="4" idx="2"/>
+            <a:endCxn id="5" idx="0"/>
+          </p:cNvCxnSpPr>
+          <p:nvPr/>
+        </p:nvCxnSpPr>
+        <p:spPr bwMode="auto">
+          <a:xfrm>
+            <a:off x="2339552" y="2006792"/>
+            <a:ext cx="0" cy="636631"/>
+          </a:xfrm>
+          <a:prstGeom prst="straightConnector1">
+            <a:avLst/>
+          </a:prstGeom>
+          <a:solidFill>
+            <a:schemeClr val="bg1"/>
+          </a:solidFill>
+          <a:ln w="57150" cap="flat" cmpd="sng" algn="ctr">
+            <a:solidFill>
+              <a:schemeClr val="tx1"/>
+            </a:solidFill>
+            <a:prstDash val="solid"/>
+            <a:round/>
+            <a:headEnd type="none" w="med" len="med"/>
+            <a:tailEnd type="triangle"/>
+          </a:ln>
+          <a:effectLst/>
+          <a:extLst>
+            <a:ext uri="{AF507438-7753-43E0-B8FC-AC1667EBCBE1}">
+              <a14:hiddenEffects xmlns:a14="http://schemas.microsoft.com/office/drawing/2010/main">
+                <a:effectLst>
+                  <a:outerShdw dist="35921" dir="2700000" algn="ctr" rotWithShape="0">
+                    <a:schemeClr val="bg2"/>
+                  </a:outerShdw>
+                </a:effectLst>
+              </a14:hiddenEffects>
+            </a:ext>
+          </a:extLst>
+        </p:spPr>
+      </p:cxnSp>
+      <p:cxnSp>
+        <p:nvCxnSpPr>
+          <p:cNvPr id="9" name="直線矢印コネクタ 8"/>
+          <p:cNvCxnSpPr>
+            <a:stCxn id="5" idx="2"/>
+            <a:endCxn id="6" idx="0"/>
+          </p:cNvCxnSpPr>
+          <p:nvPr/>
+        </p:nvCxnSpPr>
+        <p:spPr bwMode="auto">
+          <a:xfrm>
+            <a:off x="2339552" y="3093423"/>
+            <a:ext cx="0" cy="636631"/>
+          </a:xfrm>
+          <a:prstGeom prst="straightConnector1">
+            <a:avLst/>
+          </a:prstGeom>
+          <a:solidFill>
+            <a:schemeClr val="bg1"/>
+          </a:solidFill>
+          <a:ln w="57150" cap="flat" cmpd="sng" algn="ctr">
+            <a:solidFill>
+              <a:schemeClr val="tx1"/>
+            </a:solidFill>
+            <a:prstDash val="solid"/>
+            <a:round/>
+            <a:headEnd type="none" w="med" len="med"/>
+            <a:tailEnd type="triangle"/>
+          </a:ln>
+          <a:effectLst/>
+          <a:extLst>
+            <a:ext uri="{AF507438-7753-43E0-B8FC-AC1667EBCBE1}">
+              <a14:hiddenEffects xmlns:a14="http://schemas.microsoft.com/office/drawing/2010/main">
+                <a:effectLst>
+                  <a:outerShdw dist="35921" dir="2700000" algn="ctr" rotWithShape="0">
+                    <a:schemeClr val="bg2"/>
+                  </a:outerShdw>
+                </a:effectLst>
+              </a14:hiddenEffects>
+            </a:ext>
+          </a:extLst>
+        </p:spPr>
+      </p:cxnSp>
+      <p:cxnSp>
+        <p:nvCxnSpPr>
+          <p:cNvPr id="10" name="直線矢印コネクタ 9"/>
+          <p:cNvCxnSpPr>
+            <a:stCxn id="6" idx="2"/>
+            <a:endCxn id="7" idx="0"/>
+          </p:cNvCxnSpPr>
+          <p:nvPr/>
+        </p:nvCxnSpPr>
+        <p:spPr bwMode="auto">
+          <a:xfrm>
+            <a:off x="2339552" y="4180054"/>
+            <a:ext cx="0" cy="636630"/>
+          </a:xfrm>
+          <a:prstGeom prst="straightConnector1">
+            <a:avLst/>
+          </a:prstGeom>
+          <a:solidFill>
+            <a:schemeClr val="bg1"/>
+          </a:solidFill>
+          <a:ln w="57150" cap="flat" cmpd="sng" algn="ctr">
+            <a:solidFill>
+              <a:schemeClr val="tx1"/>
+            </a:solidFill>
+            <a:prstDash val="solid"/>
+            <a:round/>
+            <a:headEnd type="none" w="med" len="med"/>
+            <a:tailEnd type="triangle"/>
+          </a:ln>
+          <a:effectLst/>
+          <a:extLst>
+            <a:ext uri="{AF507438-7753-43E0-B8FC-AC1667EBCBE1}">
+              <a14:hiddenEffects xmlns:a14="http://schemas.microsoft.com/office/drawing/2010/main">
+                <a:effectLst>
+                  <a:outerShdw dist="35921" dir="2700000" algn="ctr" rotWithShape="0">
+                    <a:schemeClr val="bg2"/>
+                  </a:outerShdw>
+                </a:effectLst>
+              </a14:hiddenEffects>
+            </a:ext>
+          </a:extLst>
+        </p:spPr>
+      </p:cxnSp>
+      <p:sp>
+        <p:nvSpPr>
+          <p:cNvPr id="12" name="テキスト ボックス 11"/>
+          <p:cNvSpPr txBox="1"/>
+          <p:nvPr/>
+        </p:nvSpPr>
+        <p:spPr>
+          <a:xfrm>
+            <a:off x="4572000" y="1250176"/>
+            <a:ext cx="4392488" cy="738664"/>
+          </a:xfrm>
+          <a:prstGeom prst="rect">
+            <a:avLst/>
+          </a:prstGeom>
+          <a:noFill/>
+        </p:spPr>
+        <p:txBody>
+          <a:bodyPr wrap="square" rtlCol="0">
+            <a:spAutoFit/>
+          </a:bodyPr>
+          <a:lstStyle/>
+          <a:p>
+            <a:r>
+              <a:rPr lang="ja-JP" altLang="en-US" sz="1400" dirty="0"/>
+              <a:t>データストア</a:t>
+            </a:r>
+            <a:r>
+              <a:rPr lang="ja-JP" altLang="en-US" sz="1400" dirty="0" smtClean="0"/>
+              <a:t>の取得を応用し、ランキングを作成します。</a:t>
+            </a:r>
             <a:r>
               <a:rPr lang="ja-JP" altLang="en-US" sz="1400" dirty="0">
-                <a:solidFill>
-                  <a:prstClr val="black"/>
-                </a:solidFill>
-              </a:rPr>
-              <a:t>ゲームオーバー後</a:t>
-            </a:r>
-            <a:endParaRPr lang="en-US" altLang="ja-JP" sz="1400" dirty="0">
+                <a:latin typeface="Meiryo UI" panose="020B0604030504040204" pitchFamily="50" charset="-128"/>
+                <a:ea typeface="Meiryo UI" panose="020B0604030504040204" pitchFamily="50" charset="-128"/>
+                <a:cs typeface="Meiryo UI" panose="020B0604030504040204" pitchFamily="50" charset="-128"/>
+              </a:rPr>
+              <a:t>ハンズオン</a:t>
+            </a:r>
+            <a:r>
+              <a:rPr lang="ja-JP" altLang="en-US" sz="1400" dirty="0" smtClean="0"/>
+              <a:t>ではコーディングはせず、ランキングの構成要素とロジックの解説を行います。</a:t>
+            </a:r>
+            <a:endParaRPr lang="en-US" altLang="ja-JP" sz="1400" dirty="0" smtClean="0"/>
+          </a:p>
+        </p:txBody>
+      </p:sp>
+      <p:sp>
+        <p:nvSpPr>
+          <p:cNvPr id="13" name="角丸四角形吹き出し 12"/>
+          <p:cNvSpPr/>
+          <p:nvPr/>
+        </p:nvSpPr>
+        <p:spPr bwMode="auto">
+          <a:xfrm>
+            <a:off x="4572000" y="2132856"/>
+            <a:ext cx="4464496" cy="4032448"/>
+          </a:xfrm>
+          <a:prstGeom prst="wedgeRoundRectCallout">
+            <a:avLst>
+              <a:gd name="adj1" fmla="val -58937"/>
+              <a:gd name="adj2" fmla="val 18900"/>
+              <a:gd name="adj3" fmla="val 16667"/>
+            </a:avLst>
+          </a:prstGeom>
+          <a:solidFill>
+            <a:schemeClr val="bg1"/>
+          </a:solidFill>
+          <a:ln w="38100" cap="flat" cmpd="sng" algn="ctr">
+            <a:solidFill>
+              <a:srgbClr val="808080"/>
+            </a:solidFill>
+            <a:prstDash val="solid"/>
+            <a:round/>
+            <a:headEnd type="none" w="med" len="med"/>
+            <a:tailEnd type="none" w="med" len="med"/>
+          </a:ln>
+          <a:effectLst/>
+          <a:extLst>
+            <a:ext uri="{AF507438-7753-43E0-B8FC-AC1667EBCBE1}">
+              <a14:hiddenEffects xmlns:a14="http://schemas.microsoft.com/office/drawing/2010/main">
+                <a:effectLst>
+                  <a:outerShdw dist="35921" dir="2700000" algn="ctr" rotWithShape="0">
+                    <a:schemeClr val="bg2"/>
+                  </a:outerShdw>
+                </a:effectLst>
+              </a14:hiddenEffects>
+            </a:ext>
+          </a:extLst>
+        </p:spPr>
+        <p:txBody>
+          <a:bodyPr vert="horz" wrap="none" lIns="91440" tIns="45720" rIns="91440" bIns="45720" numCol="1" rtlCol="0" anchor="ctr" anchorCtr="0" compatLnSpc="1">
+            <a:prstTxWarp prst="textNoShape">
+              <a:avLst/>
+            </a:prstTxWarp>
+          </a:bodyPr>
+          <a:lstStyle/>
+          <a:p>
+            <a:pPr marL="0" marR="0" indent="0" algn="ctr" defTabSz="914400" rtl="0" eaLnBrk="1" fontAlgn="base" latinLnBrk="0" hangingPunct="1">
+              <a:lnSpc>
+                <a:spcPct val="100000"/>
+              </a:lnSpc>
+              <a:spcBef>
+                <a:spcPct val="0"/>
+              </a:spcBef>
+              <a:spcAft>
+                <a:spcPct val="0"/>
+              </a:spcAft>
+              <a:buClrTx/>
+              <a:buSzTx/>
+              <a:buFontTx/>
+              <a:buNone/>
+              <a:tabLst/>
+            </a:pPr>
+            <a:endParaRPr kumimoji="1" lang="ja-JP" altLang="en-US" sz="2800" b="1" i="0" u="none" strike="noStrike" cap="none" normalizeH="0" baseline="0" smtClean="0">
+              <a:ln>
+                <a:noFill/>
+              </a:ln>
               <a:solidFill>
-                <a:prstClr val="black"/>
+                <a:schemeClr val="tx1"/>
               </a:solidFill>
+              <a:effectLst/>
+              <a:latin typeface="HGP創英角ｺﾞｼｯｸUB" pitchFamily="50" charset="-128"/>
+              <a:ea typeface="HGP創英角ｺﾞｼｯｸUB" pitchFamily="50" charset="-128"/>
             </a:endParaRPr>
           </a:p>
-          <a:p>
-            <a:pPr lvl="0"/>
+        </p:txBody>
+      </p:sp>
+      <p:sp>
+        <p:nvSpPr>
+          <p:cNvPr id="14" name="角丸四角形 13"/>
+          <p:cNvSpPr/>
+          <p:nvPr/>
+        </p:nvSpPr>
+        <p:spPr bwMode="auto">
+          <a:xfrm>
+            <a:off x="4860032" y="2311719"/>
+            <a:ext cx="2592288" cy="188031"/>
+          </a:xfrm>
+          <a:prstGeom prst="roundRect">
+            <a:avLst/>
+          </a:prstGeom>
+          <a:solidFill>
+            <a:schemeClr val="bg1"/>
+          </a:solidFill>
+          <a:ln w="38100" cap="flat" cmpd="sng" algn="ctr">
+            <a:noFill/>
+            <a:prstDash val="solid"/>
+            <a:round/>
+            <a:headEnd type="none" w="med" len="med"/>
+            <a:tailEnd type="none" w="med" len="med"/>
+          </a:ln>
+          <a:effectLst/>
+          <a:extLst>
+            <a:ext uri="{AF507438-7753-43E0-B8FC-AC1667EBCBE1}">
+              <a14:hiddenEffects xmlns:a14="http://schemas.microsoft.com/office/drawing/2010/main">
+                <a:effectLst>
+                  <a:outerShdw dist="35921" dir="2700000" algn="ctr" rotWithShape="0">
+                    <a:schemeClr val="bg2"/>
+                  </a:outerShdw>
+                </a:effectLst>
+              </a14:hiddenEffects>
+            </a:ext>
+          </a:extLst>
+        </p:spPr>
+        <p:txBody>
+          <a:bodyPr vert="horz" wrap="none" lIns="91440" tIns="45720" rIns="91440" bIns="45720" numCol="1" rtlCol="0" anchor="b" anchorCtr="0" compatLnSpc="1">
+            <a:prstTxWarp prst="textNoShape">
+              <a:avLst/>
+            </a:prstTxWarp>
+          </a:bodyPr>
+          <a:lstStyle/>
+          <a:p>
+            <a:pPr algn="ctr"/>
+            <a:r>
+              <a:rPr lang="en-US" altLang="ja-JP" sz="1400" dirty="0" smtClean="0">
+                <a:latin typeface="Meiryo UI" panose="020B0604030504040204" pitchFamily="50" charset="-128"/>
+                <a:ea typeface="Meiryo UI" panose="020B0604030504040204" pitchFamily="50" charset="-128"/>
+                <a:cs typeface="Meiryo UI" panose="020B0604030504040204" pitchFamily="50" charset="-128"/>
+              </a:rPr>
+              <a:t>｢</a:t>
+            </a:r>
             <a:r>
               <a:rPr lang="ja-JP" altLang="en-US" sz="1400" dirty="0">
-                <a:solidFill>
-                  <a:prstClr val="black"/>
-                </a:solidFill>
-              </a:rPr>
-              <a:t>管理画面よりデータストア</a:t>
+                <a:latin typeface="Meiryo UI" panose="020B0604030504040204" pitchFamily="50" charset="-128"/>
+                <a:ea typeface="Meiryo UI" panose="020B0604030504040204" pitchFamily="50" charset="-128"/>
+                <a:cs typeface="Meiryo UI" panose="020B0604030504040204" pitchFamily="50" charset="-128"/>
+              </a:rPr>
+              <a:t>ランキング</a:t>
             </a:r>
             <a:r>
               <a:rPr lang="ja-JP" altLang="en-US" sz="1400" dirty="0" smtClean="0">
-                <a:solidFill>
-                  <a:prstClr val="black"/>
-                </a:solidFill>
-              </a:rPr>
-              <a:t>を</a:t>
+                <a:latin typeface="Meiryo UI" panose="020B0604030504040204" pitchFamily="50" charset="-128"/>
+                <a:ea typeface="Meiryo UI" panose="020B0604030504040204" pitchFamily="50" charset="-128"/>
+                <a:cs typeface="Meiryo UI" panose="020B0604030504040204" pitchFamily="50" charset="-128"/>
+              </a:rPr>
+              <a:t>実装</a:t>
+            </a:r>
+            <a:r>
+              <a:rPr lang="en-US" altLang="ja-JP" sz="1400" dirty="0" smtClean="0">
+                <a:latin typeface="Meiryo UI" panose="020B0604030504040204" pitchFamily="50" charset="-128"/>
+                <a:ea typeface="Meiryo UI" panose="020B0604030504040204" pitchFamily="50" charset="-128"/>
+                <a:cs typeface="Meiryo UI" panose="020B0604030504040204" pitchFamily="50" charset="-128"/>
+              </a:rPr>
+              <a:t>｣</a:t>
+            </a:r>
+            <a:r>
+              <a:rPr lang="ja-JP" altLang="en-US" sz="1400" dirty="0" err="1" smtClean="0">
+                <a:latin typeface="Meiryo UI" panose="020B0604030504040204" pitchFamily="50" charset="-128"/>
+                <a:ea typeface="Meiryo UI" panose="020B0604030504040204" pitchFamily="50" charset="-128"/>
+                <a:cs typeface="Meiryo UI" panose="020B0604030504040204" pitchFamily="50" charset="-128"/>
+              </a:rPr>
+              <a:t>にて</a:t>
+            </a:r>
+            <a:r>
+              <a:rPr lang="ja-JP" altLang="en-US" sz="1400" dirty="0" smtClean="0">
+                <a:latin typeface="Meiryo UI" panose="020B0604030504040204" pitchFamily="50" charset="-128"/>
+                <a:ea typeface="Meiryo UI" panose="020B0604030504040204" pitchFamily="50" charset="-128"/>
+                <a:cs typeface="Meiryo UI" panose="020B0604030504040204" pitchFamily="50" charset="-128"/>
+              </a:rPr>
+              <a:t>おこなうこと</a:t>
             </a:r>
             <a:endParaRPr lang="en-US" altLang="ja-JP" sz="1400" dirty="0" smtClean="0">
-              <a:solidFill>
-                <a:prstClr val="black"/>
-              </a:solidFill>
+              <a:latin typeface="Meiryo UI" panose="020B0604030504040204" pitchFamily="50" charset="-128"/>
+              <a:ea typeface="Meiryo UI" panose="020B0604030504040204" pitchFamily="50" charset="-128"/>
+              <a:cs typeface="Meiryo UI" panose="020B0604030504040204" pitchFamily="50" charset="-128"/>
             </a:endParaRPr>
           </a:p>
-          <a:p>
-            <a:pPr lvl="0"/>
-            <a:r>
-              <a:rPr lang="ja-JP" altLang="en-US" sz="1400" dirty="0" smtClean="0">
-                <a:solidFill>
-                  <a:prstClr val="black"/>
-                </a:solidFill>
-              </a:rPr>
-              <a:t>ご確認</a:t>
-            </a:r>
-            <a:r>
-              <a:rPr lang="ja-JP" altLang="en-US" sz="1400" dirty="0">
-                <a:solidFill>
-                  <a:prstClr val="black"/>
-                </a:solidFill>
-              </a:rPr>
-              <a:t>いただき左記のよう</a:t>
-            </a:r>
-            <a:r>
-              <a:rPr lang="ja-JP" altLang="en-US" sz="1400" dirty="0" smtClean="0">
-                <a:solidFill>
-                  <a:prstClr val="black"/>
-                </a:solidFill>
-              </a:rPr>
-              <a:t>に</a:t>
-            </a:r>
-            <a:endParaRPr lang="en-US" altLang="ja-JP" sz="1400" dirty="0" smtClean="0">
-              <a:solidFill>
-                <a:prstClr val="black"/>
-              </a:solidFill>
+        </p:txBody>
+      </p:sp>
+      <p:sp>
+        <p:nvSpPr>
+          <p:cNvPr id="15" name="角丸四角形 14"/>
+          <p:cNvSpPr/>
+          <p:nvPr/>
+        </p:nvSpPr>
+        <p:spPr bwMode="auto">
+          <a:xfrm>
+            <a:off x="4950142" y="2769487"/>
+            <a:ext cx="3600000" cy="450000"/>
+          </a:xfrm>
+          <a:prstGeom prst="roundRect">
+            <a:avLst/>
+          </a:prstGeom>
+          <a:solidFill>
+            <a:schemeClr val="bg1"/>
+          </a:solidFill>
+          <a:ln w="38100" cap="flat" cmpd="sng" algn="ctr">
+            <a:solidFill>
+              <a:srgbClr val="808080"/>
+            </a:solidFill>
+            <a:prstDash val="solid"/>
+            <a:round/>
+            <a:headEnd type="none" w="med" len="med"/>
+            <a:tailEnd type="none" w="med" len="med"/>
+          </a:ln>
+          <a:effectLst/>
+          <a:extLst>
+            <a:ext uri="{AF507438-7753-43E0-B8FC-AC1667EBCBE1}">
+              <a14:hiddenEffects xmlns:a14="http://schemas.microsoft.com/office/drawing/2010/main">
+                <a:effectLst>
+                  <a:outerShdw dist="35921" dir="2700000" algn="ctr" rotWithShape="0">
+                    <a:schemeClr val="bg2"/>
+                  </a:outerShdw>
+                </a:effectLst>
+              </a14:hiddenEffects>
+            </a:ext>
+          </a:extLst>
+        </p:spPr>
+        <p:txBody>
+          <a:bodyPr vert="horz" wrap="none" lIns="91440" tIns="45720" rIns="91440" bIns="45720" numCol="1" rtlCol="0" anchor="b" anchorCtr="0" compatLnSpc="1">
+            <a:prstTxWarp prst="textNoShape">
+              <a:avLst/>
+            </a:prstTxWarp>
+          </a:bodyPr>
+          <a:lstStyle/>
+          <a:p>
+            <a:pPr algn="ctr"/>
+            <a:r>
+              <a:rPr lang="ja-JP" altLang="en-US" sz="2800" dirty="0" smtClean="0">
+                <a:latin typeface="Meiryo UI" panose="020B0604030504040204" pitchFamily="50" charset="-128"/>
+                <a:ea typeface="Meiryo UI" panose="020B0604030504040204" pitchFamily="50" charset="-128"/>
+                <a:cs typeface="Meiryo UI" panose="020B0604030504040204" pitchFamily="50" charset="-128"/>
+              </a:rPr>
+              <a:t>構成要素の確認</a:t>
+            </a:r>
+            <a:endParaRPr lang="en-US" altLang="ja-JP" sz="2800" dirty="0" smtClean="0">
+              <a:latin typeface="Meiryo UI" panose="020B0604030504040204" pitchFamily="50" charset="-128"/>
+              <a:ea typeface="Meiryo UI" panose="020B0604030504040204" pitchFamily="50" charset="-128"/>
+              <a:cs typeface="Meiryo UI" panose="020B0604030504040204" pitchFamily="50" charset="-128"/>
             </a:endParaRPr>
           </a:p>
-          <a:p>
-            <a:pPr lvl="0"/>
-            <a:r>
-              <a:rPr lang="ja-JP" altLang="en-US" sz="1400" dirty="0" smtClean="0">
-                <a:solidFill>
-                  <a:prstClr val="black"/>
-                </a:solidFill>
-              </a:rPr>
-              <a:t>データ</a:t>
-            </a:r>
-            <a:r>
-              <a:rPr lang="ja-JP" altLang="en-US" sz="1400" dirty="0">
-                <a:solidFill>
-                  <a:prstClr val="black"/>
-                </a:solidFill>
-              </a:rPr>
-              <a:t>が入っていれば成功です</a:t>
-            </a:r>
-          </a:p>
-        </p:txBody>
-      </p:sp>
+        </p:txBody>
+      </p:sp>
+      <p:sp>
+        <p:nvSpPr>
+          <p:cNvPr id="16" name="角丸四角形 15"/>
+          <p:cNvSpPr/>
+          <p:nvPr/>
+        </p:nvSpPr>
+        <p:spPr bwMode="auto">
+          <a:xfrm>
+            <a:off x="4950142" y="4349323"/>
+            <a:ext cx="3600000" cy="450000"/>
+          </a:xfrm>
+          <a:prstGeom prst="roundRect">
+            <a:avLst/>
+          </a:prstGeom>
+          <a:solidFill>
+            <a:schemeClr val="bg1"/>
+          </a:solidFill>
+          <a:ln w="38100" cap="flat" cmpd="sng" algn="ctr">
+            <a:solidFill>
+              <a:srgbClr val="808080"/>
+            </a:solidFill>
+            <a:prstDash val="solid"/>
+            <a:round/>
+            <a:headEnd type="none" w="med" len="med"/>
+            <a:tailEnd type="none" w="med" len="med"/>
+          </a:ln>
+          <a:effectLst/>
+          <a:extLst>
+            <a:ext uri="{AF507438-7753-43E0-B8FC-AC1667EBCBE1}">
+              <a14:hiddenEffects xmlns:a14="http://schemas.microsoft.com/office/drawing/2010/main">
+                <a:effectLst>
+                  <a:outerShdw dist="35921" dir="2700000" algn="ctr" rotWithShape="0">
+                    <a:schemeClr val="bg2"/>
+                  </a:outerShdw>
+                </a:effectLst>
+              </a14:hiddenEffects>
+            </a:ext>
+          </a:extLst>
+        </p:spPr>
+        <p:txBody>
+          <a:bodyPr vert="horz" wrap="none" lIns="91440" tIns="45720" rIns="91440" bIns="45720" numCol="1" rtlCol="0" anchor="ctr" anchorCtr="0" compatLnSpc="1">
+            <a:prstTxWarp prst="textNoShape">
+              <a:avLst/>
+            </a:prstTxWarp>
+          </a:bodyPr>
+          <a:lstStyle/>
+          <a:p>
+            <a:pPr algn="ctr" fontAlgn="base">
+              <a:spcBef>
+                <a:spcPct val="0"/>
+              </a:spcBef>
+              <a:spcAft>
+                <a:spcPct val="0"/>
+              </a:spcAft>
+            </a:pPr>
+            <a:r>
+              <a:rPr lang="ja-JP" altLang="en-US" sz="2800" dirty="0">
+                <a:latin typeface="Meiryo UI" panose="020B0604030504040204" pitchFamily="50" charset="-128"/>
+                <a:ea typeface="Meiryo UI" panose="020B0604030504040204" pitchFamily="50" charset="-128"/>
+                <a:cs typeface="Meiryo UI" panose="020B0604030504040204" pitchFamily="50" charset="-128"/>
+              </a:rPr>
+              <a:t>ロジック</a:t>
+            </a:r>
+            <a:r>
+              <a:rPr lang="ja-JP" altLang="en-US" sz="2800" dirty="0" smtClean="0">
+                <a:latin typeface="Meiryo UI" panose="020B0604030504040204" pitchFamily="50" charset="-128"/>
+                <a:ea typeface="Meiryo UI" panose="020B0604030504040204" pitchFamily="50" charset="-128"/>
+                <a:cs typeface="Meiryo UI" panose="020B0604030504040204" pitchFamily="50" charset="-128"/>
+              </a:rPr>
+              <a:t>の呼び出し方</a:t>
+            </a:r>
+            <a:endParaRPr lang="ja-JP" altLang="en-US" sz="2800" dirty="0">
+              <a:latin typeface="Meiryo UI" panose="020B0604030504040204" pitchFamily="50" charset="-128"/>
+              <a:ea typeface="Meiryo UI" panose="020B0604030504040204" pitchFamily="50" charset="-128"/>
+              <a:cs typeface="Meiryo UI" panose="020B0604030504040204" pitchFamily="50" charset="-128"/>
+            </a:endParaRPr>
+          </a:p>
+        </p:txBody>
+      </p:sp>
+      <p:cxnSp>
+        <p:nvCxnSpPr>
+          <p:cNvPr id="19" name="直線矢印コネクタ 18"/>
+          <p:cNvCxnSpPr>
+            <a:stCxn id="15" idx="2"/>
+            <a:endCxn id="18" idx="0"/>
+          </p:cNvCxnSpPr>
+          <p:nvPr/>
+        </p:nvCxnSpPr>
+        <p:spPr bwMode="auto">
+          <a:xfrm>
+            <a:off x="6750142" y="3219487"/>
+            <a:ext cx="0" cy="339918"/>
+          </a:xfrm>
+          <a:prstGeom prst="straightConnector1">
+            <a:avLst/>
+          </a:prstGeom>
+          <a:solidFill>
+            <a:schemeClr val="bg1"/>
+          </a:solidFill>
+          <a:ln w="57150" cap="flat" cmpd="sng" algn="ctr">
+            <a:solidFill>
+              <a:schemeClr val="tx1"/>
+            </a:solidFill>
+            <a:prstDash val="solid"/>
+            <a:round/>
+            <a:headEnd type="none" w="med" len="med"/>
+            <a:tailEnd type="triangle"/>
+          </a:ln>
+          <a:effectLst/>
+          <a:extLst>
+            <a:ext uri="{AF507438-7753-43E0-B8FC-AC1667EBCBE1}">
+              <a14:hiddenEffects xmlns:a14="http://schemas.microsoft.com/office/drawing/2010/main">
+                <a:effectLst>
+                  <a:outerShdw dist="35921" dir="2700000" algn="ctr" rotWithShape="0">
+                    <a:schemeClr val="bg2"/>
+                  </a:outerShdw>
+                </a:effectLst>
+              </a14:hiddenEffects>
+            </a:ext>
+          </a:extLst>
+        </p:spPr>
+      </p:cxnSp>
+      <p:sp>
+        <p:nvSpPr>
+          <p:cNvPr id="18" name="角丸四角形 17"/>
+          <p:cNvSpPr/>
+          <p:nvPr/>
+        </p:nvSpPr>
+        <p:spPr bwMode="auto">
+          <a:xfrm>
+            <a:off x="4950142" y="3559405"/>
+            <a:ext cx="3600000" cy="450000"/>
+          </a:xfrm>
+          <a:prstGeom prst="roundRect">
+            <a:avLst/>
+          </a:prstGeom>
+          <a:solidFill>
+            <a:schemeClr val="bg1"/>
+          </a:solidFill>
+          <a:ln w="38100" cap="flat" cmpd="sng" algn="ctr">
+            <a:solidFill>
+              <a:srgbClr val="808080"/>
+            </a:solidFill>
+            <a:prstDash val="solid"/>
+            <a:round/>
+            <a:headEnd type="none" w="med" len="med"/>
+            <a:tailEnd type="none" w="med" len="med"/>
+          </a:ln>
+          <a:effectLst/>
+          <a:extLst>
+            <a:ext uri="{AF507438-7753-43E0-B8FC-AC1667EBCBE1}">
+              <a14:hiddenEffects xmlns:a14="http://schemas.microsoft.com/office/drawing/2010/main">
+                <a:effectLst>
+                  <a:outerShdw dist="35921" dir="2700000" algn="ctr" rotWithShape="0">
+                    <a:schemeClr val="bg2"/>
+                  </a:outerShdw>
+                </a:effectLst>
+              </a14:hiddenEffects>
+            </a:ext>
+          </a:extLst>
+        </p:spPr>
+        <p:txBody>
+          <a:bodyPr vert="horz" wrap="none" lIns="91440" tIns="45720" rIns="91440" bIns="45720" numCol="1" rtlCol="0" anchor="ctr" anchorCtr="0" compatLnSpc="1">
+            <a:prstTxWarp prst="textNoShape">
+              <a:avLst/>
+            </a:prstTxWarp>
+          </a:bodyPr>
+          <a:lstStyle/>
+          <a:p>
+            <a:pPr algn="ctr" fontAlgn="base">
+              <a:spcBef>
+                <a:spcPct val="0"/>
+              </a:spcBef>
+              <a:spcAft>
+                <a:spcPct val="0"/>
+              </a:spcAft>
+            </a:pPr>
+            <a:r>
+              <a:rPr lang="en-US" altLang="ja-JP" sz="2800" dirty="0" err="1"/>
+              <a:t>LeaderBoard.cs</a:t>
+            </a:r>
+            <a:r>
+              <a:rPr lang="ja-JP" altLang="en-US" sz="2800" dirty="0" smtClean="0">
+                <a:latin typeface="Meiryo UI" panose="020B0604030504040204" pitchFamily="50" charset="-128"/>
+                <a:ea typeface="Meiryo UI" panose="020B0604030504040204" pitchFamily="50" charset="-128"/>
+                <a:cs typeface="Meiryo UI" panose="020B0604030504040204" pitchFamily="50" charset="-128"/>
+              </a:rPr>
+              <a:t>の解説</a:t>
+            </a:r>
+            <a:endParaRPr lang="ja-JP" altLang="en-US" sz="2800" dirty="0">
+              <a:latin typeface="Meiryo UI" panose="020B0604030504040204" pitchFamily="50" charset="-128"/>
+              <a:ea typeface="Meiryo UI" panose="020B0604030504040204" pitchFamily="50" charset="-128"/>
+              <a:cs typeface="Meiryo UI" panose="020B0604030504040204" pitchFamily="50" charset="-128"/>
+            </a:endParaRPr>
+          </a:p>
+        </p:txBody>
+      </p:sp>
+      <p:cxnSp>
+        <p:nvCxnSpPr>
+          <p:cNvPr id="21" name="直線矢印コネクタ 20"/>
+          <p:cNvCxnSpPr>
+            <a:stCxn id="18" idx="2"/>
+            <a:endCxn id="16" idx="0"/>
+          </p:cNvCxnSpPr>
+          <p:nvPr/>
+        </p:nvCxnSpPr>
+        <p:spPr bwMode="auto">
+          <a:xfrm>
+            <a:off x="6750142" y="4009405"/>
+            <a:ext cx="0" cy="339918"/>
+          </a:xfrm>
+          <a:prstGeom prst="straightConnector1">
+            <a:avLst/>
+          </a:prstGeom>
+          <a:solidFill>
+            <a:schemeClr val="bg1"/>
+          </a:solidFill>
+          <a:ln w="57150" cap="flat" cmpd="sng" algn="ctr">
+            <a:solidFill>
+              <a:schemeClr val="tx1"/>
+            </a:solidFill>
+            <a:prstDash val="solid"/>
+            <a:round/>
+            <a:headEnd type="none" w="med" len="med"/>
+            <a:tailEnd type="triangle"/>
+          </a:ln>
+          <a:effectLst/>
+          <a:extLst>
+            <a:ext uri="{AF507438-7753-43E0-B8FC-AC1667EBCBE1}">
+              <a14:hiddenEffects xmlns:a14="http://schemas.microsoft.com/office/drawing/2010/main">
+                <a:effectLst>
+                  <a:outerShdw dist="35921" dir="2700000" algn="ctr" rotWithShape="0">
+                    <a:schemeClr val="bg2"/>
+                  </a:outerShdw>
+                </a:effectLst>
+              </a14:hiddenEffects>
+            </a:ext>
+          </a:extLst>
+        </p:spPr>
+      </p:cxnSp>
+      <p:sp>
+        <p:nvSpPr>
+          <p:cNvPr id="20" name="角丸四角形 19"/>
+          <p:cNvSpPr/>
+          <p:nvPr/>
+        </p:nvSpPr>
+        <p:spPr bwMode="auto">
+          <a:xfrm>
+            <a:off x="4950142" y="5139240"/>
+            <a:ext cx="3600000" cy="450000"/>
+          </a:xfrm>
+          <a:prstGeom prst="roundRect">
+            <a:avLst/>
+          </a:prstGeom>
+          <a:solidFill>
+            <a:schemeClr val="bg1"/>
+          </a:solidFill>
+          <a:ln w="38100" cap="flat" cmpd="sng" algn="ctr">
+            <a:solidFill>
+              <a:srgbClr val="808080"/>
+            </a:solidFill>
+            <a:prstDash val="solid"/>
+            <a:round/>
+            <a:headEnd type="none" w="med" len="med"/>
+            <a:tailEnd type="none" w="med" len="med"/>
+          </a:ln>
+          <a:effectLst/>
+          <a:extLst>
+            <a:ext uri="{AF507438-7753-43E0-B8FC-AC1667EBCBE1}">
+              <a14:hiddenEffects xmlns:a14="http://schemas.microsoft.com/office/drawing/2010/main">
+                <a:effectLst>
+                  <a:outerShdw dist="35921" dir="2700000" algn="ctr" rotWithShape="0">
+                    <a:schemeClr val="bg2"/>
+                  </a:outerShdw>
+                </a:effectLst>
+              </a14:hiddenEffects>
+            </a:ext>
+          </a:extLst>
+        </p:spPr>
+        <p:txBody>
+          <a:bodyPr vert="horz" wrap="none" lIns="91440" tIns="45720" rIns="91440" bIns="45720" numCol="1" rtlCol="0" anchor="ctr" anchorCtr="0" compatLnSpc="1">
+            <a:prstTxWarp prst="textNoShape">
+              <a:avLst/>
+            </a:prstTxWarp>
+          </a:bodyPr>
+          <a:lstStyle/>
+          <a:p>
+            <a:pPr algn="ctr" fontAlgn="base">
+              <a:spcBef>
+                <a:spcPct val="0"/>
+              </a:spcBef>
+              <a:spcAft>
+                <a:spcPct val="0"/>
+              </a:spcAft>
+            </a:pPr>
+            <a:r>
+              <a:rPr lang="ja-JP" altLang="en-US" sz="2800" dirty="0" smtClean="0">
+                <a:latin typeface="Meiryo UI" panose="020B0604030504040204" pitchFamily="50" charset="-128"/>
+                <a:ea typeface="Meiryo UI" panose="020B0604030504040204" pitchFamily="50" charset="-128"/>
+                <a:cs typeface="Meiryo UI" panose="020B0604030504040204" pitchFamily="50" charset="-128"/>
+              </a:rPr>
+              <a:t>動作確認</a:t>
+            </a:r>
+            <a:endParaRPr lang="ja-JP" altLang="en-US" sz="2800" dirty="0">
+              <a:latin typeface="Meiryo UI" panose="020B0604030504040204" pitchFamily="50" charset="-128"/>
+              <a:ea typeface="Meiryo UI" panose="020B0604030504040204" pitchFamily="50" charset="-128"/>
+              <a:cs typeface="Meiryo UI" panose="020B0604030504040204" pitchFamily="50" charset="-128"/>
+            </a:endParaRPr>
+          </a:p>
+        </p:txBody>
+      </p:sp>
+      <p:cxnSp>
+        <p:nvCxnSpPr>
+          <p:cNvPr id="22" name="直線矢印コネクタ 21"/>
+          <p:cNvCxnSpPr>
+            <a:stCxn id="16" idx="2"/>
+            <a:endCxn id="20" idx="0"/>
+          </p:cNvCxnSpPr>
+          <p:nvPr/>
+        </p:nvCxnSpPr>
+        <p:spPr bwMode="auto">
+          <a:xfrm>
+            <a:off x="6750142" y="4799323"/>
+            <a:ext cx="0" cy="339917"/>
+          </a:xfrm>
+          <a:prstGeom prst="straightConnector1">
+            <a:avLst/>
+          </a:prstGeom>
+          <a:solidFill>
+            <a:schemeClr val="bg1"/>
+          </a:solidFill>
+          <a:ln w="57150" cap="flat" cmpd="sng" algn="ctr">
+            <a:solidFill>
+              <a:schemeClr val="tx1"/>
+            </a:solidFill>
+            <a:prstDash val="solid"/>
+            <a:round/>
+            <a:headEnd type="none" w="med" len="med"/>
+            <a:tailEnd type="triangle"/>
+          </a:ln>
+          <a:effectLst/>
+          <a:extLst>
+            <a:ext uri="{AF507438-7753-43E0-B8FC-AC1667EBCBE1}">
+              <a14:hiddenEffects xmlns:a14="http://schemas.microsoft.com/office/drawing/2010/main">
+                <a:effectLst>
+                  <a:outerShdw dist="35921" dir="2700000" algn="ctr" rotWithShape="0">
+                    <a:schemeClr val="bg2"/>
+                  </a:outerShdw>
+                </a:effectLst>
+              </a14:hiddenEffects>
+            </a:ext>
+          </a:extLst>
+        </p:spPr>
+      </p:cxnSp>
     </p:spTree>
     <p:extLst>
       <p:ext uri="{BB962C8B-B14F-4D97-AF65-F5344CB8AC3E}">
-        <p14:creationId xmlns:p14="http://schemas.microsoft.com/office/powerpoint/2010/main" val="150444634"/>
+        <p14:creationId xmlns:p14="http://schemas.microsoft.com/office/powerpoint/2010/main" val="1212819210"/>
       </p:ext>
     </p:extLst>
   </p:cSld>
@@ -13138,73 +13629,9 @@
                 <a:ea typeface="Meiryo UI" panose="020B0604030504040204" pitchFamily="50" charset="-128"/>
                 <a:cs typeface="Meiryo UI" panose="020B0604030504040204" pitchFamily="50" charset="-128"/>
               </a:rPr>
-              <a:t>ハンズオン</a:t>
-            </a:r>
-            <a:r>
-              <a:rPr kumimoji="1" lang="ja-JP" altLang="en-US" dirty="0" smtClean="0"/>
-              <a:t>の流れ</a:t>
-            </a:r>
-            <a:endParaRPr kumimoji="1" lang="ja-JP" altLang="en-US" dirty="0"/>
-          </a:p>
-        </p:txBody>
-      </p:sp>
-      <p:sp>
-        <p:nvSpPr>
-          <p:cNvPr id="4" name="角丸四角形 3"/>
-          <p:cNvSpPr/>
-          <p:nvPr/>
-        </p:nvSpPr>
-        <p:spPr bwMode="auto">
-          <a:xfrm>
-            <a:off x="539552" y="1556792"/>
-            <a:ext cx="3600000" cy="450000"/>
-          </a:xfrm>
-          <a:prstGeom prst="roundRect">
-            <a:avLst/>
-          </a:prstGeom>
-          <a:solidFill>
-            <a:schemeClr val="bg1"/>
-          </a:solidFill>
-          <a:ln w="38100" cap="flat" cmpd="sng" algn="ctr">
-            <a:solidFill>
-              <a:srgbClr val="808080"/>
-            </a:solidFill>
-            <a:prstDash val="solid"/>
-            <a:round/>
-            <a:headEnd type="none" w="med" len="med"/>
-            <a:tailEnd type="none" w="med" len="med"/>
-          </a:ln>
-          <a:effectLst/>
-          <a:extLst>
-            <a:ext uri="{AF507438-7753-43E0-B8FC-AC1667EBCBE1}">
-              <a14:hiddenEffects xmlns:a14="http://schemas.microsoft.com/office/drawing/2010/main">
-                <a:effectLst>
-                  <a:outerShdw dist="35921" dir="2700000" algn="ctr" rotWithShape="0">
-                    <a:schemeClr val="bg2"/>
-                  </a:outerShdw>
-                </a:effectLst>
-              </a14:hiddenEffects>
-            </a:ext>
-          </a:extLst>
-        </p:spPr>
-        <p:txBody>
-          <a:bodyPr vert="horz" wrap="none" lIns="91440" tIns="45720" rIns="91440" bIns="45720" numCol="1" rtlCol="0" anchor="b" anchorCtr="0" compatLnSpc="1">
-            <a:prstTxWarp prst="textNoShape">
-              <a:avLst/>
-            </a:prstTxWarp>
-          </a:bodyPr>
-          <a:lstStyle/>
-          <a:p>
-            <a:pPr algn="ctr"/>
-            <a:r>
-              <a:rPr lang="ja-JP" altLang="en-US" sz="2800" dirty="0" smtClean="0">
-                <a:latin typeface="Meiryo UI" panose="020B0604030504040204" pitchFamily="50" charset="-128"/>
-                <a:ea typeface="Meiryo UI" panose="020B0604030504040204" pitchFamily="50" charset="-128"/>
-                <a:cs typeface="Meiryo UI" panose="020B0604030504040204" pitchFamily="50" charset="-128"/>
-              </a:rPr>
-              <a:t>事前準備</a:t>
-            </a:r>
-            <a:endParaRPr lang="en-US" altLang="ja-JP" sz="2800" dirty="0" smtClean="0">
+              <a:t>構成要素の確認</a:t>
+            </a:r>
+            <a:endParaRPr lang="en-US" altLang="ja-JP" sz="3200" dirty="0">
               <a:latin typeface="Meiryo UI" panose="020B0604030504040204" pitchFamily="50" charset="-128"/>
               <a:ea typeface="Meiryo UI" panose="020B0604030504040204" pitchFamily="50" charset="-128"/>
               <a:cs typeface="Meiryo UI" panose="020B0604030504040204" pitchFamily="50" charset="-128"/>
@@ -13214,1013 +13641,227 @@
       </p:sp>
       <p:sp>
         <p:nvSpPr>
-          <p:cNvPr id="5" name="角丸四角形 4"/>
-          <p:cNvSpPr/>
-          <p:nvPr/>
-        </p:nvSpPr>
-        <p:spPr bwMode="auto">
-          <a:xfrm>
-            <a:off x="539552" y="2643423"/>
-            <a:ext cx="3600000" cy="450000"/>
-          </a:xfrm>
-          <a:prstGeom prst="roundRect">
-            <a:avLst/>
-          </a:prstGeom>
-          <a:solidFill>
-            <a:schemeClr val="bg1"/>
-          </a:solidFill>
-          <a:ln w="38100" cap="flat" cmpd="sng" algn="ctr">
-            <a:solidFill>
-              <a:srgbClr val="808080"/>
-            </a:solidFill>
-            <a:prstDash val="solid"/>
-            <a:round/>
-            <a:headEnd type="none" w="med" len="med"/>
-            <a:tailEnd type="none" w="med" len="med"/>
-          </a:ln>
-          <a:effectLst/>
-          <a:extLst>
-            <a:ext uri="{AF507438-7753-43E0-B8FC-AC1667EBCBE1}">
-              <a14:hiddenEffects xmlns:a14="http://schemas.microsoft.com/office/drawing/2010/main">
-                <a:effectLst>
-                  <a:outerShdw dist="35921" dir="2700000" algn="ctr" rotWithShape="0">
-                    <a:schemeClr val="bg2"/>
-                  </a:outerShdw>
-                </a:effectLst>
-              </a14:hiddenEffects>
-            </a:ext>
-          </a:extLst>
-        </p:spPr>
-        <p:txBody>
-          <a:bodyPr vert="horz" wrap="none" lIns="91440" tIns="45720" rIns="91440" bIns="45720" numCol="1" rtlCol="0" anchor="ctr" anchorCtr="0" compatLnSpc="1">
-            <a:prstTxWarp prst="textNoShape">
-              <a:avLst/>
-            </a:prstTxWarp>
+          <p:cNvPr id="3" name="コンテンツ プレースホルダー 2"/>
+          <p:cNvSpPr>
+            <a:spLocks noGrp="1"/>
+          </p:cNvSpPr>
+          <p:nvPr>
+            <p:ph idx="1"/>
+          </p:nvPr>
+        </p:nvSpPr>
+        <p:spPr>
+          <a:xfrm>
+            <a:off x="457200" y="1524148"/>
+            <a:ext cx="8229600" cy="4929188"/>
+          </a:xfrm>
+        </p:spPr>
+        <p:txBody>
+          <a:bodyPr>
+            <a:noAutofit/>
           </a:bodyPr>
           <a:lstStyle/>
           <a:p>
-            <a:pPr algn="ctr" fontAlgn="base">
+            <a:r>
+              <a:rPr kumimoji="1" lang="en-US" altLang="ja-JP" sz="2800" dirty="0" err="1" smtClean="0"/>
+              <a:t>LeaderBoard</a:t>
+            </a:r>
+            <a:r>
+              <a:rPr lang="ja-JP" altLang="en-US" sz="2800" dirty="0" smtClean="0"/>
+              <a:t>フォルダに</a:t>
+            </a:r>
+            <a:r>
+              <a:rPr kumimoji="1" lang="ja-JP" altLang="en-US" sz="2800" dirty="0" smtClean="0"/>
+              <a:t>は以下のスクリプト</a:t>
+            </a:r>
+            <a:r>
+              <a:rPr lang="ja-JP" altLang="en-US" sz="2800" dirty="0" smtClean="0"/>
+              <a:t>が含まれています</a:t>
+            </a:r>
+            <a:endParaRPr lang="en-US" altLang="ja-JP" sz="2800" dirty="0" smtClean="0"/>
+          </a:p>
+          <a:p>
+            <a:pPr lvl="1"/>
+            <a:r>
+              <a:rPr lang="en-US" altLang="ja-JP" sz="2800" dirty="0" err="1" smtClean="0"/>
+              <a:t>LeaderBoard.cs</a:t>
+            </a:r>
+            <a:endParaRPr lang="en-US" altLang="ja-JP" sz="2800" dirty="0" smtClean="0"/>
+          </a:p>
+          <a:p>
+            <a:pPr lvl="2"/>
+            <a:r>
+              <a:rPr lang="en-US" altLang="ja-JP" sz="1400" dirty="0"/>
+              <a:t>mobile backend</a:t>
+            </a:r>
+            <a:r>
+              <a:rPr lang="ja-JP" altLang="en-US" sz="1400" dirty="0"/>
+              <a:t>と接続</a:t>
+            </a:r>
+            <a:r>
+              <a:rPr lang="ja-JP" altLang="en-US" sz="1400" dirty="0" smtClean="0"/>
+              <a:t>して経過</a:t>
+            </a:r>
+            <a:r>
+              <a:rPr lang="ja-JP" altLang="en-US" sz="1400" dirty="0"/>
+              <a:t>時間</a:t>
+            </a:r>
+            <a:r>
+              <a:rPr lang="ja-JP" altLang="en-US" sz="1400" dirty="0" smtClean="0"/>
+              <a:t>を引き出す</a:t>
+            </a:r>
+            <a:endParaRPr kumimoji="1" lang="en-US" altLang="ja-JP" sz="1400" dirty="0" smtClean="0"/>
+          </a:p>
+          <a:p>
+            <a:pPr lvl="1"/>
+            <a:r>
+              <a:rPr lang="en-US" altLang="ja-JP" sz="2800" dirty="0" err="1" smtClean="0"/>
+              <a:t>Rankers.cs</a:t>
+            </a:r>
+            <a:endParaRPr lang="en-US" altLang="ja-JP" sz="2800" dirty="0" smtClean="0"/>
+          </a:p>
+          <a:p>
+            <a:pPr lvl="2"/>
+            <a:r>
+              <a:rPr lang="ja-JP" altLang="en-US" sz="1400" dirty="0"/>
+              <a:t>引き出したスコアと名前を一時的に保存する</a:t>
+            </a:r>
+            <a:r>
+              <a:rPr lang="ja-JP" altLang="en-US" sz="1400" dirty="0" smtClean="0"/>
+              <a:t>もの</a:t>
+            </a:r>
+            <a:endParaRPr lang="en-US" altLang="ja-JP" sz="1400" dirty="0" smtClean="0"/>
+          </a:p>
+          <a:p>
+            <a:r>
+              <a:rPr lang="ja-JP" altLang="en-US" dirty="0"/>
+              <a:t>ランキングは以下のメソッドで行っております</a:t>
+            </a:r>
+          </a:p>
+          <a:p>
+            <a:pPr lvl="1"/>
+            <a:r>
+              <a:rPr lang="en-US" altLang="ja-JP" dirty="0" err="1"/>
+              <a:t>Timer.cs</a:t>
+            </a:r>
+            <a:r>
+              <a:rPr lang="ja-JP" altLang="en-US" dirty="0" smtClean="0"/>
+              <a:t>の</a:t>
+            </a:r>
+            <a:r>
+              <a:rPr lang="en-US" altLang="ja-JP" dirty="0" smtClean="0"/>
+              <a:t>55</a:t>
+            </a:r>
+            <a:r>
+              <a:rPr lang="ja-JP" altLang="en-US" dirty="0" smtClean="0"/>
+              <a:t>行目から</a:t>
+            </a:r>
+            <a:r>
+              <a:rPr lang="en-US" altLang="ja-JP" dirty="0" smtClean="0"/>
+              <a:t>71</a:t>
+            </a:r>
+            <a:r>
+              <a:rPr lang="ja-JP" altLang="en-US" dirty="0" smtClean="0"/>
+              <a:t>行目</a:t>
+            </a:r>
+            <a:endParaRPr lang="en-US" altLang="ja-JP" dirty="0"/>
+          </a:p>
+        </p:txBody>
+      </p:sp>
+      <p:sp>
+        <p:nvSpPr>
+          <p:cNvPr id="4" name="タイトル 1"/>
+          <p:cNvSpPr txBox="1">
+            <a:spLocks/>
+          </p:cNvSpPr>
+          <p:nvPr/>
+        </p:nvSpPr>
+        <p:spPr>
+          <a:xfrm>
+            <a:off x="518864" y="937299"/>
+            <a:ext cx="8229600" cy="763509"/>
+          </a:xfrm>
+          <a:prstGeom prst="rect">
+            <a:avLst/>
+          </a:prstGeom>
+        </p:spPr>
+        <p:txBody>
+          <a:bodyPr vert="horz" lIns="91440" tIns="45720" rIns="91440" bIns="45720" rtlCol="0" anchor="ctr">
+            <a:noAutofit/>
+          </a:bodyPr>
+          <a:lstStyle>
+            <a:lvl1pPr algn="ctr" defTabSz="914400" rtl="0" eaLnBrk="1" latinLnBrk="0" hangingPunct="1">
               <a:spcBef>
                 <a:spcPct val="0"/>
               </a:spcBef>
-              <a:spcAft>
-                <a:spcPct val="0"/>
-              </a:spcAft>
-            </a:pPr>
-            <a:r>
-              <a:rPr lang="en-US" altLang="ja-JP" sz="2800" dirty="0" err="1" smtClean="0">
-                <a:latin typeface="Meiryo UI" panose="020B0604030504040204" pitchFamily="50" charset="-128"/>
-                <a:ea typeface="Meiryo UI" panose="020B0604030504040204" pitchFamily="50" charset="-128"/>
-                <a:cs typeface="Meiryo UI" panose="020B0604030504040204" pitchFamily="50" charset="-128"/>
-              </a:rPr>
-              <a:t>mBaaS</a:t>
-            </a:r>
-            <a:r>
-              <a:rPr lang="ja-JP" altLang="en-US" sz="2800" dirty="0" err="1" smtClean="0">
-                <a:latin typeface="Meiryo UI" panose="020B0604030504040204" pitchFamily="50" charset="-128"/>
-                <a:ea typeface="Meiryo UI" panose="020B0604030504040204" pitchFamily="50" charset="-128"/>
-                <a:cs typeface="Meiryo UI" panose="020B0604030504040204" pitchFamily="50" charset="-128"/>
-              </a:rPr>
-              <a:t>への</a:t>
-            </a:r>
-            <a:r>
-              <a:rPr lang="ja-JP" altLang="en-US" sz="2800" dirty="0" smtClean="0">
-                <a:latin typeface="Meiryo UI" panose="020B0604030504040204" pitchFamily="50" charset="-128"/>
-                <a:ea typeface="Meiryo UI" panose="020B0604030504040204" pitchFamily="50" charset="-128"/>
-                <a:cs typeface="Meiryo UI" panose="020B0604030504040204" pitchFamily="50" charset="-128"/>
-              </a:rPr>
-              <a:t>認証の準備</a:t>
-            </a:r>
-            <a:endParaRPr lang="ja-JP" altLang="en-US" sz="2800" dirty="0">
-              <a:latin typeface="Meiryo UI" panose="020B0604030504040204" pitchFamily="50" charset="-128"/>
-              <a:ea typeface="Meiryo UI" panose="020B0604030504040204" pitchFamily="50" charset="-128"/>
-              <a:cs typeface="Meiryo UI" panose="020B0604030504040204" pitchFamily="50" charset="-128"/>
-            </a:endParaRPr>
-          </a:p>
-        </p:txBody>
-      </p:sp>
-      <p:sp>
-        <p:nvSpPr>
-          <p:cNvPr id="6" name="角丸四角形 5"/>
-          <p:cNvSpPr/>
-          <p:nvPr/>
-        </p:nvSpPr>
-        <p:spPr bwMode="auto">
-          <a:xfrm>
-            <a:off x="539552" y="3730054"/>
-            <a:ext cx="3600000" cy="450000"/>
-          </a:xfrm>
-          <a:prstGeom prst="roundRect">
-            <a:avLst/>
-          </a:prstGeom>
-          <a:solidFill>
-            <a:schemeClr val="bg1"/>
-          </a:solidFill>
-          <a:ln w="38100" cap="flat" cmpd="sng" algn="ctr">
-            <a:solidFill>
-              <a:srgbClr val="808080"/>
-            </a:solidFill>
-            <a:prstDash val="solid"/>
-            <a:round/>
-            <a:headEnd type="none" w="med" len="med"/>
-            <a:tailEnd type="none" w="med" len="med"/>
-          </a:ln>
-          <a:effectLst/>
-          <a:extLst>
-            <a:ext uri="{AF507438-7753-43E0-B8FC-AC1667EBCBE1}">
-              <a14:hiddenEffects xmlns:a14="http://schemas.microsoft.com/office/drawing/2010/main">
-                <a:effectLst>
-                  <a:outerShdw dist="35921" dir="2700000" algn="ctr" rotWithShape="0">
-                    <a:schemeClr val="bg2"/>
-                  </a:outerShdw>
-                </a:effectLst>
-              </a14:hiddenEffects>
-            </a:ext>
-          </a:extLst>
-        </p:spPr>
-        <p:txBody>
-          <a:bodyPr vert="horz" wrap="none" lIns="91440" tIns="45720" rIns="91440" bIns="45720" numCol="1" rtlCol="0" anchor="ctr" anchorCtr="0" compatLnSpc="1">
-            <a:prstTxWarp prst="textNoShape">
-              <a:avLst/>
-            </a:prstTxWarp>
-          </a:bodyPr>
-          <a:lstStyle/>
-          <a:p>
-            <a:pPr algn="ctr" fontAlgn="base">
-              <a:spcBef>
-                <a:spcPct val="0"/>
-              </a:spcBef>
-              <a:spcAft>
-                <a:spcPct val="0"/>
-              </a:spcAft>
-            </a:pPr>
-            <a:r>
-              <a:rPr lang="ja-JP" altLang="en-US" sz="2800" dirty="0" smtClean="0">
-                <a:latin typeface="Meiryo UI" panose="020B0604030504040204" pitchFamily="50" charset="-128"/>
-                <a:ea typeface="Meiryo UI" panose="020B0604030504040204" pitchFamily="50" charset="-128"/>
-                <a:cs typeface="Meiryo UI" panose="020B0604030504040204" pitchFamily="50" charset="-128"/>
-              </a:rPr>
-              <a:t>データ更新実装</a:t>
-            </a:r>
-            <a:endParaRPr lang="ja-JP" altLang="en-US" sz="2800" dirty="0">
-              <a:latin typeface="Meiryo UI" panose="020B0604030504040204" pitchFamily="50" charset="-128"/>
-              <a:ea typeface="Meiryo UI" panose="020B0604030504040204" pitchFamily="50" charset="-128"/>
-              <a:cs typeface="Meiryo UI" panose="020B0604030504040204" pitchFamily="50" charset="-128"/>
-            </a:endParaRPr>
-          </a:p>
-        </p:txBody>
-      </p:sp>
-      <p:sp>
-        <p:nvSpPr>
-          <p:cNvPr id="7" name="角丸四角形 6"/>
-          <p:cNvSpPr/>
-          <p:nvPr/>
-        </p:nvSpPr>
-        <p:spPr bwMode="auto">
-          <a:xfrm>
-            <a:off x="539552" y="4816684"/>
-            <a:ext cx="3600000" cy="450000"/>
-          </a:xfrm>
-          <a:prstGeom prst="roundRect">
-            <a:avLst/>
-          </a:prstGeom>
-          <a:solidFill>
-            <a:schemeClr val="bg1"/>
-          </a:solidFill>
-          <a:ln w="38100" cap="flat" cmpd="sng" algn="ctr">
-            <a:solidFill>
-              <a:srgbClr val="808080"/>
-            </a:solidFill>
-            <a:prstDash val="solid"/>
-            <a:round/>
-            <a:headEnd type="none" w="med" len="med"/>
-            <a:tailEnd type="none" w="med" len="med"/>
-          </a:ln>
-          <a:effectLst/>
-          <a:extLst>
-            <a:ext uri="{AF507438-7753-43E0-B8FC-AC1667EBCBE1}">
-              <a14:hiddenEffects xmlns:a14="http://schemas.microsoft.com/office/drawing/2010/main">
-                <a:effectLst>
-                  <a:outerShdw dist="35921" dir="2700000" algn="ctr" rotWithShape="0">
-                    <a:schemeClr val="bg2"/>
-                  </a:outerShdw>
-                </a:effectLst>
-              </a14:hiddenEffects>
-            </a:ext>
-          </a:extLst>
-        </p:spPr>
-        <p:txBody>
-          <a:bodyPr vert="horz" wrap="none" lIns="91440" tIns="45720" rIns="91440" bIns="45720" numCol="1" rtlCol="0" anchor="ctr" anchorCtr="0" compatLnSpc="1">
-            <a:prstTxWarp prst="textNoShape">
-              <a:avLst/>
-            </a:prstTxWarp>
-          </a:bodyPr>
-          <a:lstStyle/>
-          <a:p>
-            <a:pPr algn="ctr" fontAlgn="base">
-              <a:spcBef>
-                <a:spcPct val="0"/>
-              </a:spcBef>
-              <a:spcAft>
-                <a:spcPct val="0"/>
-              </a:spcAft>
-            </a:pPr>
-            <a:r>
-              <a:rPr lang="ja-JP" altLang="en-US" sz="2800" dirty="0" smtClean="0">
-                <a:latin typeface="Meiryo UI" panose="020B0604030504040204" pitchFamily="50" charset="-128"/>
-                <a:ea typeface="Meiryo UI" panose="020B0604030504040204" pitchFamily="50" charset="-128"/>
-                <a:cs typeface="Meiryo UI" panose="020B0604030504040204" pitchFamily="50" charset="-128"/>
-              </a:rPr>
-              <a:t> ランキング実装</a:t>
-            </a:r>
-            <a:endParaRPr lang="ja-JP" altLang="en-US" sz="2800" dirty="0">
-              <a:latin typeface="Meiryo UI" panose="020B0604030504040204" pitchFamily="50" charset="-128"/>
-              <a:ea typeface="Meiryo UI" panose="020B0604030504040204" pitchFamily="50" charset="-128"/>
-              <a:cs typeface="Meiryo UI" panose="020B0604030504040204" pitchFamily="50" charset="-128"/>
-            </a:endParaRPr>
-          </a:p>
-        </p:txBody>
-      </p:sp>
-      <p:cxnSp>
-        <p:nvCxnSpPr>
-          <p:cNvPr id="8" name="直線矢印コネクタ 7"/>
-          <p:cNvCxnSpPr>
-            <a:stCxn id="4" idx="2"/>
-            <a:endCxn id="5" idx="0"/>
-          </p:cNvCxnSpPr>
-          <p:nvPr/>
-        </p:nvCxnSpPr>
-        <p:spPr bwMode="auto">
-          <a:xfrm>
-            <a:off x="2339552" y="2006792"/>
-            <a:ext cx="0" cy="636631"/>
-          </a:xfrm>
-          <a:prstGeom prst="straightConnector1">
-            <a:avLst/>
-          </a:prstGeom>
-          <a:solidFill>
-            <a:schemeClr val="bg1"/>
-          </a:solidFill>
-          <a:ln w="57150" cap="flat" cmpd="sng" algn="ctr">
-            <a:solidFill>
-              <a:schemeClr val="tx1"/>
-            </a:solidFill>
-            <a:prstDash val="solid"/>
-            <a:round/>
-            <a:headEnd type="none" w="med" len="med"/>
-            <a:tailEnd type="triangle"/>
-          </a:ln>
-          <a:effectLst/>
-          <a:extLst>
-            <a:ext uri="{AF507438-7753-43E0-B8FC-AC1667EBCBE1}">
-              <a14:hiddenEffects xmlns:a14="http://schemas.microsoft.com/office/drawing/2010/main">
-                <a:effectLst>
-                  <a:outerShdw dist="35921" dir="2700000" algn="ctr" rotWithShape="0">
-                    <a:schemeClr val="bg2"/>
-                  </a:outerShdw>
-                </a:effectLst>
-              </a14:hiddenEffects>
-            </a:ext>
-          </a:extLst>
-        </p:spPr>
-      </p:cxnSp>
-      <p:cxnSp>
-        <p:nvCxnSpPr>
-          <p:cNvPr id="9" name="直線矢印コネクタ 8"/>
-          <p:cNvCxnSpPr>
-            <a:stCxn id="5" idx="2"/>
-            <a:endCxn id="6" idx="0"/>
-          </p:cNvCxnSpPr>
-          <p:nvPr/>
-        </p:nvCxnSpPr>
-        <p:spPr bwMode="auto">
-          <a:xfrm>
-            <a:off x="2339552" y="3093423"/>
-            <a:ext cx="0" cy="636631"/>
-          </a:xfrm>
-          <a:prstGeom prst="straightConnector1">
-            <a:avLst/>
-          </a:prstGeom>
-          <a:solidFill>
-            <a:schemeClr val="bg1"/>
-          </a:solidFill>
-          <a:ln w="57150" cap="flat" cmpd="sng" algn="ctr">
-            <a:solidFill>
-              <a:schemeClr val="tx1"/>
-            </a:solidFill>
-            <a:prstDash val="solid"/>
-            <a:round/>
-            <a:headEnd type="none" w="med" len="med"/>
-            <a:tailEnd type="triangle"/>
-          </a:ln>
-          <a:effectLst/>
-          <a:extLst>
-            <a:ext uri="{AF507438-7753-43E0-B8FC-AC1667EBCBE1}">
-              <a14:hiddenEffects xmlns:a14="http://schemas.microsoft.com/office/drawing/2010/main">
-                <a:effectLst>
-                  <a:outerShdw dist="35921" dir="2700000" algn="ctr" rotWithShape="0">
-                    <a:schemeClr val="bg2"/>
-                  </a:outerShdw>
-                </a:effectLst>
-              </a14:hiddenEffects>
-            </a:ext>
-          </a:extLst>
-        </p:spPr>
-      </p:cxnSp>
-      <p:cxnSp>
-        <p:nvCxnSpPr>
-          <p:cNvPr id="10" name="直線矢印コネクタ 9"/>
-          <p:cNvCxnSpPr>
-            <a:stCxn id="6" idx="2"/>
-            <a:endCxn id="7" idx="0"/>
-          </p:cNvCxnSpPr>
-          <p:nvPr/>
-        </p:nvCxnSpPr>
-        <p:spPr bwMode="auto">
-          <a:xfrm>
-            <a:off x="2339552" y="4180054"/>
-            <a:ext cx="0" cy="636630"/>
-          </a:xfrm>
-          <a:prstGeom prst="straightConnector1">
-            <a:avLst/>
-          </a:prstGeom>
-          <a:solidFill>
-            <a:schemeClr val="bg1"/>
-          </a:solidFill>
-          <a:ln w="57150" cap="flat" cmpd="sng" algn="ctr">
-            <a:solidFill>
-              <a:schemeClr val="tx1"/>
-            </a:solidFill>
-            <a:prstDash val="solid"/>
-            <a:round/>
-            <a:headEnd type="none" w="med" len="med"/>
-            <a:tailEnd type="triangle"/>
-          </a:ln>
-          <a:effectLst/>
-          <a:extLst>
-            <a:ext uri="{AF507438-7753-43E0-B8FC-AC1667EBCBE1}">
-              <a14:hiddenEffects xmlns:a14="http://schemas.microsoft.com/office/drawing/2010/main">
-                <a:effectLst>
-                  <a:outerShdw dist="35921" dir="2700000" algn="ctr" rotWithShape="0">
-                    <a:schemeClr val="bg2"/>
-                  </a:outerShdw>
-                </a:effectLst>
-              </a14:hiddenEffects>
-            </a:ext>
-          </a:extLst>
-        </p:spPr>
-      </p:cxnSp>
-      <p:sp>
-        <p:nvSpPr>
-          <p:cNvPr id="12" name="テキスト ボックス 11"/>
-          <p:cNvSpPr txBox="1"/>
-          <p:nvPr/>
-        </p:nvSpPr>
-        <p:spPr>
-          <a:xfrm>
-            <a:off x="4572000" y="1250176"/>
-            <a:ext cx="4392488" cy="738664"/>
-          </a:xfrm>
-          <a:prstGeom prst="rect">
-            <a:avLst/>
-          </a:prstGeom>
-          <a:noFill/>
-        </p:spPr>
-        <p:txBody>
-          <a:bodyPr wrap="square" rtlCol="0">
-            <a:spAutoFit/>
-          </a:bodyPr>
-          <a:lstStyle/>
-          <a:p>
+              <a:buNone/>
+              <a:defRPr kumimoji="1" sz="4400" kern="1200">
+                <a:solidFill>
+                  <a:schemeClr val="tx1"/>
+                </a:solidFill>
+                <a:latin typeface="+mj-lt"/>
+                <a:ea typeface="+mj-ea"/>
+                <a:cs typeface="+mj-cs"/>
+              </a:defRPr>
+            </a:lvl1pPr>
+          </a:lstStyle>
+          <a:p>
+            <a:pPr algn="l"/>
+            <a:r>
+              <a:rPr lang="ja-JP" altLang="en-US" sz="1400" dirty="0" smtClean="0"/>
+              <a:t>ランキングは</a:t>
+            </a:r>
+            <a:r>
+              <a:rPr lang="en-US" altLang="ja-JP" sz="1400" dirty="0" smtClean="0"/>
+              <a:t>Asset&gt;</a:t>
+            </a:r>
+            <a:r>
+              <a:rPr lang="en-US" altLang="ja-JP" sz="1400" dirty="0" err="1" smtClean="0"/>
+              <a:t>LeaderBoard</a:t>
+            </a:r>
+            <a:r>
+              <a:rPr lang="ja-JP" altLang="en-US" sz="1400" dirty="0" smtClean="0"/>
+              <a:t>の「</a:t>
+            </a:r>
+            <a:r>
+              <a:rPr lang="en-US" altLang="ja-JP" sz="1400" dirty="0"/>
+              <a:t> </a:t>
+            </a:r>
+            <a:r>
+              <a:rPr lang="en-US" altLang="ja-JP" sz="1400" dirty="0" err="1" smtClean="0"/>
+              <a:t>LeaderBoard</a:t>
+            </a:r>
+            <a:r>
+              <a:rPr lang="en-US" altLang="ja-JP" sz="1400" dirty="0" smtClean="0"/>
+              <a:t> </a:t>
+            </a:r>
+            <a:r>
+              <a:rPr lang="ja-JP" altLang="en-US" sz="1400" dirty="0" smtClean="0"/>
+              <a:t>」 シーンで生成されています。</a:t>
+            </a:r>
+            <a:endParaRPr lang="en-US" altLang="ja-JP" sz="1400" dirty="0" smtClean="0"/>
+          </a:p>
+          <a:p>
+            <a:pPr algn="l"/>
+            <a:r>
+              <a:rPr lang="ja-JP" altLang="en-US" sz="1400" dirty="0" smtClean="0"/>
+              <a:t>下記にその構成要素と各役割を記しま</a:t>
+            </a:r>
             <a:r>
               <a:rPr lang="ja-JP" altLang="en-US" sz="1400" dirty="0"/>
-              <a:t>データストア</a:t>
+              <a:t>す</a:t>
             </a:r>
             <a:r>
               <a:rPr lang="ja-JP" altLang="en-US" sz="1400" dirty="0" smtClean="0"/>
-              <a:t>の取得を応用し、ランキングを作成します。</a:t>
-            </a:r>
-            <a:r>
-              <a:rPr lang="ja-JP" altLang="en-US" sz="1400" dirty="0">
-                <a:latin typeface="Meiryo UI" panose="020B0604030504040204" pitchFamily="50" charset="-128"/>
-                <a:ea typeface="Meiryo UI" panose="020B0604030504040204" pitchFamily="50" charset="-128"/>
-                <a:cs typeface="Meiryo UI" panose="020B0604030504040204" pitchFamily="50" charset="-128"/>
-              </a:rPr>
-              <a:t>ハンズオン</a:t>
-            </a:r>
-            <a:r>
-              <a:rPr lang="ja-JP" altLang="en-US" sz="1400" dirty="0" smtClean="0"/>
-              <a:t>ではコーディングはせず、ランキングの構成要素とロジックの解説を行います。</a:t>
-            </a:r>
-            <a:endParaRPr lang="en-US" altLang="ja-JP" sz="1400" dirty="0" smtClean="0"/>
-          </a:p>
-        </p:txBody>
-      </p:sp>
-      <p:sp>
-        <p:nvSpPr>
-          <p:cNvPr id="13" name="角丸四角形吹き出し 12"/>
-          <p:cNvSpPr/>
-          <p:nvPr/>
-        </p:nvSpPr>
-        <p:spPr bwMode="auto">
-          <a:xfrm>
-            <a:off x="4572000" y="2132856"/>
-            <a:ext cx="4464496" cy="4032448"/>
-          </a:xfrm>
-          <a:prstGeom prst="wedgeRoundRectCallout">
-            <a:avLst>
-              <a:gd name="adj1" fmla="val -58937"/>
-              <a:gd name="adj2" fmla="val 18900"/>
-              <a:gd name="adj3" fmla="val 16667"/>
-            </a:avLst>
-          </a:prstGeom>
-          <a:solidFill>
-            <a:schemeClr val="bg1"/>
-          </a:solidFill>
-          <a:ln w="38100" cap="flat" cmpd="sng" algn="ctr">
-            <a:solidFill>
-              <a:srgbClr val="808080"/>
-            </a:solidFill>
-            <a:prstDash val="solid"/>
-            <a:round/>
-            <a:headEnd type="none" w="med" len="med"/>
-            <a:tailEnd type="none" w="med" len="med"/>
-          </a:ln>
-          <a:effectLst/>
-          <a:extLst>
-            <a:ext uri="{AF507438-7753-43E0-B8FC-AC1667EBCBE1}">
-              <a14:hiddenEffects xmlns:a14="http://schemas.microsoft.com/office/drawing/2010/main">
-                <a:effectLst>
-                  <a:outerShdw dist="35921" dir="2700000" algn="ctr" rotWithShape="0">
-                    <a:schemeClr val="bg2"/>
-                  </a:outerShdw>
-                </a:effectLst>
-              </a14:hiddenEffects>
-            </a:ext>
-          </a:extLst>
-        </p:spPr>
-        <p:txBody>
-          <a:bodyPr vert="horz" wrap="none" lIns="91440" tIns="45720" rIns="91440" bIns="45720" numCol="1" rtlCol="0" anchor="ctr" anchorCtr="0" compatLnSpc="1">
-            <a:prstTxWarp prst="textNoShape">
-              <a:avLst/>
-            </a:prstTxWarp>
-          </a:bodyPr>
-          <a:lstStyle/>
-          <a:p>
-            <a:pPr marL="0" marR="0" indent="0" algn="ctr" defTabSz="914400" rtl="0" eaLnBrk="1" fontAlgn="base" latinLnBrk="0" hangingPunct="1">
-              <a:lnSpc>
-                <a:spcPct val="100000"/>
-              </a:lnSpc>
-              <a:spcBef>
-                <a:spcPct val="0"/>
-              </a:spcBef>
-              <a:spcAft>
-                <a:spcPct val="0"/>
-              </a:spcAft>
-              <a:buClrTx/>
-              <a:buSzTx/>
-              <a:buFontTx/>
-              <a:buNone/>
-              <a:tabLst/>
-            </a:pPr>
-            <a:endParaRPr kumimoji="1" lang="ja-JP" altLang="en-US" sz="2800" b="1" i="0" u="none" strike="noStrike" cap="none" normalizeH="0" baseline="0" smtClean="0">
-              <a:ln>
-                <a:noFill/>
-              </a:ln>
-              <a:solidFill>
-                <a:schemeClr val="tx1"/>
-              </a:solidFill>
-              <a:effectLst/>
-              <a:latin typeface="HGP創英角ｺﾞｼｯｸUB" pitchFamily="50" charset="-128"/>
-              <a:ea typeface="HGP創英角ｺﾞｼｯｸUB" pitchFamily="50" charset="-128"/>
-            </a:endParaRPr>
-          </a:p>
-        </p:txBody>
-      </p:sp>
-      <p:sp>
-        <p:nvSpPr>
-          <p:cNvPr id="14" name="角丸四角形 13"/>
-          <p:cNvSpPr/>
-          <p:nvPr/>
-        </p:nvSpPr>
-        <p:spPr bwMode="auto">
-          <a:xfrm>
-            <a:off x="4860032" y="2311719"/>
-            <a:ext cx="2592288" cy="188031"/>
-          </a:xfrm>
-          <a:prstGeom prst="roundRect">
-            <a:avLst/>
-          </a:prstGeom>
-          <a:solidFill>
-            <a:schemeClr val="bg1"/>
-          </a:solidFill>
-          <a:ln w="38100" cap="flat" cmpd="sng" algn="ctr">
-            <a:noFill/>
-            <a:prstDash val="solid"/>
-            <a:round/>
-            <a:headEnd type="none" w="med" len="med"/>
-            <a:tailEnd type="none" w="med" len="med"/>
-          </a:ln>
-          <a:effectLst/>
-          <a:extLst>
-            <a:ext uri="{AF507438-7753-43E0-B8FC-AC1667EBCBE1}">
-              <a14:hiddenEffects xmlns:a14="http://schemas.microsoft.com/office/drawing/2010/main">
-                <a:effectLst>
-                  <a:outerShdw dist="35921" dir="2700000" algn="ctr" rotWithShape="0">
-                    <a:schemeClr val="bg2"/>
-                  </a:outerShdw>
-                </a:effectLst>
-              </a14:hiddenEffects>
-            </a:ext>
-          </a:extLst>
-        </p:spPr>
-        <p:txBody>
-          <a:bodyPr vert="horz" wrap="none" lIns="91440" tIns="45720" rIns="91440" bIns="45720" numCol="1" rtlCol="0" anchor="b" anchorCtr="0" compatLnSpc="1">
-            <a:prstTxWarp prst="textNoShape">
-              <a:avLst/>
-            </a:prstTxWarp>
-          </a:bodyPr>
-          <a:lstStyle/>
-          <a:p>
-            <a:pPr algn="ctr"/>
-            <a:r>
-              <a:rPr lang="en-US" altLang="ja-JP" sz="1400" dirty="0" smtClean="0">
-                <a:latin typeface="Meiryo UI" panose="020B0604030504040204" pitchFamily="50" charset="-128"/>
-                <a:ea typeface="Meiryo UI" panose="020B0604030504040204" pitchFamily="50" charset="-128"/>
-                <a:cs typeface="Meiryo UI" panose="020B0604030504040204" pitchFamily="50" charset="-128"/>
-              </a:rPr>
-              <a:t>｢</a:t>
-            </a:r>
-            <a:r>
-              <a:rPr lang="ja-JP" altLang="en-US" sz="1400" dirty="0">
-                <a:latin typeface="Meiryo UI" panose="020B0604030504040204" pitchFamily="50" charset="-128"/>
-                <a:ea typeface="Meiryo UI" panose="020B0604030504040204" pitchFamily="50" charset="-128"/>
-                <a:cs typeface="Meiryo UI" panose="020B0604030504040204" pitchFamily="50" charset="-128"/>
-              </a:rPr>
-              <a:t>ランキング</a:t>
-            </a:r>
-            <a:r>
-              <a:rPr lang="ja-JP" altLang="en-US" sz="1400" dirty="0" smtClean="0">
-                <a:latin typeface="Meiryo UI" panose="020B0604030504040204" pitchFamily="50" charset="-128"/>
-                <a:ea typeface="Meiryo UI" panose="020B0604030504040204" pitchFamily="50" charset="-128"/>
-                <a:cs typeface="Meiryo UI" panose="020B0604030504040204" pitchFamily="50" charset="-128"/>
-              </a:rPr>
-              <a:t>実装</a:t>
-            </a:r>
-            <a:r>
-              <a:rPr lang="en-US" altLang="ja-JP" sz="1400" dirty="0" smtClean="0">
-                <a:latin typeface="Meiryo UI" panose="020B0604030504040204" pitchFamily="50" charset="-128"/>
-                <a:ea typeface="Meiryo UI" panose="020B0604030504040204" pitchFamily="50" charset="-128"/>
-                <a:cs typeface="Meiryo UI" panose="020B0604030504040204" pitchFamily="50" charset="-128"/>
-              </a:rPr>
-              <a:t>｣</a:t>
-            </a:r>
-            <a:r>
-              <a:rPr lang="ja-JP" altLang="en-US" sz="1400" dirty="0" err="1" smtClean="0">
-                <a:latin typeface="Meiryo UI" panose="020B0604030504040204" pitchFamily="50" charset="-128"/>
-                <a:ea typeface="Meiryo UI" panose="020B0604030504040204" pitchFamily="50" charset="-128"/>
-                <a:cs typeface="Meiryo UI" panose="020B0604030504040204" pitchFamily="50" charset="-128"/>
-              </a:rPr>
-              <a:t>にて</a:t>
-            </a:r>
-            <a:r>
-              <a:rPr lang="ja-JP" altLang="en-US" sz="1400" dirty="0" smtClean="0">
-                <a:latin typeface="Meiryo UI" panose="020B0604030504040204" pitchFamily="50" charset="-128"/>
-                <a:ea typeface="Meiryo UI" panose="020B0604030504040204" pitchFamily="50" charset="-128"/>
-                <a:cs typeface="Meiryo UI" panose="020B0604030504040204" pitchFamily="50" charset="-128"/>
-              </a:rPr>
-              <a:t>おこなうこと</a:t>
-            </a:r>
-            <a:endParaRPr lang="en-US" altLang="ja-JP" sz="1400" dirty="0" smtClean="0">
-              <a:latin typeface="Meiryo UI" panose="020B0604030504040204" pitchFamily="50" charset="-128"/>
-              <a:ea typeface="Meiryo UI" panose="020B0604030504040204" pitchFamily="50" charset="-128"/>
-              <a:cs typeface="Meiryo UI" panose="020B0604030504040204" pitchFamily="50" charset="-128"/>
-            </a:endParaRPr>
-          </a:p>
-        </p:txBody>
-      </p:sp>
-      <p:sp>
-        <p:nvSpPr>
-          <p:cNvPr id="15" name="角丸四角形 14"/>
-          <p:cNvSpPr/>
-          <p:nvPr/>
-        </p:nvSpPr>
-        <p:spPr bwMode="auto">
-          <a:xfrm>
-            <a:off x="4950142" y="2769487"/>
-            <a:ext cx="3600000" cy="450000"/>
-          </a:xfrm>
-          <a:prstGeom prst="roundRect">
-            <a:avLst/>
-          </a:prstGeom>
-          <a:solidFill>
-            <a:schemeClr val="bg1"/>
-          </a:solidFill>
-          <a:ln w="38100" cap="flat" cmpd="sng" algn="ctr">
-            <a:solidFill>
-              <a:srgbClr val="808080"/>
-            </a:solidFill>
-            <a:prstDash val="solid"/>
-            <a:round/>
-            <a:headEnd type="none" w="med" len="med"/>
-            <a:tailEnd type="none" w="med" len="med"/>
-          </a:ln>
-          <a:effectLst/>
-          <a:extLst>
-            <a:ext uri="{AF507438-7753-43E0-B8FC-AC1667EBCBE1}">
-              <a14:hiddenEffects xmlns:a14="http://schemas.microsoft.com/office/drawing/2010/main">
-                <a:effectLst>
-                  <a:outerShdw dist="35921" dir="2700000" algn="ctr" rotWithShape="0">
-                    <a:schemeClr val="bg2"/>
-                  </a:outerShdw>
-                </a:effectLst>
-              </a14:hiddenEffects>
-            </a:ext>
-          </a:extLst>
-        </p:spPr>
-        <p:txBody>
-          <a:bodyPr vert="horz" wrap="none" lIns="91440" tIns="45720" rIns="91440" bIns="45720" numCol="1" rtlCol="0" anchor="b" anchorCtr="0" compatLnSpc="1">
-            <a:prstTxWarp prst="textNoShape">
-              <a:avLst/>
-            </a:prstTxWarp>
-          </a:bodyPr>
-          <a:lstStyle/>
-          <a:p>
-            <a:pPr algn="ctr"/>
-            <a:r>
-              <a:rPr lang="ja-JP" altLang="en-US" sz="2800" dirty="0" smtClean="0">
-                <a:latin typeface="Meiryo UI" panose="020B0604030504040204" pitchFamily="50" charset="-128"/>
-                <a:ea typeface="Meiryo UI" panose="020B0604030504040204" pitchFamily="50" charset="-128"/>
-                <a:cs typeface="Meiryo UI" panose="020B0604030504040204" pitchFamily="50" charset="-128"/>
-              </a:rPr>
-              <a:t>構成要素の確認</a:t>
-            </a:r>
-            <a:endParaRPr lang="en-US" altLang="ja-JP" sz="2800" dirty="0" smtClean="0">
-              <a:latin typeface="Meiryo UI" panose="020B0604030504040204" pitchFamily="50" charset="-128"/>
-              <a:ea typeface="Meiryo UI" panose="020B0604030504040204" pitchFamily="50" charset="-128"/>
-              <a:cs typeface="Meiryo UI" panose="020B0604030504040204" pitchFamily="50" charset="-128"/>
-            </a:endParaRPr>
-          </a:p>
-        </p:txBody>
-      </p:sp>
-      <p:sp>
-        <p:nvSpPr>
-          <p:cNvPr id="16" name="角丸四角形 15"/>
-          <p:cNvSpPr/>
-          <p:nvPr/>
-        </p:nvSpPr>
-        <p:spPr bwMode="auto">
-          <a:xfrm>
-            <a:off x="4950142" y="4349323"/>
-            <a:ext cx="3600000" cy="450000"/>
-          </a:xfrm>
-          <a:prstGeom prst="roundRect">
-            <a:avLst/>
-          </a:prstGeom>
-          <a:solidFill>
-            <a:schemeClr val="bg1"/>
-          </a:solidFill>
-          <a:ln w="38100" cap="flat" cmpd="sng" algn="ctr">
-            <a:solidFill>
-              <a:srgbClr val="808080"/>
-            </a:solidFill>
-            <a:prstDash val="solid"/>
-            <a:round/>
-            <a:headEnd type="none" w="med" len="med"/>
-            <a:tailEnd type="none" w="med" len="med"/>
-          </a:ln>
-          <a:effectLst/>
-          <a:extLst>
-            <a:ext uri="{AF507438-7753-43E0-B8FC-AC1667EBCBE1}">
-              <a14:hiddenEffects xmlns:a14="http://schemas.microsoft.com/office/drawing/2010/main">
-                <a:effectLst>
-                  <a:outerShdw dist="35921" dir="2700000" algn="ctr" rotWithShape="0">
-                    <a:schemeClr val="bg2"/>
-                  </a:outerShdw>
-                </a:effectLst>
-              </a14:hiddenEffects>
-            </a:ext>
-          </a:extLst>
-        </p:spPr>
-        <p:txBody>
-          <a:bodyPr vert="horz" wrap="none" lIns="91440" tIns="45720" rIns="91440" bIns="45720" numCol="1" rtlCol="0" anchor="ctr" anchorCtr="0" compatLnSpc="1">
-            <a:prstTxWarp prst="textNoShape">
-              <a:avLst/>
-            </a:prstTxWarp>
-          </a:bodyPr>
-          <a:lstStyle/>
-          <a:p>
-            <a:pPr algn="ctr" fontAlgn="base">
-              <a:spcBef>
-                <a:spcPct val="0"/>
-              </a:spcBef>
-              <a:spcAft>
-                <a:spcPct val="0"/>
-              </a:spcAft>
-            </a:pPr>
-            <a:r>
-              <a:rPr lang="ja-JP" altLang="en-US" sz="2800" dirty="0">
-                <a:latin typeface="Meiryo UI" panose="020B0604030504040204" pitchFamily="50" charset="-128"/>
-                <a:ea typeface="Meiryo UI" panose="020B0604030504040204" pitchFamily="50" charset="-128"/>
-                <a:cs typeface="Meiryo UI" panose="020B0604030504040204" pitchFamily="50" charset="-128"/>
-              </a:rPr>
-              <a:t>ロジック</a:t>
-            </a:r>
-            <a:r>
-              <a:rPr lang="ja-JP" altLang="en-US" sz="2800" dirty="0" smtClean="0">
-                <a:latin typeface="Meiryo UI" panose="020B0604030504040204" pitchFamily="50" charset="-128"/>
-                <a:ea typeface="Meiryo UI" panose="020B0604030504040204" pitchFamily="50" charset="-128"/>
-                <a:cs typeface="Meiryo UI" panose="020B0604030504040204" pitchFamily="50" charset="-128"/>
-              </a:rPr>
-              <a:t>の呼び出し方</a:t>
-            </a:r>
-            <a:endParaRPr lang="ja-JP" altLang="en-US" sz="2800" dirty="0">
-              <a:latin typeface="Meiryo UI" panose="020B0604030504040204" pitchFamily="50" charset="-128"/>
-              <a:ea typeface="Meiryo UI" panose="020B0604030504040204" pitchFamily="50" charset="-128"/>
-              <a:cs typeface="Meiryo UI" panose="020B0604030504040204" pitchFamily="50" charset="-128"/>
-            </a:endParaRPr>
-          </a:p>
-        </p:txBody>
-      </p:sp>
-      <p:cxnSp>
-        <p:nvCxnSpPr>
-          <p:cNvPr id="19" name="直線矢印コネクタ 18"/>
-          <p:cNvCxnSpPr>
-            <a:stCxn id="15" idx="2"/>
-            <a:endCxn id="18" idx="0"/>
-          </p:cNvCxnSpPr>
-          <p:nvPr/>
-        </p:nvCxnSpPr>
-        <p:spPr bwMode="auto">
-          <a:xfrm>
-            <a:off x="6750142" y="3219487"/>
-            <a:ext cx="0" cy="339918"/>
-          </a:xfrm>
-          <a:prstGeom prst="straightConnector1">
-            <a:avLst/>
-          </a:prstGeom>
-          <a:solidFill>
-            <a:schemeClr val="bg1"/>
-          </a:solidFill>
-          <a:ln w="57150" cap="flat" cmpd="sng" algn="ctr">
-            <a:solidFill>
-              <a:schemeClr val="tx1"/>
-            </a:solidFill>
-            <a:prstDash val="solid"/>
-            <a:round/>
-            <a:headEnd type="none" w="med" len="med"/>
-            <a:tailEnd type="triangle"/>
-          </a:ln>
-          <a:effectLst/>
-          <a:extLst>
-            <a:ext uri="{AF507438-7753-43E0-B8FC-AC1667EBCBE1}">
-              <a14:hiddenEffects xmlns:a14="http://schemas.microsoft.com/office/drawing/2010/main">
-                <a:effectLst>
-                  <a:outerShdw dist="35921" dir="2700000" algn="ctr" rotWithShape="0">
-                    <a:schemeClr val="bg2"/>
-                  </a:outerShdw>
-                </a:effectLst>
-              </a14:hiddenEffects>
-            </a:ext>
-          </a:extLst>
-        </p:spPr>
-      </p:cxnSp>
-      <p:sp>
-        <p:nvSpPr>
-          <p:cNvPr id="18" name="角丸四角形 17"/>
-          <p:cNvSpPr/>
-          <p:nvPr/>
-        </p:nvSpPr>
-        <p:spPr bwMode="auto">
-          <a:xfrm>
-            <a:off x="4950142" y="3559405"/>
-            <a:ext cx="3600000" cy="450000"/>
-          </a:xfrm>
-          <a:prstGeom prst="roundRect">
-            <a:avLst/>
-          </a:prstGeom>
-          <a:solidFill>
-            <a:schemeClr val="bg1"/>
-          </a:solidFill>
-          <a:ln w="38100" cap="flat" cmpd="sng" algn="ctr">
-            <a:solidFill>
-              <a:srgbClr val="808080"/>
-            </a:solidFill>
-            <a:prstDash val="solid"/>
-            <a:round/>
-            <a:headEnd type="none" w="med" len="med"/>
-            <a:tailEnd type="none" w="med" len="med"/>
-          </a:ln>
-          <a:effectLst/>
-          <a:extLst>
-            <a:ext uri="{AF507438-7753-43E0-B8FC-AC1667EBCBE1}">
-              <a14:hiddenEffects xmlns:a14="http://schemas.microsoft.com/office/drawing/2010/main">
-                <a:effectLst>
-                  <a:outerShdw dist="35921" dir="2700000" algn="ctr" rotWithShape="0">
-                    <a:schemeClr val="bg2"/>
-                  </a:outerShdw>
-                </a:effectLst>
-              </a14:hiddenEffects>
-            </a:ext>
-          </a:extLst>
-        </p:spPr>
-        <p:txBody>
-          <a:bodyPr vert="horz" wrap="none" lIns="91440" tIns="45720" rIns="91440" bIns="45720" numCol="1" rtlCol="0" anchor="ctr" anchorCtr="0" compatLnSpc="1">
-            <a:prstTxWarp prst="textNoShape">
-              <a:avLst/>
-            </a:prstTxWarp>
-          </a:bodyPr>
-          <a:lstStyle/>
-          <a:p>
-            <a:pPr algn="ctr" fontAlgn="base">
-              <a:spcBef>
-                <a:spcPct val="0"/>
-              </a:spcBef>
-              <a:spcAft>
-                <a:spcPct val="0"/>
-              </a:spcAft>
-            </a:pPr>
-            <a:r>
-              <a:rPr lang="en-US" altLang="ja-JP" sz="2800" dirty="0" err="1"/>
-              <a:t>LeaderBoard.cs</a:t>
-            </a:r>
-            <a:r>
-              <a:rPr lang="ja-JP" altLang="en-US" sz="2800" dirty="0" smtClean="0">
-                <a:latin typeface="Meiryo UI" panose="020B0604030504040204" pitchFamily="50" charset="-128"/>
-                <a:ea typeface="Meiryo UI" panose="020B0604030504040204" pitchFamily="50" charset="-128"/>
-                <a:cs typeface="Meiryo UI" panose="020B0604030504040204" pitchFamily="50" charset="-128"/>
-              </a:rPr>
-              <a:t>の解説</a:t>
-            </a:r>
-            <a:endParaRPr lang="ja-JP" altLang="en-US" sz="2800" dirty="0">
-              <a:latin typeface="Meiryo UI" panose="020B0604030504040204" pitchFamily="50" charset="-128"/>
-              <a:ea typeface="Meiryo UI" panose="020B0604030504040204" pitchFamily="50" charset="-128"/>
-              <a:cs typeface="Meiryo UI" panose="020B0604030504040204" pitchFamily="50" charset="-128"/>
-            </a:endParaRPr>
-          </a:p>
-        </p:txBody>
-      </p:sp>
-      <p:cxnSp>
-        <p:nvCxnSpPr>
-          <p:cNvPr id="21" name="直線矢印コネクタ 20"/>
-          <p:cNvCxnSpPr>
-            <a:stCxn id="18" idx="2"/>
-            <a:endCxn id="16" idx="0"/>
-          </p:cNvCxnSpPr>
-          <p:nvPr/>
-        </p:nvCxnSpPr>
-        <p:spPr bwMode="auto">
-          <a:xfrm>
-            <a:off x="6750142" y="4009405"/>
-            <a:ext cx="0" cy="339918"/>
-          </a:xfrm>
-          <a:prstGeom prst="straightConnector1">
-            <a:avLst/>
-          </a:prstGeom>
-          <a:solidFill>
-            <a:schemeClr val="bg1"/>
-          </a:solidFill>
-          <a:ln w="57150" cap="flat" cmpd="sng" algn="ctr">
-            <a:solidFill>
-              <a:schemeClr val="tx1"/>
-            </a:solidFill>
-            <a:prstDash val="solid"/>
-            <a:round/>
-            <a:headEnd type="none" w="med" len="med"/>
-            <a:tailEnd type="triangle"/>
-          </a:ln>
-          <a:effectLst/>
-          <a:extLst>
-            <a:ext uri="{AF507438-7753-43E0-B8FC-AC1667EBCBE1}">
-              <a14:hiddenEffects xmlns:a14="http://schemas.microsoft.com/office/drawing/2010/main">
-                <a:effectLst>
-                  <a:outerShdw dist="35921" dir="2700000" algn="ctr" rotWithShape="0">
-                    <a:schemeClr val="bg2"/>
-                  </a:outerShdw>
-                </a:effectLst>
-              </a14:hiddenEffects>
-            </a:ext>
-          </a:extLst>
-        </p:spPr>
-      </p:cxnSp>
-      <p:sp>
-        <p:nvSpPr>
-          <p:cNvPr id="20" name="角丸四角形 19"/>
-          <p:cNvSpPr/>
-          <p:nvPr/>
-        </p:nvSpPr>
-        <p:spPr bwMode="auto">
-          <a:xfrm>
-            <a:off x="4950142" y="5139240"/>
-            <a:ext cx="3600000" cy="450000"/>
-          </a:xfrm>
-          <a:prstGeom prst="roundRect">
-            <a:avLst/>
-          </a:prstGeom>
-          <a:solidFill>
-            <a:schemeClr val="bg1"/>
-          </a:solidFill>
-          <a:ln w="38100" cap="flat" cmpd="sng" algn="ctr">
-            <a:solidFill>
-              <a:srgbClr val="808080"/>
-            </a:solidFill>
-            <a:prstDash val="solid"/>
-            <a:round/>
-            <a:headEnd type="none" w="med" len="med"/>
-            <a:tailEnd type="none" w="med" len="med"/>
-          </a:ln>
-          <a:effectLst/>
-          <a:extLst>
-            <a:ext uri="{AF507438-7753-43E0-B8FC-AC1667EBCBE1}">
-              <a14:hiddenEffects xmlns:a14="http://schemas.microsoft.com/office/drawing/2010/main">
-                <a:effectLst>
-                  <a:outerShdw dist="35921" dir="2700000" algn="ctr" rotWithShape="0">
-                    <a:schemeClr val="bg2"/>
-                  </a:outerShdw>
-                </a:effectLst>
-              </a14:hiddenEffects>
-            </a:ext>
-          </a:extLst>
-        </p:spPr>
-        <p:txBody>
-          <a:bodyPr vert="horz" wrap="none" lIns="91440" tIns="45720" rIns="91440" bIns="45720" numCol="1" rtlCol="0" anchor="ctr" anchorCtr="0" compatLnSpc="1">
-            <a:prstTxWarp prst="textNoShape">
-              <a:avLst/>
-            </a:prstTxWarp>
-          </a:bodyPr>
-          <a:lstStyle/>
-          <a:p>
-            <a:pPr algn="ctr" fontAlgn="base">
-              <a:spcBef>
-                <a:spcPct val="0"/>
-              </a:spcBef>
-              <a:spcAft>
-                <a:spcPct val="0"/>
-              </a:spcAft>
-            </a:pPr>
-            <a:r>
-              <a:rPr lang="ja-JP" altLang="en-US" sz="2800" dirty="0" smtClean="0">
-                <a:latin typeface="Meiryo UI" panose="020B0604030504040204" pitchFamily="50" charset="-128"/>
-                <a:ea typeface="Meiryo UI" panose="020B0604030504040204" pitchFamily="50" charset="-128"/>
-                <a:cs typeface="Meiryo UI" panose="020B0604030504040204" pitchFamily="50" charset="-128"/>
-              </a:rPr>
-              <a:t>動作確認</a:t>
-            </a:r>
-            <a:endParaRPr lang="ja-JP" altLang="en-US" sz="2800" dirty="0">
-              <a:latin typeface="Meiryo UI" panose="020B0604030504040204" pitchFamily="50" charset="-128"/>
-              <a:ea typeface="Meiryo UI" panose="020B0604030504040204" pitchFamily="50" charset="-128"/>
-              <a:cs typeface="Meiryo UI" panose="020B0604030504040204" pitchFamily="50" charset="-128"/>
-            </a:endParaRPr>
-          </a:p>
-        </p:txBody>
-      </p:sp>
-      <p:cxnSp>
-        <p:nvCxnSpPr>
-          <p:cNvPr id="22" name="直線矢印コネクタ 21"/>
-          <p:cNvCxnSpPr>
-            <a:stCxn id="16" idx="2"/>
-            <a:endCxn id="20" idx="0"/>
-          </p:cNvCxnSpPr>
-          <p:nvPr/>
-        </p:nvCxnSpPr>
-        <p:spPr bwMode="auto">
-          <a:xfrm>
-            <a:off x="6750142" y="4799323"/>
-            <a:ext cx="0" cy="339917"/>
-          </a:xfrm>
-          <a:prstGeom prst="straightConnector1">
-            <a:avLst/>
-          </a:prstGeom>
-          <a:solidFill>
-            <a:schemeClr val="bg1"/>
-          </a:solidFill>
-          <a:ln w="57150" cap="flat" cmpd="sng" algn="ctr">
-            <a:solidFill>
-              <a:schemeClr val="tx1"/>
-            </a:solidFill>
-            <a:prstDash val="solid"/>
-            <a:round/>
-            <a:headEnd type="none" w="med" len="med"/>
-            <a:tailEnd type="triangle"/>
-          </a:ln>
-          <a:effectLst/>
-          <a:extLst>
-            <a:ext uri="{AF507438-7753-43E0-B8FC-AC1667EBCBE1}">
-              <a14:hiddenEffects xmlns:a14="http://schemas.microsoft.com/office/drawing/2010/main">
-                <a:effectLst>
-                  <a:outerShdw dist="35921" dir="2700000" algn="ctr" rotWithShape="0">
-                    <a:schemeClr val="bg2"/>
-                  </a:outerShdw>
-                </a:effectLst>
-              </a14:hiddenEffects>
-            </a:ext>
-          </a:extLst>
-        </p:spPr>
-      </p:cxnSp>
+              <a:t>。</a:t>
+            </a:r>
+            <a:endParaRPr lang="ja-JP" altLang="en-US" sz="1400" dirty="0"/>
+          </a:p>
+        </p:txBody>
+      </p:sp>
     </p:spTree>
     <p:extLst>
       <p:ext uri="{BB962C8B-B14F-4D97-AF65-F5344CB8AC3E}">
-        <p14:creationId xmlns:p14="http://schemas.microsoft.com/office/powerpoint/2010/main" val="1212819210"/>
+        <p14:creationId xmlns:p14="http://schemas.microsoft.com/office/powerpoint/2010/main" val="3850114144"/>
       </p:ext>
     </p:extLst>
   </p:cSld>
@@ -14266,247 +13907,688 @@
         </p:nvSpPr>
         <p:spPr/>
         <p:txBody>
-          <a:bodyPr/>
-          <a:lstStyle/>
-          <a:p>
-            <a:r>
-              <a:rPr lang="ja-JP" altLang="en-US" sz="3200" dirty="0">
-                <a:latin typeface="Meiryo UI" panose="020B0604030504040204" pitchFamily="50" charset="-128"/>
-                <a:ea typeface="Meiryo UI" panose="020B0604030504040204" pitchFamily="50" charset="-128"/>
-                <a:cs typeface="Meiryo UI" panose="020B0604030504040204" pitchFamily="50" charset="-128"/>
-              </a:rPr>
-              <a:t>構成要素の確認</a:t>
-            </a:r>
-            <a:endParaRPr lang="en-US" altLang="ja-JP" sz="3200" dirty="0">
-              <a:latin typeface="Meiryo UI" panose="020B0604030504040204" pitchFamily="50" charset="-128"/>
-              <a:ea typeface="Meiryo UI" panose="020B0604030504040204" pitchFamily="50" charset="-128"/>
-              <a:cs typeface="Meiryo UI" panose="020B0604030504040204" pitchFamily="50" charset="-128"/>
-            </a:endParaRPr>
-          </a:p>
-        </p:txBody>
-      </p:sp>
-      <p:sp>
-        <p:nvSpPr>
-          <p:cNvPr id="3" name="コンテンツ プレースホルダー 2"/>
-          <p:cNvSpPr>
-            <a:spLocks noGrp="1"/>
-          </p:cNvSpPr>
-          <p:nvPr>
-            <p:ph idx="1"/>
-          </p:nvPr>
-        </p:nvSpPr>
-        <p:spPr/>
-        <p:txBody>
           <a:bodyPr>
-            <a:noAutofit/>
+            <a:normAutofit/>
           </a:bodyPr>
           <a:lstStyle/>
           <a:p>
             <a:r>
-              <a:rPr kumimoji="1" lang="en-US" altLang="ja-JP" sz="2800" dirty="0" err="1" smtClean="0"/>
-              <a:t>LeaderBoard</a:t>
-            </a:r>
-            <a:r>
-              <a:rPr kumimoji="1" lang="ja-JP" altLang="en-US" sz="2800" dirty="0" smtClean="0"/>
-              <a:t>シーン</a:t>
-            </a:r>
-            <a:r>
-              <a:rPr lang="ja-JP" altLang="en-US" sz="2800" dirty="0"/>
-              <a:t>に</a:t>
-            </a:r>
-            <a:r>
-              <a:rPr kumimoji="1" lang="ja-JP" altLang="en-US" sz="2800" dirty="0" smtClean="0"/>
-              <a:t>は以下のスクリプト</a:t>
-            </a:r>
-            <a:r>
-              <a:rPr lang="ja-JP" altLang="en-US" sz="2800" dirty="0" smtClean="0"/>
-              <a:t>が含まれています</a:t>
-            </a:r>
-            <a:endParaRPr lang="en-US" altLang="ja-JP" sz="2800" dirty="0" smtClean="0"/>
-          </a:p>
-          <a:p>
-            <a:pPr lvl="1"/>
-            <a:r>
-              <a:rPr lang="en-US" altLang="ja-JP" sz="2800" dirty="0" err="1" smtClean="0"/>
+              <a:rPr lang="en-US" altLang="ja-JP" dirty="0" err="1" smtClean="0"/>
               <a:t>LeaderBoard.cs</a:t>
             </a:r>
-            <a:endParaRPr lang="en-US" altLang="ja-JP" sz="2800" dirty="0" smtClean="0"/>
-          </a:p>
-          <a:p>
-            <a:pPr lvl="2"/>
-            <a:r>
-              <a:rPr lang="en-US" altLang="ja-JP" sz="1400" dirty="0"/>
-              <a:t>mobile backend</a:t>
-            </a:r>
-            <a:r>
-              <a:rPr lang="ja-JP" altLang="en-US" sz="1400" dirty="0"/>
-              <a:t>と接続</a:t>
-            </a:r>
-            <a:r>
-              <a:rPr lang="ja-JP" altLang="en-US" sz="1400" dirty="0" smtClean="0"/>
-              <a:t>して経過</a:t>
-            </a:r>
-            <a:r>
-              <a:rPr lang="ja-JP" altLang="en-US" sz="1400" dirty="0"/>
-              <a:t>時間</a:t>
-            </a:r>
-            <a:r>
-              <a:rPr lang="ja-JP" altLang="en-US" sz="1400" dirty="0" smtClean="0"/>
-              <a:t>を引き出す</a:t>
-            </a:r>
-            <a:endParaRPr kumimoji="1" lang="en-US" altLang="ja-JP" sz="1400" dirty="0" smtClean="0"/>
-          </a:p>
-          <a:p>
-            <a:pPr lvl="1"/>
-            <a:r>
-              <a:rPr lang="en-US" altLang="ja-JP" sz="2800" dirty="0" err="1" smtClean="0"/>
-              <a:t>Rankers.cs</a:t>
-            </a:r>
-            <a:endParaRPr lang="en-US" altLang="ja-JP" sz="2800" dirty="0" smtClean="0"/>
-          </a:p>
-          <a:p>
-            <a:pPr lvl="2"/>
-            <a:r>
-              <a:rPr lang="ja-JP" altLang="en-US" sz="1400" dirty="0"/>
-              <a:t>引き出したスコアと名前を一時的に保存する</a:t>
-            </a:r>
-            <a:r>
-              <a:rPr lang="ja-JP" altLang="en-US" sz="1400" dirty="0" smtClean="0"/>
-              <a:t>もの</a:t>
-            </a:r>
-            <a:endParaRPr lang="en-US" altLang="ja-JP" sz="1400" dirty="0" smtClean="0"/>
-          </a:p>
-          <a:p>
-            <a:r>
-              <a:rPr lang="ja-JP" altLang="en-US" dirty="0"/>
-              <a:t>ランキングは以下のメソッドで行っております</a:t>
-            </a:r>
-          </a:p>
-          <a:p>
-            <a:pPr lvl="1"/>
-            <a:r>
-              <a:rPr lang="en-US" altLang="ja-JP" dirty="0" err="1"/>
-              <a:t>Timer.cs</a:t>
-            </a:r>
             <a:r>
               <a:rPr lang="ja-JP" altLang="en-US" dirty="0" smtClean="0"/>
-              <a:t>の</a:t>
+              <a:t>の解説</a:t>
             </a:r>
             <a:r>
               <a:rPr lang="en-US" altLang="ja-JP" dirty="0" smtClean="0"/>
-              <a:t>55</a:t>
-            </a:r>
-            <a:r>
-              <a:rPr lang="ja-JP" altLang="en-US" dirty="0" smtClean="0"/>
-              <a:t>行目から</a:t>
-            </a:r>
-            <a:r>
-              <a:rPr lang="en-US" altLang="ja-JP" dirty="0" smtClean="0"/>
-              <a:t>71</a:t>
-            </a:r>
-            <a:r>
-              <a:rPr lang="ja-JP" altLang="en-US" dirty="0" smtClean="0"/>
-              <a:t>行目</a:t>
-            </a:r>
-            <a:endParaRPr lang="en-US" altLang="ja-JP" dirty="0"/>
-          </a:p>
-        </p:txBody>
-      </p:sp>
-      <p:sp>
-        <p:nvSpPr>
-          <p:cNvPr id="4" name="タイトル 1"/>
-          <p:cNvSpPr txBox="1">
-            <a:spLocks/>
-          </p:cNvSpPr>
+              <a:t>1</a:t>
+            </a:r>
+            <a:endParaRPr kumimoji="1" lang="ja-JP" altLang="en-US" dirty="0"/>
+          </a:p>
+        </p:txBody>
+      </p:sp>
+      <p:sp>
+        <p:nvSpPr>
+          <p:cNvPr id="4" name="正方形/長方形 3"/>
+          <p:cNvSpPr/>
           <p:nvPr/>
         </p:nvSpPr>
         <p:spPr>
           <a:xfrm>
-            <a:off x="518864" y="692696"/>
-            <a:ext cx="8229600" cy="763509"/>
+            <a:off x="960203" y="1484784"/>
+            <a:ext cx="7644245" cy="4801314"/>
           </a:xfrm>
           <a:prstGeom prst="rect">
             <a:avLst/>
           </a:prstGeom>
-        </p:spPr>
-        <p:txBody>
-          <a:bodyPr vert="horz" lIns="91440" tIns="45720" rIns="91440" bIns="45720" rtlCol="0" anchor="ctr">
-            <a:noAutofit/>
+          <a:noFill/>
+          <a:ln>
+            <a:solidFill>
+              <a:schemeClr val="tx1"/>
+            </a:solidFill>
+          </a:ln>
+        </p:spPr>
+        <p:style>
+          <a:lnRef idx="2">
+            <a:schemeClr val="accent1">
+              <a:shade val="50000"/>
+            </a:schemeClr>
+          </a:lnRef>
+          <a:fillRef idx="1">
+            <a:schemeClr val="accent1"/>
+          </a:fillRef>
+          <a:effectRef idx="0">
+            <a:schemeClr val="accent1"/>
+          </a:effectRef>
+          <a:fontRef idx="minor">
+            <a:schemeClr val="lt1"/>
+          </a:fontRef>
+        </p:style>
+        <p:txBody>
+          <a:bodyPr rtlCol="0" anchor="ctr"/>
+          <a:lstStyle/>
+          <a:p>
+            <a:pPr algn="ctr"/>
+            <a:endParaRPr kumimoji="1" lang="ja-JP" altLang="en-US"/>
+          </a:p>
+        </p:txBody>
+      </p:sp>
+      <p:sp>
+        <p:nvSpPr>
+          <p:cNvPr id="5" name="正方形/長方形 4"/>
+          <p:cNvSpPr/>
+          <p:nvPr/>
+        </p:nvSpPr>
+        <p:spPr>
+          <a:xfrm>
+            <a:off x="949697" y="1484784"/>
+            <a:ext cx="7654751" cy="4247317"/>
+          </a:xfrm>
+          <a:prstGeom prst="rect">
+            <a:avLst/>
+          </a:prstGeom>
+          <a:noFill/>
+        </p:spPr>
+        <p:txBody>
+          <a:bodyPr wrap="square">
+            <a:spAutoFit/>
           </a:bodyPr>
-          <a:lstStyle>
-            <a:lvl1pPr algn="ctr" defTabSz="914400" rtl="0" eaLnBrk="1" latinLnBrk="0" hangingPunct="1">
-              <a:spcBef>
-                <a:spcPct val="0"/>
-              </a:spcBef>
-              <a:buNone/>
-              <a:defRPr kumimoji="1" sz="4400" kern="1200">
+          <a:lstStyle/>
+          <a:p>
+            <a:r>
+              <a:rPr lang="en-US" altLang="ja-JP" dirty="0" smtClean="0"/>
+              <a:t> public </a:t>
+            </a:r>
+            <a:r>
+              <a:rPr lang="en-US" altLang="ja-JP" dirty="0"/>
+              <a:t>void </a:t>
+            </a:r>
+            <a:r>
+              <a:rPr lang="en-US" altLang="ja-JP" dirty="0" err="1"/>
+              <a:t>fetchTopRankers</a:t>
+            </a:r>
+            <a:r>
+              <a:rPr lang="en-US" altLang="ja-JP" dirty="0" smtClean="0"/>
+              <a:t>(){</a:t>
+            </a:r>
+          </a:p>
+          <a:p>
+            <a:endParaRPr lang="en-US" altLang="ja-JP" dirty="0"/>
+          </a:p>
+          <a:p>
+            <a:r>
+              <a:rPr lang="en-US" altLang="ja-JP" dirty="0" smtClean="0"/>
+              <a:t>// </a:t>
+            </a:r>
+            <a:r>
+              <a:rPr lang="ja-JP" altLang="en-US" dirty="0"/>
+              <a:t>データストアの「</a:t>
+            </a:r>
+            <a:r>
+              <a:rPr lang="en-US" altLang="ja-JP" dirty="0" err="1"/>
+              <a:t>HighScore</a:t>
+            </a:r>
+            <a:r>
+              <a:rPr lang="ja-JP" altLang="en-US" dirty="0"/>
+              <a:t>」クラスから検索</a:t>
+            </a:r>
+          </a:p>
+          <a:p>
+            <a:endParaRPr lang="en-US" altLang="ja-JP" dirty="0" smtClean="0"/>
+          </a:p>
+          <a:p>
+            <a:endParaRPr lang="en-US" altLang="ja-JP" dirty="0"/>
+          </a:p>
+          <a:p>
+            <a:endParaRPr lang="en-US" altLang="ja-JP" dirty="0" smtClean="0"/>
+          </a:p>
+          <a:p>
+            <a:r>
+              <a:rPr lang="en-US" altLang="ja-JP" dirty="0" err="1" smtClean="0"/>
+              <a:t>NCMBQuery</a:t>
+            </a:r>
+            <a:r>
+              <a:rPr lang="en-US" altLang="ja-JP" dirty="0" smtClean="0"/>
+              <a:t>&lt;</a:t>
+            </a:r>
+            <a:r>
+              <a:rPr lang="en-US" altLang="ja-JP" dirty="0" err="1" smtClean="0"/>
+              <a:t>NCMBObject</a:t>
+            </a:r>
+            <a:r>
+              <a:rPr lang="en-US" altLang="ja-JP" dirty="0"/>
+              <a:t>&gt; query = new </a:t>
+            </a:r>
+            <a:r>
+              <a:rPr lang="en-US" altLang="ja-JP" dirty="0" err="1"/>
+              <a:t>NCMBQuery</a:t>
+            </a:r>
+            <a:r>
+              <a:rPr lang="en-US" altLang="ja-JP" dirty="0"/>
+              <a:t>&lt;</a:t>
+            </a:r>
+            <a:r>
+              <a:rPr lang="en-US" altLang="ja-JP" dirty="0" err="1"/>
+              <a:t>NCMBObject</a:t>
+            </a:r>
+            <a:r>
+              <a:rPr lang="en-US" altLang="ja-JP" dirty="0"/>
+              <a:t>&gt; </a:t>
+            </a:r>
+            <a:r>
+              <a:rPr lang="en-US" altLang="ja-JP" dirty="0" smtClean="0"/>
+              <a:t>(“Time");</a:t>
+            </a:r>
+            <a:endParaRPr lang="en-US" altLang="ja-JP" dirty="0"/>
+          </a:p>
+          <a:p>
+            <a:endParaRPr lang="en-US" altLang="ja-JP" dirty="0" smtClean="0"/>
+          </a:p>
+          <a:p>
+            <a:endParaRPr lang="en-US" altLang="ja-JP" dirty="0"/>
+          </a:p>
+          <a:p>
+            <a:endParaRPr lang="en-US" altLang="ja-JP" dirty="0" smtClean="0"/>
+          </a:p>
+          <a:p>
+            <a:r>
+              <a:rPr lang="en-US" altLang="ja-JP" dirty="0" err="1" smtClean="0"/>
+              <a:t>query.OrderByDescending</a:t>
+            </a:r>
+            <a:r>
+              <a:rPr lang="en-US" altLang="ja-JP" dirty="0" smtClean="0"/>
+              <a:t> (“time");</a:t>
+            </a:r>
+            <a:endParaRPr lang="en-US" altLang="ja-JP" dirty="0"/>
+          </a:p>
+          <a:p>
+            <a:endParaRPr lang="en-US" altLang="ja-JP" dirty="0" smtClean="0"/>
+          </a:p>
+          <a:p>
+            <a:endParaRPr lang="en-US" altLang="ja-JP" dirty="0"/>
+          </a:p>
+          <a:p>
+            <a:endParaRPr lang="en-US" altLang="ja-JP" dirty="0" smtClean="0"/>
+          </a:p>
+          <a:p>
+            <a:r>
+              <a:rPr lang="en-US" altLang="ja-JP" dirty="0" err="1" smtClean="0"/>
+              <a:t>query.Limit</a:t>
+            </a:r>
+            <a:r>
+              <a:rPr lang="en-US" altLang="ja-JP" dirty="0" smtClean="0"/>
+              <a:t> </a:t>
+            </a:r>
+            <a:r>
+              <a:rPr lang="en-US" altLang="ja-JP" dirty="0"/>
+              <a:t>= 5</a:t>
+            </a:r>
+            <a:r>
+              <a:rPr lang="en-US" altLang="ja-JP" dirty="0" smtClean="0"/>
+              <a:t>;</a:t>
+            </a:r>
+            <a:r>
+              <a:rPr lang="ja-JP" altLang="en-US" dirty="0" smtClean="0"/>
+              <a:t>　</a:t>
+            </a:r>
+          </a:p>
+        </p:txBody>
+      </p:sp>
+      <p:sp>
+        <p:nvSpPr>
+          <p:cNvPr id="7" name="四角形吹き出し 6"/>
+          <p:cNvSpPr/>
+          <p:nvPr/>
+        </p:nvSpPr>
+        <p:spPr>
+          <a:xfrm>
+            <a:off x="4139952" y="2420888"/>
+            <a:ext cx="4730824" cy="681998"/>
+          </a:xfrm>
+          <a:prstGeom prst="wedgeRectCallout">
+            <a:avLst>
+              <a:gd name="adj1" fmla="val -12496"/>
+              <a:gd name="adj2" fmla="val 67182"/>
+            </a:avLst>
+          </a:prstGeom>
+          <a:solidFill>
+            <a:schemeClr val="bg1"/>
+          </a:solidFill>
+          <a:ln>
+            <a:solidFill>
+              <a:schemeClr val="tx1"/>
+            </a:solidFill>
+          </a:ln>
+        </p:spPr>
+        <p:style>
+          <a:lnRef idx="2">
+            <a:schemeClr val="accent1">
+              <a:shade val="50000"/>
+            </a:schemeClr>
+          </a:lnRef>
+          <a:fillRef idx="1">
+            <a:schemeClr val="accent1"/>
+          </a:fillRef>
+          <a:effectRef idx="0">
+            <a:schemeClr val="accent1"/>
+          </a:effectRef>
+          <a:fontRef idx="minor">
+            <a:schemeClr val="lt1"/>
+          </a:fontRef>
+        </p:style>
+        <p:txBody>
+          <a:bodyPr rtlCol="0" anchor="ctr"/>
+          <a:lstStyle/>
+          <a:p>
+            <a:pPr algn="ctr"/>
+            <a:r>
+              <a:rPr lang="ja-JP" altLang="en-US" dirty="0" smtClean="0">
                 <a:solidFill>
                   <a:schemeClr val="tx1"/>
                 </a:solidFill>
-                <a:latin typeface="+mj-lt"/>
-                <a:ea typeface="+mj-ea"/>
-                <a:cs typeface="+mj-cs"/>
-              </a:defRPr>
-            </a:lvl1pPr>
-          </a:lstStyle>
-          <a:p>
-            <a:pPr algn="l"/>
-            <a:r>
-              <a:rPr lang="ja-JP" altLang="en-US" sz="1400" dirty="0" smtClean="0"/>
-              <a:t>ランキングは</a:t>
-            </a:r>
-            <a:r>
-              <a:rPr lang="en-US" altLang="ja-JP" sz="1400" dirty="0" smtClean="0"/>
-              <a:t>Asset&gt;Scenes</a:t>
-            </a:r>
-            <a:r>
-              <a:rPr lang="ja-JP" altLang="en-US" sz="1400" dirty="0"/>
-              <a:t>の</a:t>
-            </a:r>
-            <a:r>
-              <a:rPr lang="ja-JP" altLang="en-US" sz="1400" dirty="0" smtClean="0"/>
-              <a:t>「</a:t>
-            </a:r>
-            <a:r>
-              <a:rPr lang="en-US" altLang="ja-JP" sz="1400" dirty="0"/>
+              </a:rPr>
+              <a:t>時間を保存している</a:t>
+            </a:r>
+            <a:r>
+              <a:rPr lang="en-US" altLang="ja-JP" dirty="0" smtClean="0">
+                <a:solidFill>
+                  <a:schemeClr val="tx1"/>
+                </a:solidFill>
+              </a:rPr>
+              <a:t>Tim</a:t>
+            </a:r>
+            <a:r>
+              <a:rPr lang="en-US" altLang="ja-JP" dirty="0">
+                <a:solidFill>
+                  <a:schemeClr val="tx1"/>
+                </a:solidFill>
+              </a:rPr>
+              <a:t>e</a:t>
+            </a:r>
+            <a:r>
+              <a:rPr lang="ja-JP" altLang="en-US" dirty="0" smtClean="0">
+                <a:solidFill>
+                  <a:schemeClr val="tx1"/>
+                </a:solidFill>
+              </a:rPr>
+              <a:t>クラスを操作する</a:t>
+            </a:r>
+            <a:endParaRPr lang="en-US" altLang="ja-JP" dirty="0" smtClean="0">
+              <a:solidFill>
+                <a:schemeClr val="tx1"/>
+              </a:solidFill>
+            </a:endParaRPr>
+          </a:p>
+          <a:p>
+            <a:pPr algn="ctr"/>
+            <a:r>
+              <a:rPr lang="ja-JP" altLang="en-US" dirty="0" smtClean="0">
+                <a:solidFill>
+                  <a:schemeClr val="tx1"/>
+                </a:solidFill>
+              </a:rPr>
+              <a:t>クエリの作成</a:t>
+            </a:r>
+            <a:endParaRPr kumimoji="1" lang="ja-JP" altLang="en-US" dirty="0">
+              <a:solidFill>
+                <a:schemeClr val="tx1"/>
+              </a:solidFill>
+            </a:endParaRPr>
+          </a:p>
+        </p:txBody>
+      </p:sp>
+      <p:sp>
+        <p:nvSpPr>
+          <p:cNvPr id="8" name="四角形吹き出し 7"/>
+          <p:cNvSpPr/>
+          <p:nvPr/>
+        </p:nvSpPr>
+        <p:spPr>
+          <a:xfrm>
+            <a:off x="4669160" y="4043146"/>
+            <a:ext cx="3672408" cy="681998"/>
+          </a:xfrm>
+          <a:prstGeom prst="wedgeRectCallout">
+            <a:avLst>
+              <a:gd name="adj1" fmla="val -54884"/>
+              <a:gd name="adj2" fmla="val -6560"/>
+            </a:avLst>
+          </a:prstGeom>
+          <a:solidFill>
+            <a:schemeClr val="bg1"/>
+          </a:solidFill>
+          <a:ln>
+            <a:solidFill>
+              <a:schemeClr val="tx1"/>
+            </a:solidFill>
+          </a:ln>
+        </p:spPr>
+        <p:style>
+          <a:lnRef idx="2">
+            <a:schemeClr val="accent1">
+              <a:shade val="50000"/>
+            </a:schemeClr>
+          </a:lnRef>
+          <a:fillRef idx="1">
+            <a:schemeClr val="accent1"/>
+          </a:fillRef>
+          <a:effectRef idx="0">
+            <a:schemeClr val="accent1"/>
+          </a:effectRef>
+          <a:fontRef idx="minor">
+            <a:schemeClr val="lt1"/>
+          </a:fontRef>
+        </p:style>
+        <p:txBody>
+          <a:bodyPr rtlCol="0" anchor="ctr"/>
+          <a:lstStyle/>
+          <a:p>
+            <a:pPr algn="ctr"/>
+            <a:r>
+              <a:rPr lang="en-US" altLang="ja-JP" smtClean="0">
+                <a:solidFill>
+                  <a:schemeClr val="tx1"/>
+                </a:solidFill>
+              </a:rPr>
+              <a:t>time</a:t>
+            </a:r>
+            <a:r>
+              <a:rPr lang="ja-JP" altLang="en-US" dirty="0" smtClean="0">
+                <a:solidFill>
+                  <a:schemeClr val="tx1"/>
+                </a:solidFill>
+              </a:rPr>
+              <a:t>カラムを</a:t>
+            </a:r>
+            <a:r>
+              <a:rPr lang="ja-JP" altLang="en-US" dirty="0">
+                <a:solidFill>
+                  <a:schemeClr val="tx1"/>
+                </a:solidFill>
+              </a:rPr>
+              <a:t>昇順</a:t>
+            </a:r>
+            <a:r>
+              <a:rPr lang="ja-JP" altLang="en-US" dirty="0" smtClean="0">
+                <a:solidFill>
+                  <a:schemeClr val="tx1"/>
+                </a:solidFill>
+              </a:rPr>
+              <a:t>に並び替えて</a:t>
+            </a:r>
+            <a:endParaRPr lang="en-US" altLang="ja-JP" dirty="0" smtClean="0">
+              <a:solidFill>
+                <a:schemeClr val="tx1"/>
+              </a:solidFill>
+            </a:endParaRPr>
+          </a:p>
+          <a:p>
+            <a:pPr algn="ctr"/>
+            <a:r>
+              <a:rPr lang="ja-JP" altLang="en-US" dirty="0" smtClean="0">
+                <a:solidFill>
+                  <a:schemeClr val="tx1"/>
+                </a:solidFill>
+              </a:rPr>
+              <a:t>引き出すよう設定</a:t>
+            </a:r>
+            <a:endParaRPr kumimoji="1" lang="ja-JP" altLang="en-US" dirty="0">
+              <a:solidFill>
+                <a:schemeClr val="tx1"/>
+              </a:solidFill>
+            </a:endParaRPr>
+          </a:p>
+        </p:txBody>
+      </p:sp>
+      <p:sp>
+        <p:nvSpPr>
+          <p:cNvPr id="9" name="四角形吹き出し 8"/>
+          <p:cNvSpPr/>
+          <p:nvPr/>
+        </p:nvSpPr>
+        <p:spPr>
+          <a:xfrm>
+            <a:off x="2555776" y="5604100"/>
+            <a:ext cx="3672408" cy="681998"/>
+          </a:xfrm>
+          <a:prstGeom prst="wedgeRectCallout">
+            <a:avLst>
+              <a:gd name="adj1" fmla="val -61524"/>
+              <a:gd name="adj2" fmla="val -46783"/>
+            </a:avLst>
+          </a:prstGeom>
+          <a:solidFill>
+            <a:schemeClr val="bg1"/>
+          </a:solidFill>
+          <a:ln>
+            <a:solidFill>
+              <a:schemeClr val="tx1"/>
+            </a:solidFill>
+          </a:ln>
+        </p:spPr>
+        <p:style>
+          <a:lnRef idx="2">
+            <a:schemeClr val="accent1">
+              <a:shade val="50000"/>
+            </a:schemeClr>
+          </a:lnRef>
+          <a:fillRef idx="1">
+            <a:schemeClr val="accent1"/>
+          </a:fillRef>
+          <a:effectRef idx="0">
+            <a:schemeClr val="accent1"/>
+          </a:effectRef>
+          <a:fontRef idx="minor">
+            <a:schemeClr val="lt1"/>
+          </a:fontRef>
+        </p:style>
+        <p:txBody>
+          <a:bodyPr rtlCol="0" anchor="ctr"/>
+          <a:lstStyle/>
+          <a:p>
+            <a:pPr algn="ctr"/>
+            <a:r>
+              <a:rPr kumimoji="1" lang="en-US" altLang="ja-JP" dirty="0" smtClean="0">
+                <a:solidFill>
+                  <a:schemeClr val="tx1"/>
+                </a:solidFill>
+              </a:rPr>
+              <a:t>5</a:t>
+            </a:r>
+            <a:r>
+              <a:rPr kumimoji="1" lang="ja-JP" altLang="en-US" dirty="0" smtClean="0">
+                <a:solidFill>
+                  <a:schemeClr val="tx1"/>
+                </a:solidFill>
+              </a:rPr>
+              <a:t>個だけ取り出すように設定</a:t>
+            </a:r>
+            <a:endParaRPr kumimoji="1" lang="ja-JP" altLang="en-US" dirty="0">
+              <a:solidFill>
+                <a:schemeClr val="tx1"/>
+              </a:solidFill>
+            </a:endParaRPr>
+          </a:p>
+        </p:txBody>
+      </p:sp>
+      <p:sp>
+        <p:nvSpPr>
+          <p:cNvPr id="10" name="正方形/長方形 9"/>
+          <p:cNvSpPr/>
+          <p:nvPr/>
+        </p:nvSpPr>
+        <p:spPr>
+          <a:xfrm>
+            <a:off x="772384" y="838453"/>
+            <a:ext cx="8019882" cy="646331"/>
+          </a:xfrm>
+          <a:prstGeom prst="rect">
+            <a:avLst/>
+          </a:prstGeom>
+        </p:spPr>
+        <p:txBody>
+          <a:bodyPr wrap="square">
+            <a:spAutoFit/>
+          </a:bodyPr>
+          <a:lstStyle/>
+          <a:p>
+            <a:r>
+              <a:rPr lang="en-US" altLang="ja-JP" dirty="0">
+                <a:solidFill>
+                  <a:prstClr val="black"/>
+                </a:solidFill>
+                <a:latin typeface="Calibri"/>
+                <a:ea typeface="ＭＳ Ｐゴシック" panose="020B0600070205080204" pitchFamily="50" charset="-128"/>
+              </a:rPr>
+              <a:t>Assets</a:t>
+            </a:r>
+            <a:r>
+              <a:rPr lang="ja-JP" altLang="en-US" dirty="0">
+                <a:solidFill>
+                  <a:prstClr val="black"/>
+                </a:solidFill>
+                <a:latin typeface="Calibri"/>
+                <a:ea typeface="ＭＳ Ｐゴシック" panose="020B0600070205080204" pitchFamily="50" charset="-128"/>
+              </a:rPr>
+              <a:t>＞</a:t>
+            </a:r>
+            <a:r>
+              <a:rPr lang="en-US" altLang="ja-JP" dirty="0">
+                <a:solidFill>
+                  <a:prstClr val="black"/>
+                </a:solidFill>
+                <a:latin typeface="Calibri"/>
+                <a:ea typeface="ＭＳ Ｐゴシック" panose="020B0600070205080204" pitchFamily="50" charset="-128"/>
+              </a:rPr>
+              <a:t>Scripts</a:t>
+            </a:r>
+            <a:r>
+              <a:rPr lang="ja-JP" altLang="en-US" dirty="0" smtClean="0">
+                <a:solidFill>
+                  <a:prstClr val="black"/>
+                </a:solidFill>
+                <a:latin typeface="Calibri"/>
+                <a:ea typeface="ＭＳ Ｐゴシック" panose="020B0600070205080204" pitchFamily="50" charset="-128"/>
+              </a:rPr>
+              <a:t>＞</a:t>
+            </a:r>
+            <a:r>
+              <a:rPr lang="en-US" altLang="ja-JP" dirty="0">
+                <a:solidFill>
+                  <a:prstClr val="black"/>
+                </a:solidFill>
+                <a:latin typeface="Calibri"/>
+                <a:ea typeface="ＭＳ Ｐゴシック" panose="020B0600070205080204" pitchFamily="50" charset="-128"/>
+              </a:rPr>
               <a:t> </a:t>
             </a:r>
             <a:r>
-              <a:rPr lang="en-US" altLang="ja-JP" sz="1400" dirty="0" err="1" smtClean="0"/>
+              <a:rPr lang="en-US" altLang="ja-JP" dirty="0" err="1" smtClean="0">
+                <a:solidFill>
+                  <a:prstClr val="black"/>
+                </a:solidFill>
+                <a:latin typeface="Calibri"/>
+                <a:ea typeface="ＭＳ Ｐゴシック" panose="020B0600070205080204" pitchFamily="50" charset="-128"/>
+              </a:rPr>
               <a:t>LeaderBoard</a:t>
             </a:r>
             <a:r>
-              <a:rPr lang="en-US" altLang="ja-JP" sz="1400" dirty="0" smtClean="0"/>
-              <a:t> </a:t>
-            </a:r>
-            <a:r>
-              <a:rPr lang="ja-JP" altLang="en-US" sz="1400" dirty="0" smtClean="0"/>
-              <a:t>」 シーンで生成されています。</a:t>
-            </a:r>
-            <a:endParaRPr lang="en-US" altLang="ja-JP" sz="1400" dirty="0" smtClean="0"/>
-          </a:p>
-          <a:p>
-            <a:pPr algn="l"/>
-            <a:r>
-              <a:rPr lang="ja-JP" altLang="en-US" sz="1400" dirty="0" smtClean="0"/>
-              <a:t>下記にその構成要素と各役割を記しま</a:t>
-            </a:r>
-            <a:r>
-              <a:rPr lang="ja-JP" altLang="en-US" sz="1400" dirty="0"/>
-              <a:t>す</a:t>
-            </a:r>
-            <a:r>
-              <a:rPr lang="ja-JP" altLang="en-US" sz="1400" dirty="0" smtClean="0"/>
-              <a:t>。</a:t>
-            </a:r>
-            <a:endParaRPr lang="ja-JP" altLang="en-US" sz="1400" dirty="0"/>
+              <a:rPr lang="ja-JP" altLang="en-US" dirty="0" smtClean="0">
+                <a:solidFill>
+                  <a:prstClr val="black"/>
+                </a:solidFill>
+                <a:latin typeface="Calibri"/>
+                <a:ea typeface="ＭＳ Ｐゴシック" panose="020B0600070205080204" pitchFamily="50" charset="-128"/>
+              </a:rPr>
+              <a:t>内</a:t>
+            </a:r>
+            <a:r>
+              <a:rPr lang="ja-JP" altLang="en-US" dirty="0">
+                <a:solidFill>
+                  <a:prstClr val="black"/>
+                </a:solidFill>
+                <a:latin typeface="Calibri"/>
+                <a:ea typeface="ＭＳ Ｐゴシック" panose="020B0600070205080204" pitchFamily="50" charset="-128"/>
+              </a:rPr>
+              <a:t>にある</a:t>
+            </a:r>
+            <a:r>
+              <a:rPr lang="ja-JP" altLang="en-US" dirty="0" smtClean="0">
+                <a:solidFill>
+                  <a:prstClr val="black"/>
+                </a:solidFill>
+                <a:latin typeface="Calibri"/>
+                <a:ea typeface="ＭＳ Ｐゴシック" panose="020B0600070205080204" pitchFamily="50" charset="-128"/>
+              </a:rPr>
+              <a:t>スクリプト「</a:t>
+            </a:r>
+            <a:r>
+              <a:rPr lang="en-US" altLang="ja-JP" dirty="0" err="1" smtClean="0">
+                <a:solidFill>
+                  <a:prstClr val="black"/>
+                </a:solidFill>
+                <a:latin typeface="Calibri"/>
+                <a:ea typeface="ＭＳ Ｐゴシック" panose="020B0600070205080204" pitchFamily="50" charset="-128"/>
+              </a:rPr>
+              <a:t>LeaderBoard.cs</a:t>
+            </a:r>
+            <a:r>
+              <a:rPr lang="ja-JP" altLang="en-US" dirty="0" smtClean="0">
+                <a:solidFill>
+                  <a:prstClr val="black"/>
+                </a:solidFill>
+                <a:latin typeface="Calibri"/>
+                <a:ea typeface="ＭＳ Ｐゴシック" panose="020B0600070205080204" pitchFamily="50" charset="-128"/>
+              </a:rPr>
+              <a:t>」を</a:t>
+            </a:r>
+            <a:r>
+              <a:rPr lang="en-US" altLang="ja-JP" dirty="0" smtClean="0">
+                <a:solidFill>
+                  <a:prstClr val="black"/>
+                </a:solidFill>
+                <a:latin typeface="Calibri"/>
+                <a:ea typeface="ＭＳ Ｐゴシック" panose="020B0600070205080204" pitchFamily="50" charset="-128"/>
+              </a:rPr>
+              <a:t>l</a:t>
+            </a:r>
+          </a:p>
+          <a:p>
+            <a:r>
+              <a:rPr lang="ja-JP" altLang="en-US" dirty="0">
+                <a:solidFill>
+                  <a:prstClr val="black"/>
+                </a:solidFill>
+                <a:latin typeface="Calibri"/>
+                <a:ea typeface="ＭＳ Ｐゴシック" panose="020B0600070205080204" pitchFamily="50" charset="-128"/>
+              </a:rPr>
+              <a:t>参照</a:t>
+            </a:r>
+            <a:r>
+              <a:rPr lang="ja-JP" altLang="en-US" dirty="0" smtClean="0">
+                <a:solidFill>
+                  <a:prstClr val="black"/>
+                </a:solidFill>
+                <a:latin typeface="Calibri"/>
+                <a:ea typeface="ＭＳ Ｐゴシック" panose="020B0600070205080204" pitchFamily="50" charset="-128"/>
+              </a:rPr>
+              <a:t>ください</a:t>
+            </a:r>
+            <a:endParaRPr lang="en-US" altLang="ja-JP" dirty="0">
+              <a:solidFill>
+                <a:prstClr val="black"/>
+              </a:solidFill>
+              <a:latin typeface="Calibri"/>
+              <a:ea typeface="ＭＳ Ｐゴシック" panose="020B0600070205080204" pitchFamily="50" charset="-128"/>
+            </a:endParaRPr>
           </a:p>
         </p:txBody>
       </p:sp>
     </p:spTree>
     <p:extLst>
       <p:ext uri="{BB962C8B-B14F-4D97-AF65-F5344CB8AC3E}">
-        <p14:creationId xmlns:p14="http://schemas.microsoft.com/office/powerpoint/2010/main" val="3850114144"/>
+        <p14:creationId xmlns:p14="http://schemas.microsoft.com/office/powerpoint/2010/main" val="4122879911"/>
       </p:ext>
     </p:extLst>
   </p:cSld>
@@ -14567,7 +14649,7 @@
             </a:r>
             <a:r>
               <a:rPr lang="en-US" altLang="ja-JP" dirty="0" smtClean="0"/>
-              <a:t>1</a:t>
+              <a:t>2</a:t>
             </a:r>
             <a:endParaRPr kumimoji="1" lang="ja-JP" altLang="en-US" dirty="0"/>
           </a:p>
@@ -14628,12 +14710,11 @@
         <p:spPr>
           <a:xfrm>
             <a:off x="949697" y="1484784"/>
-            <a:ext cx="7654751" cy="4247317"/>
+            <a:ext cx="7654751" cy="3693319"/>
           </a:xfrm>
           <a:prstGeom prst="rect">
             <a:avLst/>
           </a:prstGeom>
-          <a:noFill/>
         </p:spPr>
         <p:txBody>
           <a:bodyPr wrap="square">
@@ -14642,159 +14723,214 @@
           <a:lstStyle/>
           <a:p>
             <a:r>
+              <a:rPr lang="en-US" altLang="ja-JP" dirty="0" err="1" smtClean="0"/>
+              <a:t>query.FindAsync</a:t>
+            </a:r>
+            <a:r>
               <a:rPr lang="en-US" altLang="ja-JP" dirty="0" smtClean="0"/>
-              <a:t> public </a:t>
-            </a:r>
-            <a:r>
-              <a:rPr lang="en-US" altLang="ja-JP" dirty="0"/>
-              <a:t>void </a:t>
-            </a:r>
-            <a:r>
-              <a:rPr lang="en-US" altLang="ja-JP" dirty="0" err="1"/>
-              <a:t>fetchTopRankers</a:t>
-            </a:r>
-            <a:r>
-              <a:rPr lang="en-US" altLang="ja-JP" dirty="0" smtClean="0"/>
-              <a:t>(){</a:t>
-            </a:r>
-          </a:p>
-          <a:p>
-            <a:endParaRPr lang="en-US" altLang="ja-JP" dirty="0"/>
-          </a:p>
-          <a:p>
-            <a:r>
-              <a:rPr lang="en-US" altLang="ja-JP" dirty="0" smtClean="0"/>
-              <a:t>// </a:t>
-            </a:r>
-            <a:r>
-              <a:rPr lang="ja-JP" altLang="en-US" dirty="0"/>
-              <a:t>データストアの「</a:t>
-            </a:r>
-            <a:r>
-              <a:rPr lang="en-US" altLang="ja-JP" dirty="0" err="1"/>
-              <a:t>HighScore</a:t>
-            </a:r>
-            <a:r>
-              <a:rPr lang="ja-JP" altLang="en-US" dirty="0"/>
-              <a:t>」クラスから検索</a:t>
-            </a:r>
-          </a:p>
-          <a:p>
-            <a:endParaRPr lang="en-US" altLang="ja-JP" dirty="0" smtClean="0"/>
-          </a:p>
-          <a:p>
-            <a:endParaRPr lang="en-US" altLang="ja-JP" dirty="0"/>
-          </a:p>
-          <a:p>
-            <a:endParaRPr lang="en-US" altLang="ja-JP" dirty="0" smtClean="0"/>
-          </a:p>
-          <a:p>
-            <a:r>
-              <a:rPr lang="en-US" altLang="ja-JP" dirty="0" err="1" smtClean="0"/>
-              <a:t>NCMBQuery</a:t>
-            </a:r>
-            <a:r>
-              <a:rPr lang="en-US" altLang="ja-JP" dirty="0" smtClean="0"/>
-              <a:t>&lt;</a:t>
+              <a:t> ((List&lt;</a:t>
             </a:r>
             <a:r>
               <a:rPr lang="en-US" altLang="ja-JP" dirty="0" err="1" smtClean="0"/>
               <a:t>NCMBObject</a:t>
             </a:r>
             <a:r>
-              <a:rPr lang="en-US" altLang="ja-JP" dirty="0"/>
-              <a:t>&gt; query = new </a:t>
-            </a:r>
-            <a:r>
-              <a:rPr lang="en-US" altLang="ja-JP" dirty="0" err="1"/>
-              <a:t>NCMBQuery</a:t>
-            </a:r>
-            <a:r>
-              <a:rPr lang="en-US" altLang="ja-JP" dirty="0"/>
-              <a:t>&lt;</a:t>
-            </a:r>
-            <a:r>
-              <a:rPr lang="en-US" altLang="ja-JP" dirty="0" err="1"/>
+              <a:rPr lang="en-US" altLang="ja-JP" dirty="0" smtClean="0"/>
+              <a:t>&gt; </a:t>
+            </a:r>
+            <a:r>
+              <a:rPr lang="en-US" altLang="ja-JP" dirty="0" err="1" smtClean="0"/>
+              <a:t>objList</a:t>
+            </a:r>
+            <a:r>
+              <a:rPr lang="en-US" altLang="ja-JP" dirty="0" smtClean="0"/>
+              <a:t> ,</a:t>
+            </a:r>
+            <a:r>
+              <a:rPr lang="en-US" altLang="ja-JP" dirty="0" err="1" smtClean="0"/>
+              <a:t>NCMBException</a:t>
+            </a:r>
+            <a:r>
+              <a:rPr lang="en-US" altLang="ja-JP" dirty="0" smtClean="0"/>
+              <a:t> e) =&gt; {</a:t>
+            </a:r>
+          </a:p>
+          <a:p>
+            <a:endParaRPr lang="en-US" altLang="ja-JP" dirty="0"/>
+          </a:p>
+          <a:p>
+            <a:endParaRPr lang="en-US" altLang="ja-JP" dirty="0" smtClean="0"/>
+          </a:p>
+          <a:p>
+            <a:r>
+              <a:rPr lang="en-US" altLang="ja-JP" dirty="0" smtClean="0"/>
+              <a:t>	if (e != null) {//</a:t>
+            </a:r>
+            <a:r>
+              <a:rPr lang="ja-JP" altLang="en-US" dirty="0" smtClean="0"/>
+              <a:t>検索失敗時の処理</a:t>
+            </a:r>
+          </a:p>
+          <a:p>
+            <a:r>
+              <a:rPr lang="en-US" altLang="ja-JP" dirty="0" smtClean="0"/>
+              <a:t>	} else {//</a:t>
+            </a:r>
+            <a:r>
+              <a:rPr lang="ja-JP" altLang="en-US" dirty="0" smtClean="0"/>
+              <a:t>検索成功時の処理</a:t>
+            </a:r>
+          </a:p>
+          <a:p>
+            <a:r>
+              <a:rPr lang="en-US" altLang="ja-JP" dirty="0" smtClean="0"/>
+              <a:t>		List&lt;</a:t>
+            </a:r>
+            <a:r>
+              <a:rPr lang="en-US" altLang="ja-JP" dirty="0" err="1" smtClean="0"/>
+              <a:t>NCMB.Rankers</a:t>
+            </a:r>
+            <a:r>
+              <a:rPr lang="en-US" altLang="ja-JP" dirty="0" smtClean="0"/>
+              <a:t>&gt; list = new List&lt;</a:t>
+            </a:r>
+            <a:r>
+              <a:rPr lang="en-US" altLang="ja-JP" dirty="0" err="1" smtClean="0"/>
+              <a:t>NCMB.Rankers</a:t>
+            </a:r>
+            <a:r>
+              <a:rPr lang="en-US" altLang="ja-JP" dirty="0" smtClean="0"/>
+              <a:t>&gt;();</a:t>
+            </a:r>
+          </a:p>
+          <a:p>
+            <a:r>
+              <a:rPr lang="en-US" altLang="ja-JP" dirty="0" smtClean="0"/>
+              <a:t>		</a:t>
+            </a:r>
+            <a:r>
+              <a:rPr lang="en-US" altLang="ja-JP" dirty="0" err="1" smtClean="0"/>
+              <a:t>foreach</a:t>
+            </a:r>
+            <a:r>
+              <a:rPr lang="en-US" altLang="ja-JP" dirty="0" smtClean="0"/>
+              <a:t> (</a:t>
+            </a:r>
+            <a:r>
+              <a:rPr lang="en-US" altLang="ja-JP" dirty="0" err="1" smtClean="0"/>
               <a:t>NCMBObject</a:t>
-            </a:r>
-            <a:r>
-              <a:rPr lang="en-US" altLang="ja-JP" dirty="0"/>
-              <a:t>&gt; </a:t>
-            </a:r>
-            <a:r>
-              <a:rPr lang="en-US" altLang="ja-JP" dirty="0" smtClean="0"/>
-              <a:t>(“Time");</a:t>
-            </a:r>
-            <a:endParaRPr lang="en-US" altLang="ja-JP" dirty="0"/>
-          </a:p>
-          <a:p>
-            <a:endParaRPr lang="en-US" altLang="ja-JP" dirty="0" smtClean="0"/>
-          </a:p>
-          <a:p>
-            <a:endParaRPr lang="en-US" altLang="ja-JP" dirty="0"/>
-          </a:p>
-          <a:p>
-            <a:endParaRPr lang="en-US" altLang="ja-JP" dirty="0" smtClean="0"/>
-          </a:p>
-          <a:p>
-            <a:r>
-              <a:rPr lang="en-US" altLang="ja-JP" dirty="0" err="1" smtClean="0"/>
-              <a:t>query.OrderByDescending</a:t>
-            </a:r>
-            <a:r>
-              <a:rPr lang="en-US" altLang="ja-JP" dirty="0" smtClean="0"/>
-              <a:t> (“time");</a:t>
-            </a:r>
-            <a:endParaRPr lang="en-US" altLang="ja-JP" dirty="0"/>
-          </a:p>
-          <a:p>
-            <a:endParaRPr lang="en-US" altLang="ja-JP" dirty="0" smtClean="0"/>
-          </a:p>
-          <a:p>
-            <a:endParaRPr lang="en-US" altLang="ja-JP" dirty="0"/>
-          </a:p>
-          <a:p>
-            <a:endParaRPr lang="en-US" altLang="ja-JP" dirty="0" smtClean="0"/>
-          </a:p>
-          <a:p>
-            <a:r>
-              <a:rPr lang="en-US" altLang="ja-JP" dirty="0" err="1" smtClean="0"/>
-              <a:t>query.Limit</a:t>
             </a:r>
             <a:r>
               <a:rPr lang="en-US" altLang="ja-JP" dirty="0" smtClean="0"/>
               <a:t> </a:t>
             </a:r>
             <a:r>
+              <a:rPr lang="en-US" altLang="ja-JP" dirty="0" err="1" smtClean="0"/>
+              <a:t>obj</a:t>
+            </a:r>
+            <a:r>
+              <a:rPr lang="en-US" altLang="ja-JP" dirty="0" smtClean="0"/>
+              <a:t> in </a:t>
+            </a:r>
+            <a:r>
+              <a:rPr lang="en-US" altLang="ja-JP" dirty="0" err="1" smtClean="0"/>
+              <a:t>objList</a:t>
+            </a:r>
+            <a:r>
+              <a:rPr lang="en-US" altLang="ja-JP" dirty="0" smtClean="0"/>
+              <a:t>) {</a:t>
+            </a:r>
+          </a:p>
+          <a:p>
+            <a:endParaRPr lang="en-US" altLang="ja-JP" dirty="0" smtClean="0"/>
+          </a:p>
+          <a:p>
+            <a:endParaRPr lang="en-US" altLang="ja-JP" dirty="0" smtClean="0"/>
+          </a:p>
+          <a:p>
+            <a:endParaRPr lang="en-US" altLang="ja-JP" dirty="0"/>
+          </a:p>
+          <a:p>
+            <a:r>
+              <a:rPr lang="en-US" altLang="ja-JP" dirty="0" smtClean="0"/>
+              <a:t>		string t = </a:t>
+            </a:r>
+            <a:r>
+              <a:rPr lang="en-US" altLang="ja-JP" dirty="0" err="1" smtClean="0"/>
+              <a:t>System.Convert.ToString</a:t>
+            </a:r>
+            <a:r>
+              <a:rPr lang="en-US" altLang="ja-JP" dirty="0" smtClean="0"/>
+              <a:t>(</a:t>
+            </a:r>
+            <a:r>
+              <a:rPr lang="en-US" altLang="ja-JP" dirty="0" err="1" smtClean="0"/>
+              <a:t>obj</a:t>
+            </a:r>
+            <a:r>
               <a:rPr lang="en-US" altLang="ja-JP" dirty="0"/>
-              <a:t>= 5</a:t>
-            </a:r>
+              <a:t>[" time "]);</a:t>
+            </a:r>
+            <a:endParaRPr lang="en-US" altLang="ja-JP" dirty="0" smtClean="0"/>
+          </a:p>
+          <a:p>
             <a:r>
               <a:rPr lang="en-US" altLang="ja-JP" dirty="0" smtClean="0"/>
-              <a:t>;</a:t>
+              <a:t>		</a:t>
+            </a:r>
+            <a:r>
+              <a:rPr lang="en-US" altLang="ja-JP" dirty="0" err="1" smtClean="0"/>
+              <a:t>list.Add</a:t>
+            </a:r>
+            <a:r>
+              <a:rPr lang="en-US" altLang="ja-JP" dirty="0"/>
+              <a:t>( new Rankers( t</a:t>
+            </a:r>
+            <a:r>
+              <a:rPr lang="en-US" altLang="ja-JP" dirty="0" smtClean="0"/>
+              <a:t> </a:t>
+            </a:r>
+            <a:r>
+              <a:rPr lang="en-US" altLang="ja-JP" dirty="0"/>
+              <a:t>) </a:t>
+            </a:r>
+            <a:r>
+              <a:rPr lang="en-US" altLang="ja-JP" dirty="0" smtClean="0"/>
+              <a:t>);</a:t>
+            </a:r>
+          </a:p>
+          <a:p>
+            <a:r>
+              <a:rPr lang="en-US" altLang="ja-JP" dirty="0" smtClean="0"/>
+              <a:t>----</a:t>
             </a:r>
             <a:r>
               <a:rPr lang="ja-JP" altLang="en-US" dirty="0" smtClean="0"/>
-              <a:t>　</a:t>
-            </a:r>
-          </a:p>
-        </p:txBody>
-      </p:sp>
-      <p:sp>
-        <p:nvSpPr>
-          <p:cNvPr id="7" name="四角形吹き出し 6"/>
+              <a:t>以下省略</a:t>
+            </a:r>
+            <a:r>
+              <a:rPr lang="en-US" altLang="ja-JP" dirty="0" smtClean="0"/>
+              <a:t>----</a:t>
+            </a:r>
+            <a:endParaRPr lang="en-US" altLang="ja-JP" dirty="0"/>
+          </a:p>
+        </p:txBody>
+      </p:sp>
+      <p:sp>
+        <p:nvSpPr>
+          <p:cNvPr id="6" name="四角形吹き出し 5"/>
           <p:cNvSpPr/>
           <p:nvPr/>
         </p:nvSpPr>
         <p:spPr>
           <a:xfrm>
-            <a:off x="4139952" y="2420888"/>
-            <a:ext cx="4730824" cy="681998"/>
+            <a:off x="3851920" y="1872958"/>
+            <a:ext cx="3456384" cy="340999"/>
           </a:xfrm>
           <a:prstGeom prst="wedgeRectCallout">
             <a:avLst>
-              <a:gd name="adj1" fmla="val -12496"/>
-              <a:gd name="adj2" fmla="val 67182"/>
+              <a:gd name="adj1" fmla="val -31825"/>
+              <a:gd name="adj2" fmla="val -89241"/>
             </a:avLst>
           </a:prstGeom>
           <a:solidFill>
@@ -14828,52 +14964,20 @@
           <a:p>
             <a:pPr algn="ctr"/>
             <a:r>
+              <a:rPr lang="ja-JP" altLang="en-US" dirty="0">
+                <a:solidFill>
+                  <a:schemeClr val="tx1"/>
+                </a:solidFill>
+              </a:rPr>
+              <a:t>時間</a:t>
+            </a:r>
+            <a:r>
               <a:rPr lang="ja-JP" altLang="en-US" dirty="0" smtClean="0">
                 <a:solidFill>
                   <a:schemeClr val="tx1"/>
                 </a:solidFill>
               </a:rPr>
-              <a:t>時間を保存している</a:t>
-            </a:r>
-            <a:r>
-              <a:rPr lang="en-US" altLang="ja-JP" dirty="0" smtClean="0">
-                <a:solidFill>
-                  <a:schemeClr val="tx1"/>
-                </a:solidFill>
-              </a:rPr>
-              <a:t>Tim</a:t>
-            </a:r>
-            <a:r>
-              <a:rPr lang="en-US" altLang="ja-JP" dirty="0">
-                <a:solidFill>
-                  <a:schemeClr val="tx1"/>
-                </a:solidFill>
-              </a:rPr>
-              <a:t>e</a:t>
-            </a:r>
-            <a:r>
-              <a:rPr lang="ja-JP" altLang="en-US" dirty="0" smtClean="0">
-                <a:solidFill>
-                  <a:schemeClr val="tx1"/>
-                </a:solidFill>
-              </a:rPr>
-              <a:t>クラスを操作する</a:t>
-            </a:r>
-            <a:endParaRPr lang="en-US" altLang="ja-JP" dirty="0" smtClean="0">
-              <a:solidFill>
-                <a:schemeClr val="tx1"/>
-              </a:solidFill>
-            </a:endParaRPr>
-          </a:p>
-          <a:p>
-            <a:pPr algn="ctr"/>
-            <a:r>
-              <a:rPr lang="ja-JP" altLang="en-US" dirty="0" smtClean="0">
-                <a:solidFill>
-                  <a:schemeClr val="tx1"/>
-                </a:solidFill>
-              </a:rPr>
-              <a:t>クエリの作成</a:t>
+              <a:t>を引き出す操作</a:t>
             </a:r>
             <a:endParaRPr kumimoji="1" lang="ja-JP" altLang="en-US" dirty="0">
               <a:solidFill>
@@ -14891,13 +14995,13 @@
         </p:nvSpPr>
         <p:spPr>
           <a:xfrm>
-            <a:off x="4669160" y="4043146"/>
-            <a:ext cx="3672408" cy="681998"/>
+            <a:off x="2927015" y="4077072"/>
+            <a:ext cx="5400600" cy="319820"/>
           </a:xfrm>
           <a:prstGeom prst="wedgeRectCallout">
             <a:avLst>
-              <a:gd name="adj1" fmla="val -54884"/>
-              <a:gd name="adj2" fmla="val -6560"/>
+              <a:gd name="adj1" fmla="val 24866"/>
+              <a:gd name="adj2" fmla="val 77571"/>
             </a:avLst>
           </a:prstGeom>
           <a:solidFill>
@@ -14931,52 +15035,36 @@
           <a:p>
             <a:pPr algn="ctr"/>
             <a:r>
-              <a:rPr lang="en-US" altLang="ja-JP" smtClean="0">
+              <a:rPr kumimoji="1" lang="ja-JP" altLang="en-US" dirty="0" smtClean="0">
                 <a:solidFill>
                   <a:schemeClr val="tx1"/>
                 </a:solidFill>
               </a:rPr>
-              <a:t>time</a:t>
-            </a:r>
-            <a:r>
-              <a:rPr lang="ja-JP" altLang="en-US" dirty="0" smtClean="0">
+              <a:t>引き出したオブジェクトから</a:t>
+            </a:r>
+            <a:r>
+              <a:rPr lang="en-US" altLang="ja-JP" dirty="0" smtClean="0">
                 <a:solidFill>
                   <a:schemeClr val="tx1"/>
                 </a:solidFill>
               </a:rPr>
-              <a:t>カラムを</a:t>
-            </a:r>
-            <a:r>
-              <a:rPr lang="ja-JP" altLang="en-US" dirty="0">
+              <a:t>time</a:t>
+            </a:r>
+            <a:r>
+              <a:rPr kumimoji="1" lang="ja-JP" altLang="en-US" dirty="0" err="1" smtClean="0">
                 <a:solidFill>
                   <a:schemeClr val="tx1"/>
                 </a:solidFill>
               </a:rPr>
-              <a:t>昇順</a:t>
-            </a:r>
-            <a:r>
-              <a:rPr lang="ja-JP" altLang="en-US" dirty="0" smtClean="0">
+              <a:t>だけを</a:t>
+            </a:r>
+            <a:r>
+              <a:rPr kumimoji="1" lang="ja-JP" altLang="en-US" dirty="0" smtClean="0">
                 <a:solidFill>
                   <a:schemeClr val="tx1"/>
                 </a:solidFill>
               </a:rPr>
-              <a:t>に並び替えて</a:t>
-            </a:r>
-            <a:endParaRPr lang="en-US" altLang="ja-JP" dirty="0" smtClean="0">
-              <a:solidFill>
-                <a:schemeClr val="tx1"/>
-              </a:solidFill>
-            </a:endParaRPr>
-          </a:p>
-          <a:p>
-            <a:pPr algn="ctr"/>
-            <a:r>
-              <a:rPr lang="ja-JP" altLang="en-US" dirty="0" smtClean="0">
-                <a:solidFill>
-                  <a:schemeClr val="tx1"/>
-                </a:solidFill>
-              </a:rPr>
-              <a:t>引き出すよう設定</a:t>
+              <a:t>取り出す</a:t>
             </a:r>
             <a:endParaRPr kumimoji="1" lang="ja-JP" altLang="en-US" dirty="0">
               <a:solidFill>
@@ -14994,13 +15082,13 @@
         </p:nvSpPr>
         <p:spPr>
           <a:xfrm>
-            <a:off x="2555776" y="5604100"/>
-            <a:ext cx="3672408" cy="681998"/>
+            <a:off x="960203" y="4587758"/>
+            <a:ext cx="1728192" cy="1073490"/>
           </a:xfrm>
           <a:prstGeom prst="wedgeRectCallout">
             <a:avLst>
-              <a:gd name="adj1" fmla="val -61524"/>
-              <a:gd name="adj2" fmla="val -46783"/>
+              <a:gd name="adj1" fmla="val 61415"/>
+              <a:gd name="adj2" fmla="val -36869"/>
             </a:avLst>
           </a:prstGeom>
           <a:solidFill>
@@ -15034,20 +15122,52 @@
           <a:p>
             <a:pPr algn="ctr"/>
             <a:r>
-              <a:rPr kumimoji="1" lang="en-US" altLang="ja-JP" dirty="0" smtClean="0">
-                <a:solidFill>
-                  <a:schemeClr val="tx1"/>
-                </a:solidFill>
-              </a:rPr>
-              <a:t>5</a:t>
-            </a:r>
-            <a:r>
               <a:rPr kumimoji="1" lang="ja-JP" altLang="en-US" dirty="0" smtClean="0">
                 <a:solidFill>
                   <a:schemeClr val="tx1"/>
                 </a:solidFill>
               </a:rPr>
-              <a:t>個だけ取り出すように設定</a:t>
+              <a:t>引き出した</a:t>
+            </a:r>
+            <a:endParaRPr kumimoji="1" lang="en-US" altLang="ja-JP" dirty="0" smtClean="0">
+              <a:solidFill>
+                <a:schemeClr val="tx1"/>
+              </a:solidFill>
+            </a:endParaRPr>
+          </a:p>
+          <a:p>
+            <a:pPr algn="ctr"/>
+            <a:r>
+              <a:rPr lang="ja-JP" altLang="en-US" dirty="0">
+                <a:solidFill>
+                  <a:schemeClr val="tx1"/>
+                </a:solidFill>
+              </a:rPr>
+              <a:t>時間</a:t>
+            </a:r>
+            <a:r>
+              <a:rPr lang="ja-JP" altLang="en-US" dirty="0" smtClean="0">
+                <a:solidFill>
+                  <a:schemeClr val="tx1"/>
+                </a:solidFill>
+              </a:rPr>
+              <a:t>を</a:t>
+            </a:r>
+            <a:r>
+              <a:rPr lang="en-US" altLang="ja-JP" dirty="0" smtClean="0">
+                <a:solidFill>
+                  <a:schemeClr val="tx1"/>
+                </a:solidFill>
+              </a:rPr>
+              <a:t>Rankers</a:t>
+            </a:r>
+            <a:r>
+              <a:rPr lang="ja-JP" altLang="en-US" dirty="0" smtClean="0">
+                <a:solidFill>
+                  <a:schemeClr val="tx1"/>
+                </a:solidFill>
+              </a:rPr>
+              <a:t>クラスに保存</a:t>
             </a:r>
             <a:endParaRPr kumimoji="1" lang="ja-JP" altLang="en-US" dirty="0">
               <a:solidFill>
@@ -15057,10 +15177,183 @@
           </a:p>
         </p:txBody>
       </p:sp>
+      <p:sp>
+        <p:nvSpPr>
+          <p:cNvPr id="10" name="正方形/長方形 9"/>
+          <p:cNvSpPr/>
+          <p:nvPr/>
+        </p:nvSpPr>
+        <p:spPr>
+          <a:xfrm>
+            <a:off x="772384" y="838453"/>
+            <a:ext cx="8019882" cy="646331"/>
+          </a:xfrm>
+          <a:prstGeom prst="rect">
+            <a:avLst/>
+          </a:prstGeom>
+        </p:spPr>
+        <p:txBody>
+          <a:bodyPr wrap="square">
+            <a:spAutoFit/>
+          </a:bodyPr>
+          <a:lstStyle/>
+          <a:p>
+            <a:r>
+              <a:rPr lang="en-US" altLang="ja-JP" dirty="0">
+                <a:solidFill>
+                  <a:prstClr val="black"/>
+                </a:solidFill>
+                <a:latin typeface="Calibri"/>
+                <a:ea typeface="ＭＳ Ｐゴシック" panose="020B0600070205080204" pitchFamily="50" charset="-128"/>
+              </a:rPr>
+              <a:t>Assets</a:t>
+            </a:r>
+            <a:r>
+              <a:rPr lang="ja-JP" altLang="en-US" dirty="0">
+                <a:solidFill>
+                  <a:prstClr val="black"/>
+                </a:solidFill>
+                <a:latin typeface="Calibri"/>
+                <a:ea typeface="ＭＳ Ｐゴシック" panose="020B0600070205080204" pitchFamily="50" charset="-128"/>
+              </a:rPr>
+              <a:t>＞</a:t>
+            </a:r>
+            <a:r>
+              <a:rPr lang="en-US" altLang="ja-JP" dirty="0">
+                <a:solidFill>
+                  <a:prstClr val="black"/>
+                </a:solidFill>
+                <a:latin typeface="Calibri"/>
+                <a:ea typeface="ＭＳ Ｐゴシック" panose="020B0600070205080204" pitchFamily="50" charset="-128"/>
+              </a:rPr>
+              <a:t>Scripts</a:t>
+            </a:r>
+            <a:r>
+              <a:rPr lang="ja-JP" altLang="en-US" dirty="0" smtClean="0">
+                <a:solidFill>
+                  <a:prstClr val="black"/>
+                </a:solidFill>
+                <a:latin typeface="Calibri"/>
+                <a:ea typeface="ＭＳ Ｐゴシック" panose="020B0600070205080204" pitchFamily="50" charset="-128"/>
+              </a:rPr>
+              <a:t>＞</a:t>
+            </a:r>
+            <a:r>
+              <a:rPr lang="en-US" altLang="ja-JP" dirty="0">
+                <a:solidFill>
+                  <a:prstClr val="black"/>
+                </a:solidFill>
+                <a:latin typeface="Calibri"/>
+                <a:ea typeface="ＭＳ Ｐゴシック" panose="020B0600070205080204" pitchFamily="50" charset="-128"/>
+              </a:rPr>
+              <a:t> </a:t>
+            </a:r>
+            <a:r>
+              <a:rPr lang="en-US" altLang="ja-JP" dirty="0" err="1" smtClean="0">
+                <a:solidFill>
+                  <a:prstClr val="black"/>
+                </a:solidFill>
+                <a:latin typeface="Calibri"/>
+                <a:ea typeface="ＭＳ Ｐゴシック" panose="020B0600070205080204" pitchFamily="50" charset="-128"/>
+              </a:rPr>
+              <a:t>LeaderBoard</a:t>
+            </a:r>
+            <a:r>
+              <a:rPr lang="ja-JP" altLang="en-US" dirty="0" smtClean="0">
+                <a:solidFill>
+                  <a:prstClr val="black"/>
+                </a:solidFill>
+                <a:latin typeface="Calibri"/>
+                <a:ea typeface="ＭＳ Ｐゴシック" panose="020B0600070205080204" pitchFamily="50" charset="-128"/>
+              </a:rPr>
+              <a:t>内</a:t>
+            </a:r>
+            <a:r>
+              <a:rPr lang="ja-JP" altLang="en-US" dirty="0">
+                <a:solidFill>
+                  <a:prstClr val="black"/>
+                </a:solidFill>
+                <a:latin typeface="Calibri"/>
+                <a:ea typeface="ＭＳ Ｐゴシック" panose="020B0600070205080204" pitchFamily="50" charset="-128"/>
+              </a:rPr>
+              <a:t>にある</a:t>
+            </a:r>
+            <a:r>
+              <a:rPr lang="ja-JP" altLang="en-US" dirty="0" smtClean="0">
+                <a:solidFill>
+                  <a:prstClr val="black"/>
+                </a:solidFill>
+                <a:latin typeface="Calibri"/>
+                <a:ea typeface="ＭＳ Ｐゴシック" panose="020B0600070205080204" pitchFamily="50" charset="-128"/>
+              </a:rPr>
+              <a:t>スクリプト「</a:t>
+            </a:r>
+            <a:r>
+              <a:rPr lang="en-US" altLang="ja-JP" dirty="0" err="1" smtClean="0">
+                <a:solidFill>
+                  <a:prstClr val="black"/>
+                </a:solidFill>
+                <a:latin typeface="Calibri"/>
+                <a:ea typeface="ＭＳ Ｐゴシック" panose="020B0600070205080204" pitchFamily="50" charset="-128"/>
+              </a:rPr>
+              <a:t>LeaderBoard.cs</a:t>
+            </a:r>
+            <a:r>
+              <a:rPr lang="ja-JP" altLang="en-US" dirty="0" smtClean="0">
+                <a:solidFill>
+                  <a:prstClr val="black"/>
+                </a:solidFill>
+                <a:latin typeface="Calibri"/>
+                <a:ea typeface="ＭＳ Ｐゴシック" panose="020B0600070205080204" pitchFamily="50" charset="-128"/>
+              </a:rPr>
+              <a:t>」を</a:t>
+            </a:r>
+            <a:r>
+              <a:rPr lang="en-US" altLang="ja-JP" dirty="0" smtClean="0">
+                <a:solidFill>
+                  <a:prstClr val="black"/>
+                </a:solidFill>
+                <a:latin typeface="Calibri"/>
+                <a:ea typeface="ＭＳ Ｐゴシック" panose="020B0600070205080204" pitchFamily="50" charset="-128"/>
+              </a:rPr>
+              <a:t>l</a:t>
+            </a:r>
+          </a:p>
+          <a:p>
+            <a:r>
+              <a:rPr lang="ja-JP" altLang="en-US" dirty="0">
+                <a:solidFill>
+                  <a:prstClr val="black"/>
+                </a:solidFill>
+                <a:latin typeface="Calibri"/>
+                <a:ea typeface="ＭＳ Ｐゴシック" panose="020B0600070205080204" pitchFamily="50" charset="-128"/>
+              </a:rPr>
+              <a:t>参照</a:t>
+            </a:r>
+            <a:r>
+              <a:rPr lang="ja-JP" altLang="en-US" dirty="0" smtClean="0">
+                <a:solidFill>
+                  <a:prstClr val="black"/>
+                </a:solidFill>
+                <a:latin typeface="Calibri"/>
+                <a:ea typeface="ＭＳ Ｐゴシック" panose="020B0600070205080204" pitchFamily="50" charset="-128"/>
+              </a:rPr>
+              <a:t>ください</a:t>
+            </a:r>
+            <a:endParaRPr lang="en-US" altLang="ja-JP" dirty="0">
+              <a:solidFill>
+                <a:prstClr val="black"/>
+              </a:solidFill>
+              <a:latin typeface="Calibri"/>
+              <a:ea typeface="ＭＳ Ｐゴシック" panose="020B0600070205080204" pitchFamily="50" charset="-128"/>
+            </a:endParaRPr>
+          </a:p>
+        </p:txBody>
+      </p:sp>
     </p:spTree>
     <p:extLst>
       <p:ext uri="{BB962C8B-B14F-4D97-AF65-F5344CB8AC3E}">
-        <p14:creationId xmlns:p14="http://schemas.microsoft.com/office/powerpoint/2010/main" val="4122879911"/>
+        <p14:creationId xmlns:p14="http://schemas.microsoft.com/office/powerpoint/2010/main" val="2478863649"/>
       </p:ext>
     </p:extLst>
   </p:cSld>
@@ -15107,23 +15400,35 @@
         <p:spPr/>
         <p:txBody>
           <a:bodyPr>
-            <a:normAutofit/>
+            <a:normAutofit fontScale="90000"/>
           </a:bodyPr>
           <a:lstStyle/>
           <a:p>
             <a:r>
-              <a:rPr lang="en-US" altLang="ja-JP" dirty="0" err="1" smtClean="0"/>
+              <a:rPr lang="ja-JP" altLang="en-US" sz="2700" dirty="0" smtClean="0"/>
+              <a:t>どうやって</a:t>
+            </a:r>
+            <a:r>
+              <a:rPr lang="en-US" altLang="ja-JP" sz="2700" dirty="0" err="1" smtClean="0"/>
               <a:t>LeaderBoard.cs</a:t>
             </a:r>
             <a:r>
-              <a:rPr lang="ja-JP" altLang="en-US" dirty="0" smtClean="0"/>
-              <a:t>の解説</a:t>
-            </a:r>
-            <a:r>
-              <a:rPr lang="en-US" altLang="ja-JP" dirty="0" smtClean="0"/>
-              <a:t>2</a:t>
-            </a:r>
-            <a:endParaRPr kumimoji="1" lang="ja-JP" altLang="en-US" dirty="0"/>
+              <a:rPr lang="ja-JP" altLang="en-US" sz="2700" dirty="0" smtClean="0"/>
+              <a:t>の</a:t>
+            </a:r>
+            <a:r>
+              <a:rPr lang="ja-JP" altLang="en-US" sz="2400" dirty="0"/>
+              <a:t>メソッド</a:t>
+            </a:r>
+            <a:r>
+              <a:rPr lang="ja-JP" altLang="en-US" sz="2700" dirty="0" smtClean="0"/>
+              <a:t>を呼び出すか</a:t>
+            </a:r>
+            <a:r>
+              <a:rPr lang="en-US" altLang="ja-JP" sz="2700" dirty="0" smtClean="0"/>
+              <a:t>?</a:t>
+            </a:r>
+            <a:endParaRPr kumimoji="1" lang="ja-JP" altLang="en-US" sz="2700" dirty="0"/>
           </a:p>
         </p:txBody>
       </p:sp>
@@ -15135,8 +15440,8 @@
         </p:nvSpPr>
         <p:spPr>
           <a:xfrm>
-            <a:off x="960203" y="1484784"/>
-            <a:ext cx="7644245" cy="4801314"/>
+            <a:off x="741556" y="2996952"/>
+            <a:ext cx="7644245" cy="2173014"/>
           </a:xfrm>
           <a:prstGeom prst="rect">
             <a:avLst/>
@@ -15181,8 +15486,8 @@
         </p:nvSpPr>
         <p:spPr>
           <a:xfrm>
-            <a:off x="949697" y="1484784"/>
-            <a:ext cx="7654751" cy="3693319"/>
+            <a:off x="733673" y="1412776"/>
+            <a:ext cx="7654751" cy="1323439"/>
           </a:xfrm>
           <a:prstGeom prst="rect">
             <a:avLst/>
@@ -15195,464 +15500,206 @@
           <a:lstStyle/>
           <a:p>
             <a:r>
-              <a:rPr lang="en-US" altLang="ja-JP" dirty="0" err="1" smtClean="0"/>
-              <a:t>query.FindAsync</a:t>
-            </a:r>
-            <a:r>
-              <a:rPr lang="en-US" altLang="ja-JP" dirty="0" smtClean="0"/>
-              <a:t> ((List&lt;</a:t>
-            </a:r>
-            <a:r>
-              <a:rPr lang="en-US" altLang="ja-JP" dirty="0" err="1" smtClean="0"/>
-              <a:t>NCMBObject</a:t>
-            </a:r>
-            <a:r>
-              <a:rPr lang="en-US" altLang="ja-JP" dirty="0" smtClean="0"/>
-              <a:t>&gt; </a:t>
-            </a:r>
-            <a:r>
-              <a:rPr lang="en-US" altLang="ja-JP" dirty="0" err="1" smtClean="0"/>
-              <a:t>objList</a:t>
-            </a:r>
-            <a:r>
-              <a:rPr lang="en-US" altLang="ja-JP" dirty="0" smtClean="0"/>
-              <a:t> ,</a:t>
-            </a:r>
-            <a:r>
-              <a:rPr lang="en-US" altLang="ja-JP" dirty="0" err="1" smtClean="0"/>
-              <a:t>NCMBException</a:t>
-            </a:r>
-            <a:r>
-              <a:rPr lang="en-US" altLang="ja-JP" dirty="0" smtClean="0"/>
-              <a:t> e) =&gt; {</a:t>
-            </a:r>
-          </a:p>
-          <a:p>
-            <a:endParaRPr lang="en-US" altLang="ja-JP" dirty="0"/>
-          </a:p>
-          <a:p>
-            <a:endParaRPr lang="en-US" altLang="ja-JP" dirty="0" smtClean="0"/>
-          </a:p>
-          <a:p>
-            <a:r>
-              <a:rPr lang="en-US" altLang="ja-JP" dirty="0" smtClean="0"/>
-              <a:t>	if (e != null) {//</a:t>
-            </a:r>
-            <a:r>
-              <a:rPr lang="ja-JP" altLang="en-US" dirty="0" smtClean="0"/>
-              <a:t>検索失敗時の処理</a:t>
-            </a:r>
-          </a:p>
-          <a:p>
-            <a:r>
-              <a:rPr lang="en-US" altLang="ja-JP" dirty="0" smtClean="0"/>
-              <a:t>	} else {//</a:t>
-            </a:r>
-            <a:r>
-              <a:rPr lang="ja-JP" altLang="en-US" dirty="0" smtClean="0"/>
-              <a:t>検索成功時の処理</a:t>
-            </a:r>
-          </a:p>
-          <a:p>
-            <a:r>
-              <a:rPr lang="en-US" altLang="ja-JP" dirty="0" smtClean="0"/>
-              <a:t>		List&lt;</a:t>
-            </a:r>
-            <a:r>
-              <a:rPr lang="en-US" altLang="ja-JP" dirty="0" err="1" smtClean="0"/>
-              <a:t>NCMB.Rankers</a:t>
-            </a:r>
-            <a:r>
-              <a:rPr lang="en-US" altLang="ja-JP" dirty="0" smtClean="0"/>
-              <a:t>&gt; list = new List&lt;</a:t>
-            </a:r>
-            <a:r>
-              <a:rPr lang="en-US" altLang="ja-JP" dirty="0" err="1" smtClean="0"/>
-              <a:t>NCMB.Rankers</a:t>
-            </a:r>
-            <a:r>
-              <a:rPr lang="en-US" altLang="ja-JP" dirty="0" smtClean="0"/>
-              <a:t>&gt;();</a:t>
-            </a:r>
-          </a:p>
-          <a:p>
-            <a:r>
-              <a:rPr lang="en-US" altLang="ja-JP" dirty="0" smtClean="0"/>
-              <a:t>		</a:t>
-            </a:r>
-            <a:r>
-              <a:rPr lang="en-US" altLang="ja-JP" dirty="0" err="1" smtClean="0"/>
-              <a:t>foreach</a:t>
-            </a:r>
-            <a:r>
-              <a:rPr lang="en-US" altLang="ja-JP" dirty="0" smtClean="0"/>
-              <a:t> (</a:t>
-            </a:r>
-            <a:r>
-              <a:rPr lang="en-US" altLang="ja-JP" dirty="0" err="1" smtClean="0"/>
-              <a:t>NCMBObject</a:t>
-            </a:r>
-            <a:r>
-              <a:rPr lang="en-US" altLang="ja-JP" dirty="0" smtClean="0"/>
-              <a:t> </a:t>
-            </a:r>
-            <a:r>
-              <a:rPr lang="en-US" altLang="ja-JP" dirty="0" err="1" smtClean="0"/>
-              <a:t>obj</a:t>
-            </a:r>
-            <a:r>
-              <a:rPr lang="en-US" altLang="ja-JP" dirty="0" smtClean="0"/>
-              <a:t> in </a:t>
-            </a:r>
-            <a:r>
-              <a:rPr lang="en-US" altLang="ja-JP" dirty="0" err="1" smtClean="0"/>
-              <a:t>objList</a:t>
-            </a:r>
-            <a:r>
-              <a:rPr lang="en-US" altLang="ja-JP" dirty="0" smtClean="0"/>
-              <a:t>) {</a:t>
-            </a:r>
-          </a:p>
-          <a:p>
-            <a:endParaRPr lang="en-US" altLang="ja-JP" dirty="0" smtClean="0"/>
-          </a:p>
-          <a:p>
-            <a:endParaRPr lang="en-US" altLang="ja-JP" dirty="0" smtClean="0"/>
-          </a:p>
-          <a:p>
-            <a:endParaRPr lang="en-US" altLang="ja-JP" dirty="0"/>
-          </a:p>
-          <a:p>
-            <a:r>
-              <a:rPr lang="en-US" altLang="ja-JP" dirty="0" smtClean="0"/>
-              <a:t>		string t = </a:t>
-            </a:r>
-            <a:r>
-              <a:rPr lang="en-US" altLang="ja-JP" dirty="0" err="1" smtClean="0"/>
-              <a:t>System.Convert.ToString</a:t>
-            </a:r>
-            <a:r>
-              <a:rPr lang="en-US" altLang="ja-JP" dirty="0" smtClean="0"/>
-              <a:t>(</a:t>
-            </a:r>
-            <a:r>
-              <a:rPr lang="en-US" altLang="ja-JP" dirty="0" err="1" smtClean="0"/>
-              <a:t>obj</a:t>
-            </a:r>
-            <a:r>
-              <a:rPr lang="en-US" altLang="ja-JP" dirty="0"/>
-              <a:t>[" time "]);</a:t>
-            </a:r>
-            <a:endParaRPr lang="en-US" altLang="ja-JP" dirty="0" smtClean="0"/>
-          </a:p>
-          <a:p>
-            <a:r>
-              <a:rPr lang="en-US" altLang="ja-JP" dirty="0" smtClean="0"/>
-              <a:t>		</a:t>
-            </a:r>
-            <a:r>
-              <a:rPr lang="en-US" altLang="ja-JP" dirty="0" err="1" smtClean="0"/>
-              <a:t>list.Add</a:t>
-            </a:r>
-            <a:r>
-              <a:rPr lang="en-US" altLang="ja-JP" dirty="0"/>
-              <a:t>( new Rankers( t</a:t>
-            </a:r>
-            <a:r>
-              <a:rPr lang="en-US" altLang="ja-JP" dirty="0" smtClean="0"/>
-              <a:t> </a:t>
-            </a:r>
-            <a:r>
-              <a:rPr lang="en-US" altLang="ja-JP" dirty="0"/>
-              <a:t>) </a:t>
-            </a:r>
-            <a:r>
-              <a:rPr lang="en-US" altLang="ja-JP" dirty="0" smtClean="0"/>
-              <a:t>);</a:t>
-            </a:r>
-          </a:p>
-          <a:p>
-            <a:r>
-              <a:rPr lang="en-US" altLang="ja-JP" dirty="0" smtClean="0"/>
-              <a:t>----</a:t>
-            </a:r>
-            <a:r>
-              <a:rPr lang="ja-JP" altLang="en-US" dirty="0" smtClean="0"/>
-              <a:t>以下省略</a:t>
-            </a:r>
-            <a:r>
-              <a:rPr lang="en-US" altLang="ja-JP" dirty="0" smtClean="0"/>
-              <a:t>----</a:t>
-            </a:r>
-            <a:endParaRPr lang="en-US" altLang="ja-JP" dirty="0"/>
-          </a:p>
-        </p:txBody>
-      </p:sp>
-      <p:sp>
-        <p:nvSpPr>
-          <p:cNvPr id="6" name="四角形吹き出し 5"/>
+              <a:rPr lang="ja-JP" altLang="en-US" sz="2000" dirty="0" smtClean="0"/>
+              <a:t>今回、</a:t>
+            </a:r>
+            <a:r>
+              <a:rPr lang="en-US" altLang="ja-JP" sz="2000" dirty="0" err="1" smtClean="0"/>
+              <a:t>LederBoard.cs</a:t>
+            </a:r>
+            <a:r>
+              <a:rPr lang="ja-JP" altLang="en-US" sz="2000" dirty="0" smtClean="0"/>
+              <a:t>は</a:t>
+            </a:r>
+            <a:r>
+              <a:rPr lang="en-US" altLang="ja-JP" sz="2000" dirty="0" smtClean="0"/>
+              <a:t>Unity</a:t>
+            </a:r>
+            <a:r>
+              <a:rPr lang="ja-JP" altLang="en-US" sz="2000" dirty="0" err="1" smtClean="0"/>
+              <a:t>に依</a:t>
+            </a:r>
+            <a:r>
+              <a:rPr lang="ja-JP" altLang="en-US" sz="2000" dirty="0" smtClean="0"/>
+              <a:t>存しない形で実装しています。</a:t>
+            </a:r>
+            <a:endParaRPr lang="en-US" altLang="ja-JP" sz="2000" dirty="0" smtClean="0"/>
+          </a:p>
+          <a:p>
+            <a:r>
+              <a:rPr lang="ja-JP" altLang="en-US" sz="2000" dirty="0"/>
+              <a:t>開発状態</a:t>
+            </a:r>
+            <a:r>
+              <a:rPr lang="ja-JP" altLang="en-US" sz="2000" dirty="0" smtClean="0"/>
+              <a:t>に</a:t>
+            </a:r>
+            <a:r>
+              <a:rPr lang="ja-JP" altLang="en-US" sz="2000" dirty="0"/>
+              <a:t>よって</a:t>
+            </a:r>
+            <a:r>
+              <a:rPr lang="ja-JP" altLang="en-US" sz="2000" dirty="0" smtClean="0"/>
+              <a:t>はこのように</a:t>
+            </a:r>
+            <a:r>
+              <a:rPr lang="en-US" altLang="ja-JP" sz="2000" dirty="0" smtClean="0"/>
+              <a:t>Unity</a:t>
+            </a:r>
+            <a:r>
+              <a:rPr lang="ja-JP" altLang="en-US" sz="2000" dirty="0" err="1" smtClean="0"/>
+              <a:t>に依</a:t>
+            </a:r>
+            <a:r>
+              <a:rPr lang="ja-JP" altLang="en-US" sz="2000" dirty="0" smtClean="0"/>
+              <a:t>存しない形で実装することもある</a:t>
+            </a:r>
+            <a:r>
+              <a:rPr lang="ja-JP" altLang="en-US" sz="2000" dirty="0"/>
+              <a:t>かと思います</a:t>
+            </a:r>
+            <a:r>
+              <a:rPr lang="ja-JP" altLang="en-US" sz="2000" dirty="0" smtClean="0"/>
+              <a:t>ので</a:t>
+            </a:r>
+            <a:endParaRPr lang="en-US" altLang="ja-JP" sz="2000" dirty="0" smtClean="0"/>
+          </a:p>
+          <a:p>
+            <a:r>
+              <a:rPr lang="ja-JP" altLang="en-US" sz="2000" dirty="0" smtClean="0"/>
+              <a:t>その場合のメソッドの呼び出し方についても記載しておきます</a:t>
+            </a:r>
+            <a:endParaRPr lang="en-US" altLang="ja-JP" sz="2000" dirty="0"/>
+          </a:p>
+        </p:txBody>
+      </p:sp>
+      <p:sp>
+        <p:nvSpPr>
+          <p:cNvPr id="10" name="正方形/長方形 9"/>
           <p:cNvSpPr/>
           <p:nvPr/>
         </p:nvSpPr>
         <p:spPr>
           <a:xfrm>
-            <a:off x="3851920" y="1872958"/>
-            <a:ext cx="3456384" cy="340999"/>
-          </a:xfrm>
-          <a:prstGeom prst="wedgeRectCallout">
-            <a:avLst>
-              <a:gd name="adj1" fmla="val -31825"/>
-              <a:gd name="adj2" fmla="val -89241"/>
-            </a:avLst>
-          </a:prstGeom>
-          <a:solidFill>
-            <a:schemeClr val="bg1"/>
-          </a:solidFill>
-          <a:ln>
-            <a:solidFill>
-              <a:schemeClr val="tx1"/>
-            </a:solidFill>
-          </a:ln>
-        </p:spPr>
-        <p:style>
-          <a:lnRef idx="2">
-            <a:schemeClr val="accent1">
-              <a:shade val="50000"/>
-            </a:schemeClr>
-          </a:lnRef>
-          <a:fillRef idx="1">
-            <a:schemeClr val="accent1"/>
-          </a:fillRef>
-          <a:effectRef idx="0">
-            <a:schemeClr val="accent1"/>
-          </a:effectRef>
-          <a:fontRef idx="minor">
-            <a:schemeClr val="lt1"/>
-          </a:fontRef>
-        </p:style>
-        <p:txBody>
-          <a:bodyPr rtlCol="0" anchor="ctr"/>
+            <a:off x="701815" y="3033936"/>
+            <a:ext cx="7758617" cy="2031325"/>
+          </a:xfrm>
+          <a:prstGeom prst="rect">
+            <a:avLst/>
+          </a:prstGeom>
+        </p:spPr>
+        <p:txBody>
+          <a:bodyPr wrap="square">
+            <a:spAutoFit/>
+          </a:bodyPr>
           <a:lstStyle/>
           <a:p>
-            <a:pPr algn="ctr"/>
-            <a:r>
-              <a:rPr lang="ja-JP" altLang="en-US" dirty="0">
-                <a:solidFill>
-                  <a:schemeClr val="tx1"/>
-                </a:solidFill>
-              </a:rPr>
-              <a:t>時間</a:t>
-            </a:r>
-            <a:r>
-              <a:rPr lang="ja-JP" altLang="en-US" dirty="0" smtClean="0">
-                <a:solidFill>
-                  <a:schemeClr val="tx1"/>
-                </a:solidFill>
-              </a:rPr>
-              <a:t>を引き出す操作</a:t>
-            </a:r>
-            <a:endParaRPr kumimoji="1" lang="ja-JP" altLang="en-US" dirty="0">
-              <a:solidFill>
-                <a:schemeClr val="tx1"/>
-              </a:solidFill>
-            </a:endParaRPr>
-          </a:p>
-        </p:txBody>
-      </p:sp>
-      <p:sp>
-        <p:nvSpPr>
-          <p:cNvPr id="8" name="四角形吹き出し 7"/>
-          <p:cNvSpPr/>
-          <p:nvPr/>
-        </p:nvSpPr>
-        <p:spPr>
-          <a:xfrm>
-            <a:off x="2927015" y="4077072"/>
-            <a:ext cx="5400600" cy="319820"/>
-          </a:xfrm>
-          <a:prstGeom prst="wedgeRectCallout">
-            <a:avLst>
-              <a:gd name="adj1" fmla="val 24866"/>
-              <a:gd name="adj2" fmla="val 77571"/>
-            </a:avLst>
-          </a:prstGeom>
-          <a:solidFill>
-            <a:schemeClr val="bg1"/>
-          </a:solidFill>
-          <a:ln>
-            <a:solidFill>
-              <a:schemeClr val="tx1"/>
-            </a:solidFill>
-          </a:ln>
-        </p:spPr>
-        <p:style>
-          <a:lnRef idx="2">
-            <a:schemeClr val="accent1">
-              <a:shade val="50000"/>
-            </a:schemeClr>
-          </a:lnRef>
-          <a:fillRef idx="1">
-            <a:schemeClr val="accent1"/>
-          </a:fillRef>
-          <a:effectRef idx="0">
-            <a:schemeClr val="accent1"/>
-          </a:effectRef>
-          <a:fontRef idx="minor">
-            <a:schemeClr val="lt1"/>
-          </a:fontRef>
-        </p:style>
-        <p:txBody>
-          <a:bodyPr rtlCol="0" anchor="ctr"/>
-          <a:lstStyle/>
-          <a:p>
-            <a:pPr algn="ctr"/>
-            <a:r>
-              <a:rPr kumimoji="1" lang="ja-JP" altLang="en-US" dirty="0" smtClean="0">
-                <a:solidFill>
-                  <a:schemeClr val="tx1"/>
-                </a:solidFill>
-              </a:rPr>
-              <a:t>引き出したオブジェクトから</a:t>
-            </a:r>
-            <a:r>
-              <a:rPr lang="en-US" altLang="ja-JP" dirty="0" smtClean="0">
-                <a:solidFill>
-                  <a:schemeClr val="tx1"/>
-                </a:solidFill>
-              </a:rPr>
-              <a:t>time</a:t>
-            </a:r>
-            <a:r>
-              <a:rPr kumimoji="1" lang="ja-JP" altLang="en-US" dirty="0" err="1" smtClean="0">
-                <a:solidFill>
-                  <a:schemeClr val="tx1"/>
-                </a:solidFill>
-              </a:rPr>
-              <a:t>だけを</a:t>
-            </a:r>
-            <a:r>
-              <a:rPr kumimoji="1" lang="ja-JP" altLang="en-US" dirty="0" smtClean="0">
-                <a:solidFill>
-                  <a:schemeClr val="tx1"/>
-                </a:solidFill>
-              </a:rPr>
-              <a:t>取り出す</a:t>
-            </a:r>
-            <a:endParaRPr kumimoji="1" lang="ja-JP" altLang="en-US" dirty="0">
-              <a:solidFill>
-                <a:schemeClr val="tx1"/>
-              </a:solidFill>
-            </a:endParaRPr>
-          </a:p>
-        </p:txBody>
-      </p:sp>
-      <p:sp>
-        <p:nvSpPr>
-          <p:cNvPr id="9" name="四角形吹き出し 8"/>
-          <p:cNvSpPr/>
-          <p:nvPr/>
-        </p:nvSpPr>
-        <p:spPr>
-          <a:xfrm>
-            <a:off x="960203" y="4587758"/>
-            <a:ext cx="1728192" cy="1073490"/>
-          </a:xfrm>
-          <a:prstGeom prst="wedgeRectCallout">
-            <a:avLst>
-              <a:gd name="adj1" fmla="val 61415"/>
-              <a:gd name="adj2" fmla="val -36869"/>
-            </a:avLst>
-          </a:prstGeom>
-          <a:solidFill>
-            <a:schemeClr val="bg1"/>
-          </a:solidFill>
-          <a:ln>
-            <a:solidFill>
-              <a:schemeClr val="tx1"/>
-            </a:solidFill>
-          </a:ln>
-        </p:spPr>
-        <p:style>
-          <a:lnRef idx="2">
-            <a:schemeClr val="accent1">
-              <a:shade val="50000"/>
-            </a:schemeClr>
-          </a:lnRef>
-          <a:fillRef idx="1">
-            <a:schemeClr val="accent1"/>
-          </a:fillRef>
-          <a:effectRef idx="0">
-            <a:schemeClr val="accent1"/>
-          </a:effectRef>
-          <a:fontRef idx="minor">
-            <a:schemeClr val="lt1"/>
-          </a:fontRef>
-        </p:style>
-        <p:txBody>
-          <a:bodyPr rtlCol="0" anchor="ctr"/>
-          <a:lstStyle/>
-          <a:p>
-            <a:pPr algn="ctr"/>
-            <a:r>
-              <a:rPr kumimoji="1" lang="ja-JP" altLang="en-US" dirty="0" smtClean="0">
-                <a:solidFill>
-                  <a:schemeClr val="tx1"/>
-                </a:solidFill>
-              </a:rPr>
-              <a:t>引き出した</a:t>
-            </a:r>
-            <a:endParaRPr kumimoji="1" lang="en-US" altLang="ja-JP" dirty="0" smtClean="0">
-              <a:solidFill>
-                <a:schemeClr val="tx1"/>
-              </a:solidFill>
-            </a:endParaRPr>
-          </a:p>
-          <a:p>
-            <a:pPr algn="ctr"/>
-            <a:r>
-              <a:rPr lang="ja-JP" altLang="en-US" dirty="0">
-                <a:solidFill>
-                  <a:schemeClr val="tx1"/>
-                </a:solidFill>
-              </a:rPr>
-              <a:t>時間</a:t>
-            </a:r>
-            <a:r>
-              <a:rPr lang="ja-JP" altLang="en-US" dirty="0" smtClean="0">
-                <a:solidFill>
-                  <a:schemeClr val="tx1"/>
-                </a:solidFill>
-              </a:rPr>
-              <a:t>を</a:t>
-            </a:r>
-            <a:r>
-              <a:rPr lang="en-US" altLang="ja-JP" dirty="0" smtClean="0">
-                <a:solidFill>
-                  <a:schemeClr val="tx1"/>
-                </a:solidFill>
-              </a:rPr>
-              <a:t>Rankers</a:t>
-            </a:r>
-            <a:r>
-              <a:rPr lang="ja-JP" altLang="en-US" dirty="0" smtClean="0">
-                <a:solidFill>
-                  <a:schemeClr val="tx1"/>
-                </a:solidFill>
-              </a:rPr>
-              <a:t>クラスに保存</a:t>
-            </a:r>
-            <a:endParaRPr kumimoji="1" lang="ja-JP" altLang="en-US" dirty="0">
-              <a:solidFill>
-                <a:schemeClr val="tx1"/>
-              </a:solidFill>
-            </a:endParaRPr>
+            <a:r>
+              <a:rPr lang="en-US" altLang="ja-JP" dirty="0" err="1"/>
+              <a:t>LeaderBoard</a:t>
+            </a:r>
+            <a:r>
+              <a:rPr lang="en-US" altLang="ja-JP" dirty="0"/>
+              <a:t> </a:t>
+            </a:r>
+            <a:r>
+              <a:rPr lang="en-US" altLang="ja-JP" dirty="0" err="1"/>
+              <a:t>lBoard</a:t>
+            </a:r>
+            <a:r>
+              <a:rPr lang="en-US" altLang="ja-JP" dirty="0" smtClean="0"/>
+              <a:t>;</a:t>
+            </a:r>
+            <a:r>
+              <a:rPr lang="ja-JP" altLang="en-US" dirty="0"/>
+              <a:t> </a:t>
+            </a:r>
+            <a:endParaRPr lang="en-US" altLang="ja-JP" dirty="0" smtClean="0"/>
+          </a:p>
+          <a:p>
+            <a:endParaRPr lang="en-US" altLang="ja-JP" dirty="0"/>
+          </a:p>
+          <a:p>
+            <a:endParaRPr lang="en-US" altLang="ja-JP" dirty="0"/>
+          </a:p>
+          <a:p>
+            <a:r>
+              <a:rPr lang="en-US" altLang="ja-JP" dirty="0" err="1"/>
+              <a:t>lBoard</a:t>
+            </a:r>
+            <a:r>
+              <a:rPr lang="en-US" altLang="ja-JP" dirty="0"/>
+              <a:t> = new </a:t>
+            </a:r>
+            <a:r>
+              <a:rPr lang="en-US" altLang="ja-JP" dirty="0" err="1"/>
+              <a:t>LeaderBoard</a:t>
+            </a:r>
+            <a:r>
+              <a:rPr lang="en-US" altLang="ja-JP" dirty="0" smtClean="0"/>
+              <a:t>();</a:t>
+            </a:r>
+            <a:r>
+              <a:rPr lang="ja-JP" altLang="en-US" dirty="0" smtClean="0"/>
+              <a:t>　</a:t>
+            </a:r>
+            <a:r>
+              <a:rPr lang="en-US" altLang="ja-JP" dirty="0" smtClean="0"/>
+              <a:t>//</a:t>
+            </a:r>
+            <a:r>
+              <a:rPr lang="en-US" altLang="ja-JP" dirty="0"/>
+              <a:t> </a:t>
+            </a:r>
+            <a:r>
+              <a:rPr lang="en-US" altLang="ja-JP" dirty="0" err="1"/>
+              <a:t>LeaderBoard</a:t>
+            </a:r>
+            <a:r>
+              <a:rPr lang="en-US" altLang="ja-JP" dirty="0"/>
+              <a:t> </a:t>
+            </a:r>
+            <a:r>
+              <a:rPr lang="ja-JP" altLang="en-US" dirty="0" smtClean="0"/>
+              <a:t>クラスのインスタンス生成</a:t>
+            </a:r>
+            <a:endParaRPr lang="en-US" altLang="ja-JP" dirty="0" smtClean="0"/>
+          </a:p>
+          <a:p>
+            <a:endParaRPr lang="en-US" altLang="ja-JP" dirty="0"/>
+          </a:p>
+          <a:p>
+            <a:endParaRPr lang="en-US" altLang="ja-JP" dirty="0" smtClean="0"/>
+          </a:p>
+          <a:p>
+            <a:r>
+              <a:rPr lang="en-US" altLang="ja-JP" dirty="0" err="1"/>
+              <a:t>lBoard.fetchTopRankers</a:t>
+            </a:r>
+            <a:r>
+              <a:rPr lang="en-US" altLang="ja-JP" dirty="0" smtClean="0"/>
+              <a:t>();</a:t>
+            </a:r>
+            <a:r>
+              <a:rPr lang="ja-JP" altLang="en-US" dirty="0" smtClean="0"/>
+              <a:t>　</a:t>
+            </a:r>
+            <a:r>
+              <a:rPr lang="en-US" altLang="ja-JP" dirty="0" smtClean="0"/>
+              <a:t>//</a:t>
+            </a:r>
+            <a:r>
+              <a:rPr lang="ja-JP" altLang="en-US" dirty="0" smtClean="0"/>
+              <a:t>メソッドの呼び出し</a:t>
+            </a:r>
+            <a:endParaRPr lang="en-US" altLang="ja-JP" dirty="0"/>
           </a:p>
         </p:txBody>
       </p:sp>
     </p:spTree>
     <p:extLst>
       <p:ext uri="{BB962C8B-B14F-4D97-AF65-F5344CB8AC3E}">
-        <p14:creationId xmlns:p14="http://schemas.microsoft.com/office/powerpoint/2010/main" val="2478863649"/>
+        <p14:creationId xmlns:p14="http://schemas.microsoft.com/office/powerpoint/2010/main" val="3488629745"/>
       </p:ext>
     </p:extLst>
   </p:cSld>
@@ -15698,59 +15745,124 @@
         </p:nvSpPr>
         <p:spPr/>
         <p:txBody>
-          <a:bodyPr>
-            <a:normAutofit fontScale="90000"/>
+          <a:bodyPr/>
+          <a:lstStyle/>
+          <a:p>
+            <a:r>
+              <a:rPr kumimoji="1" lang="ja-JP" altLang="en-US" dirty="0" smtClean="0"/>
+              <a:t>動作確認</a:t>
+            </a:r>
+            <a:endParaRPr kumimoji="1" lang="ja-JP" altLang="en-US" dirty="0"/>
+          </a:p>
+        </p:txBody>
+      </p:sp>
+      <p:sp>
+        <p:nvSpPr>
+          <p:cNvPr id="6" name="テキスト ボックス 5"/>
+          <p:cNvSpPr txBox="1"/>
+          <p:nvPr/>
+        </p:nvSpPr>
+        <p:spPr>
+          <a:xfrm>
+            <a:off x="229816" y="955458"/>
+            <a:ext cx="8620498" cy="523220"/>
+          </a:xfrm>
+          <a:prstGeom prst="rect">
+            <a:avLst/>
+          </a:prstGeom>
+          <a:noFill/>
+        </p:spPr>
+        <p:txBody>
+          <a:bodyPr wrap="square" rtlCol="0">
+            <a:spAutoFit/>
           </a:bodyPr>
           <a:lstStyle/>
           <a:p>
             <a:r>
-              <a:rPr lang="ja-JP" altLang="en-US" sz="2700" dirty="0" smtClean="0"/>
-              <a:t>どうやって</a:t>
-            </a:r>
-            <a:r>
-              <a:rPr lang="en-US" altLang="ja-JP" sz="2700" dirty="0" err="1" smtClean="0"/>
-              <a:t>LeaderBoard.cs</a:t>
-            </a:r>
-            <a:r>
-              <a:rPr lang="ja-JP" altLang="en-US" sz="2700" dirty="0" smtClean="0"/>
+              <a:rPr kumimoji="1" lang="ja-JP" altLang="en-US" sz="1400" dirty="0" smtClean="0"/>
+              <a:t>一度</a:t>
+            </a:r>
+            <a:r>
+              <a:rPr lang="en-US" altLang="ja-JP" sz="1400" dirty="0"/>
+              <a:t>Asset&gt;Scenes</a:t>
+            </a:r>
+            <a:r>
+              <a:rPr lang="ja-JP" altLang="en-US" sz="1400" dirty="0"/>
               <a:t>の</a:t>
             </a:r>
             <a:r>
-              <a:rPr lang="ja-JP" altLang="en-US" sz="2400" dirty="0"/>
-              <a:t>メソッド</a:t>
-            </a:r>
-            <a:r>
-              <a:rPr lang="ja-JP" altLang="en-US" sz="2700" dirty="0" smtClean="0"/>
-              <a:t>を呼び出すか</a:t>
-            </a:r>
-            <a:r>
-              <a:rPr lang="en-US" altLang="ja-JP" sz="2700" dirty="0" smtClean="0"/>
-              <a:t>?</a:t>
-            </a:r>
-            <a:endParaRPr kumimoji="1" lang="ja-JP" altLang="en-US" sz="2700" dirty="0"/>
-          </a:p>
-        </p:txBody>
-      </p:sp>
-      <p:sp>
-        <p:nvSpPr>
-          <p:cNvPr id="4" name="正方形/長方形 3"/>
+              <a:rPr lang="ja-JP" altLang="en-US" sz="1400" dirty="0" smtClean="0"/>
+              <a:t>「</a:t>
+            </a:r>
+            <a:r>
+              <a:rPr lang="en-US" altLang="ja-JP" sz="1400" dirty="0" smtClean="0"/>
+              <a:t>Start</a:t>
+            </a:r>
+            <a:r>
+              <a:rPr lang="ja-JP" altLang="en-US" sz="1400" dirty="0" smtClean="0"/>
+              <a:t>」 </a:t>
+            </a:r>
+            <a:r>
+              <a:rPr lang="ja-JP" altLang="en-US" sz="1400" dirty="0"/>
+              <a:t>シーン</a:t>
+            </a:r>
+            <a:r>
+              <a:rPr lang="ja-JP" altLang="en-US" sz="1400" dirty="0" smtClean="0"/>
+              <a:t>に</a:t>
+            </a:r>
+            <a:r>
+              <a:rPr kumimoji="1" lang="ja-JP" altLang="en-US" sz="1400" dirty="0" smtClean="0"/>
+              <a:t>戻っていただきゲームを実行してゴールしてください</a:t>
+            </a:r>
+            <a:endParaRPr lang="en-US" altLang="ja-JP" sz="1400" dirty="0"/>
+          </a:p>
+          <a:p>
+            <a:r>
+              <a:rPr lang="ja-JP" altLang="en-US" sz="1400" dirty="0" smtClean="0"/>
+              <a:t>ゴール時の画面の下部「</a:t>
+            </a:r>
+            <a:r>
+              <a:rPr lang="en-US" altLang="ja-JP" sz="1400" dirty="0" smtClean="0"/>
+              <a:t>Rankin</a:t>
+            </a:r>
+            <a:r>
+              <a:rPr lang="en-US" altLang="ja-JP" sz="1400" dirty="0"/>
+              <a:t>g</a:t>
+            </a:r>
+            <a:r>
+              <a:rPr lang="ja-JP" altLang="en-US" sz="1400" dirty="0" smtClean="0"/>
+              <a:t>」ボタンをクリックし</a:t>
+            </a:r>
+            <a:r>
+              <a:rPr kumimoji="1" lang="ja-JP" altLang="en-US" sz="1400" dirty="0" smtClean="0"/>
+              <a:t>ランキングが表示されることを確認してください</a:t>
+            </a:r>
+            <a:endParaRPr kumimoji="1" lang="ja-JP" altLang="en-US" sz="1400" dirty="0"/>
+          </a:p>
+        </p:txBody>
+      </p:sp>
+      <p:sp>
+        <p:nvSpPr>
+          <p:cNvPr id="9" name="下矢印 8"/>
           <p:cNvSpPr/>
           <p:nvPr/>
         </p:nvSpPr>
-        <p:spPr>
-          <a:xfrm>
-            <a:off x="741556" y="2996952"/>
-            <a:ext cx="7644245" cy="2173014"/>
-          </a:xfrm>
-          <a:prstGeom prst="rect">
-            <a:avLst/>
-          </a:prstGeom>
-          <a:noFill/>
+        <p:spPr bwMode="auto">
+          <a:xfrm rot="16200000">
+            <a:off x="3840708" y="2247092"/>
+            <a:ext cx="1549396" cy="1238939"/>
+          </a:xfrm>
+          <a:prstGeom prst="downArrow">
+            <a:avLst>
+              <a:gd name="adj1" fmla="val 50000"/>
+              <a:gd name="adj2" fmla="val 33897"/>
+            </a:avLst>
+          </a:prstGeom>
           <a:ln>
-            <a:solidFill>
-              <a:schemeClr val="tx1"/>
-            </a:solidFill>
+            <a:headEnd type="none" w="med" len="med"/>
+            <a:tailEnd type="none" w="med" len="med"/>
           </a:ln>
+          <a:extLst/>
         </p:spPr>
         <p:style>
           <a:lnRef idx="2">
@@ -15769,236 +15881,438 @@
           </a:fontRef>
         </p:style>
         <p:txBody>
-          <a:bodyPr rtlCol="0" anchor="ctr"/>
+          <a:bodyPr vert="horz" wrap="none" lIns="84406" tIns="42203" rIns="84406" bIns="42203" numCol="1" rtlCol="0" anchor="ctr" anchorCtr="0" compatLnSpc="1">
+            <a:prstTxWarp prst="textNoShape">
+              <a:avLst/>
+            </a:prstTxWarp>
+          </a:bodyPr>
           <a:lstStyle/>
           <a:p>
-            <a:pPr algn="ctr"/>
-            <a:endParaRPr kumimoji="1" lang="ja-JP" altLang="en-US"/>
-          </a:p>
-        </p:txBody>
-      </p:sp>
-      <p:sp>
-        <p:nvSpPr>
-          <p:cNvPr id="5" name="正方形/長方形 4"/>
-          <p:cNvSpPr/>
+            <a:pPr algn="ctr" defTabSz="844083" fontAlgn="base">
+              <a:spcBef>
+                <a:spcPct val="0"/>
+              </a:spcBef>
+              <a:spcAft>
+                <a:spcPct val="0"/>
+              </a:spcAft>
+            </a:pPr>
+            <a:endParaRPr lang="ja-JP" altLang="en-US" sz="2585" b="1" dirty="0">
+              <a:solidFill>
+                <a:schemeClr val="tx1"/>
+              </a:solidFill>
+              <a:latin typeface="HGP創英角ｺﾞｼｯｸUB" pitchFamily="50" charset="-128"/>
+              <a:ea typeface="HGP創英角ｺﾞｼｯｸUB" pitchFamily="50" charset="-128"/>
+            </a:endParaRPr>
+          </a:p>
+        </p:txBody>
+      </p:sp>
+      <p:sp>
+        <p:nvSpPr>
+          <p:cNvPr id="10" name="テキスト ボックス 9"/>
+          <p:cNvSpPr txBox="1"/>
           <p:nvPr/>
         </p:nvSpPr>
         <p:spPr>
           <a:xfrm>
-            <a:off x="733673" y="1412776"/>
-            <a:ext cx="7654751" cy="1323439"/>
+            <a:off x="3940554" y="2604951"/>
+            <a:ext cx="1281344" cy="523220"/>
           </a:xfrm>
           <a:prstGeom prst="rect">
             <a:avLst/>
           </a:prstGeom>
-        </p:spPr>
-        <p:txBody>
-          <a:bodyPr wrap="square">
+          <a:noFill/>
+        </p:spPr>
+        <p:txBody>
+          <a:bodyPr wrap="square" rtlCol="0">
             <a:spAutoFit/>
           </a:bodyPr>
           <a:lstStyle/>
           <a:p>
             <a:r>
-              <a:rPr lang="ja-JP" altLang="en-US" sz="2000" dirty="0" smtClean="0"/>
-              <a:t>今回、</a:t>
-            </a:r>
-            <a:r>
-              <a:rPr lang="en-US" altLang="ja-JP" sz="2000" dirty="0" err="1" smtClean="0"/>
-              <a:t>LederBoard.cs</a:t>
-            </a:r>
-            <a:r>
-              <a:rPr lang="ja-JP" altLang="en-US" sz="2000" dirty="0" smtClean="0"/>
-              <a:t>は</a:t>
-            </a:r>
-            <a:r>
-              <a:rPr lang="en-US" altLang="ja-JP" sz="2000" dirty="0" smtClean="0"/>
-              <a:t>Unity</a:t>
-            </a:r>
-            <a:r>
-              <a:rPr lang="ja-JP" altLang="en-US" sz="2000" dirty="0" err="1" smtClean="0"/>
-              <a:t>に依</a:t>
-            </a:r>
-            <a:r>
-              <a:rPr lang="ja-JP" altLang="en-US" sz="2000" dirty="0" smtClean="0"/>
-              <a:t>存しない形で実装しています。</a:t>
-            </a:r>
-            <a:endParaRPr lang="en-US" altLang="ja-JP" sz="2000" dirty="0" smtClean="0"/>
-          </a:p>
-          <a:p>
-            <a:r>
-              <a:rPr lang="ja-JP" altLang="en-US" sz="2000" dirty="0"/>
-              <a:t>開発状態</a:t>
-            </a:r>
-            <a:r>
-              <a:rPr lang="ja-JP" altLang="en-US" sz="2000" dirty="0" smtClean="0"/>
-              <a:t>に</a:t>
-            </a:r>
-            <a:r>
-              <a:rPr lang="ja-JP" altLang="en-US" sz="2000" dirty="0"/>
-              <a:t>よって</a:t>
-            </a:r>
-            <a:r>
-              <a:rPr lang="ja-JP" altLang="en-US" sz="2000" dirty="0" smtClean="0"/>
-              <a:t>はこのように</a:t>
-            </a:r>
-            <a:r>
-              <a:rPr lang="en-US" altLang="ja-JP" sz="2000" dirty="0" smtClean="0"/>
-              <a:t>Unity</a:t>
-            </a:r>
-            <a:r>
-              <a:rPr lang="ja-JP" altLang="en-US" sz="2000" dirty="0" err="1" smtClean="0"/>
-              <a:t>に依</a:t>
-            </a:r>
-            <a:r>
-              <a:rPr lang="ja-JP" altLang="en-US" sz="2000" dirty="0" smtClean="0"/>
-              <a:t>存しない形で実装することもある</a:t>
-            </a:r>
-            <a:r>
-              <a:rPr lang="ja-JP" altLang="en-US" sz="2000" dirty="0"/>
-              <a:t>かと思います</a:t>
-            </a:r>
-            <a:r>
-              <a:rPr lang="ja-JP" altLang="en-US" sz="2000" dirty="0" smtClean="0"/>
-              <a:t>ので</a:t>
-            </a:r>
-            <a:endParaRPr lang="en-US" altLang="ja-JP" sz="2000" dirty="0" smtClean="0"/>
-          </a:p>
-          <a:p>
-            <a:r>
-              <a:rPr lang="ja-JP" altLang="en-US" sz="2000" dirty="0" smtClean="0"/>
-              <a:t>その場合のメソッドの呼び出し方についても記載しておきます</a:t>
-            </a:r>
-            <a:endParaRPr lang="en-US" altLang="ja-JP" sz="2000" dirty="0"/>
-          </a:p>
-        </p:txBody>
-      </p:sp>
-      <p:sp>
-        <p:nvSpPr>
-          <p:cNvPr id="10" name="正方形/長方形 9"/>
-          <p:cNvSpPr/>
+              <a:rPr lang="ja-JP" altLang="en-US" sz="1400" dirty="0" smtClean="0">
+                <a:solidFill>
+                  <a:schemeClr val="bg1"/>
+                </a:solidFill>
+              </a:rPr>
+              <a:t>ランキングに</a:t>
+            </a:r>
+            <a:endParaRPr lang="en-US" altLang="ja-JP" sz="1400" dirty="0" smtClean="0">
+              <a:solidFill>
+                <a:schemeClr val="bg1"/>
+              </a:solidFill>
+            </a:endParaRPr>
+          </a:p>
+          <a:p>
+            <a:r>
+              <a:rPr lang="ja-JP" altLang="en-US" sz="1400" dirty="0" smtClean="0">
+                <a:solidFill>
+                  <a:schemeClr val="bg1"/>
+                </a:solidFill>
+              </a:rPr>
+              <a:t>遷移</a:t>
+            </a:r>
+            <a:endParaRPr kumimoji="1" lang="ja-JP" altLang="en-US" sz="1400" dirty="0">
+              <a:solidFill>
+                <a:schemeClr val="bg1"/>
+              </a:solidFill>
+            </a:endParaRPr>
+          </a:p>
+        </p:txBody>
+      </p:sp>
+      <p:sp>
+        <p:nvSpPr>
+          <p:cNvPr id="11" name="テキスト ボックス 10"/>
+          <p:cNvSpPr txBox="1"/>
           <p:nvPr/>
         </p:nvSpPr>
         <p:spPr>
           <a:xfrm>
-            <a:off x="701815" y="3033936"/>
-            <a:ext cx="7758617" cy="2031325"/>
+            <a:off x="4798190" y="4786798"/>
+            <a:ext cx="4568374" cy="307777"/>
           </a:xfrm>
           <a:prstGeom prst="rect">
             <a:avLst/>
           </a:prstGeom>
-        </p:spPr>
-        <p:txBody>
-          <a:bodyPr wrap="square">
+          <a:noFill/>
+        </p:spPr>
+        <p:txBody>
+          <a:bodyPr wrap="square" rtlCol="0">
             <a:spAutoFit/>
           </a:bodyPr>
           <a:lstStyle/>
           <a:p>
             <a:r>
-              <a:rPr lang="en-US" altLang="ja-JP" dirty="0" err="1"/>
-              <a:t>LeaderBoard</a:t>
-            </a:r>
-            <a:r>
-              <a:rPr lang="en-US" altLang="ja-JP" dirty="0"/>
-              <a:t> </a:t>
-            </a:r>
-            <a:r>
-              <a:rPr lang="en-US" altLang="ja-JP" dirty="0" err="1"/>
-              <a:t>lBoard</a:t>
-            </a:r>
-            <a:r>
-              <a:rPr lang="en-US" altLang="ja-JP" dirty="0" smtClean="0"/>
-              <a:t>;</a:t>
-            </a:r>
-            <a:r>
-              <a:rPr lang="ja-JP" altLang="en-US" dirty="0"/>
-              <a:t> </a:t>
-            </a:r>
-            <a:endParaRPr lang="en-US" altLang="ja-JP" dirty="0" smtClean="0"/>
-          </a:p>
-          <a:p>
-            <a:endParaRPr lang="en-US" altLang="ja-JP" dirty="0"/>
-          </a:p>
-          <a:p>
-            <a:endParaRPr lang="en-US" altLang="ja-JP" dirty="0"/>
-          </a:p>
-          <a:p>
-            <a:r>
-              <a:rPr lang="en-US" altLang="ja-JP" dirty="0" err="1"/>
-              <a:t>lBoard</a:t>
-            </a:r>
-            <a:r>
-              <a:rPr lang="en-US" altLang="ja-JP" dirty="0"/>
-              <a:t> = new </a:t>
-            </a:r>
-            <a:r>
-              <a:rPr lang="en-US" altLang="ja-JP" dirty="0" err="1"/>
-              <a:t>LeaderBoard</a:t>
-            </a:r>
-            <a:r>
-              <a:rPr lang="en-US" altLang="ja-JP" dirty="0" smtClean="0"/>
-              <a:t>();</a:t>
-            </a:r>
-            <a:r>
-              <a:rPr lang="ja-JP" altLang="en-US" dirty="0" smtClean="0"/>
-              <a:t>　</a:t>
-            </a:r>
-            <a:r>
-              <a:rPr lang="en-US" altLang="ja-JP" dirty="0" smtClean="0"/>
-              <a:t>//</a:t>
-            </a:r>
-            <a:r>
-              <a:rPr lang="en-US" altLang="ja-JP" dirty="0"/>
-              <a:t> </a:t>
-            </a:r>
-            <a:r>
-              <a:rPr lang="en-US" altLang="ja-JP" dirty="0" err="1"/>
-              <a:t>LeaderBoard</a:t>
-            </a:r>
-            <a:r>
-              <a:rPr lang="en-US" altLang="ja-JP" dirty="0"/>
-              <a:t> </a:t>
-            </a:r>
-            <a:r>
-              <a:rPr lang="ja-JP" altLang="en-US" dirty="0" smtClean="0"/>
-              <a:t>クラスのインスタンス生成</a:t>
-            </a:r>
-            <a:endParaRPr lang="en-US" altLang="ja-JP" dirty="0" smtClean="0"/>
-          </a:p>
-          <a:p>
-            <a:endParaRPr lang="en-US" altLang="ja-JP" dirty="0"/>
-          </a:p>
-          <a:p>
-            <a:endParaRPr lang="en-US" altLang="ja-JP" dirty="0" smtClean="0"/>
-          </a:p>
-          <a:p>
-            <a:r>
-              <a:rPr lang="en-US" altLang="ja-JP" dirty="0" err="1"/>
-              <a:t>lBoard.fetchTopRankers</a:t>
-            </a:r>
-            <a:r>
-              <a:rPr lang="en-US" altLang="ja-JP" dirty="0" smtClean="0"/>
-              <a:t>();</a:t>
-            </a:r>
-            <a:r>
-              <a:rPr lang="ja-JP" altLang="en-US" dirty="0" smtClean="0"/>
-              <a:t>　</a:t>
-            </a:r>
-            <a:r>
-              <a:rPr lang="en-US" altLang="ja-JP" dirty="0" smtClean="0"/>
-              <a:t>//</a:t>
-            </a:r>
-            <a:r>
-              <a:rPr lang="ja-JP" altLang="en-US" dirty="0" smtClean="0"/>
-              <a:t>メソッドの呼び出し</a:t>
-            </a:r>
-            <a:endParaRPr lang="en-US" altLang="ja-JP" dirty="0"/>
-          </a:p>
-        </p:txBody>
-      </p:sp>
+              <a:rPr kumimoji="1" lang="ja-JP" altLang="en-US" sz="1400" dirty="0" smtClean="0"/>
+              <a:t>上記のよう</a:t>
+            </a:r>
+            <a:r>
+              <a:rPr lang="ja-JP" altLang="en-US" sz="1400" dirty="0" smtClean="0"/>
+              <a:t>にランキング</a:t>
+            </a:r>
+            <a:r>
+              <a:rPr kumimoji="1" lang="ja-JP" altLang="en-US" sz="1400" dirty="0" smtClean="0"/>
+              <a:t>が表示されたら成功です！</a:t>
+            </a:r>
+            <a:endParaRPr kumimoji="1" lang="ja-JP" altLang="en-US" sz="1400" dirty="0"/>
+          </a:p>
+        </p:txBody>
+      </p:sp>
+      <p:pic>
+        <p:nvPicPr>
+          <p:cNvPr id="3" name="図 2"/>
+          <p:cNvPicPr>
+            <a:picLocks noChangeAspect="1"/>
+          </p:cNvPicPr>
+          <p:nvPr/>
+        </p:nvPicPr>
+        <p:blipFill rotWithShape="1">
+          <a:blip r:embed="rId2">
+            <a:extLst>
+              <a:ext uri="{28A0092B-C50C-407E-A947-70E740481C1C}">
+                <a14:useLocalDpi xmlns:a14="http://schemas.microsoft.com/office/drawing/2010/main" val="0"/>
+              </a:ext>
+            </a:extLst>
+          </a:blip>
+          <a:srcRect l="21680" t="12539" r="21970" b="22951"/>
+          <a:stretch/>
+        </p:blipFill>
+        <p:spPr>
+          <a:xfrm>
+            <a:off x="204329" y="1649947"/>
+            <a:ext cx="3593700" cy="2736304"/>
+          </a:xfrm>
+          <a:prstGeom prst="rect">
+            <a:avLst/>
+          </a:prstGeom>
+        </p:spPr>
+      </p:pic>
+      <p:sp>
+        <p:nvSpPr>
+          <p:cNvPr id="7" name="角丸四角形吹き出し 6"/>
+          <p:cNvSpPr/>
+          <p:nvPr/>
+        </p:nvSpPr>
+        <p:spPr bwMode="auto">
+          <a:xfrm>
+            <a:off x="1348266" y="4522270"/>
+            <a:ext cx="2592288" cy="510611"/>
+          </a:xfrm>
+          <a:prstGeom prst="wedgeRoundRectCallout">
+            <a:avLst>
+              <a:gd name="adj1" fmla="val -9585"/>
+              <a:gd name="adj2" fmla="val -122307"/>
+              <a:gd name="adj3" fmla="val 16667"/>
+            </a:avLst>
+          </a:prstGeom>
+          <a:solidFill>
+            <a:schemeClr val="bg1"/>
+          </a:solidFill>
+          <a:ln w="38100" cap="flat" cmpd="sng" algn="ctr">
+            <a:solidFill>
+              <a:srgbClr val="808080"/>
+            </a:solidFill>
+            <a:prstDash val="solid"/>
+            <a:round/>
+            <a:headEnd type="none" w="med" len="med"/>
+            <a:tailEnd type="none" w="med" len="med"/>
+          </a:ln>
+          <a:effectLst/>
+          <a:extLst>
+            <a:ext uri="{AF507438-7753-43E0-B8FC-AC1667EBCBE1}">
+              <a14:hiddenEffects xmlns:a14="http://schemas.microsoft.com/office/drawing/2010/main">
+                <a:effectLst>
+                  <a:outerShdw dist="35921" dir="2700000" algn="ctr" rotWithShape="0">
+                    <a:schemeClr val="bg2"/>
+                  </a:outerShdw>
+                </a:effectLst>
+              </a14:hiddenEffects>
+            </a:ext>
+          </a:extLst>
+        </p:spPr>
+        <p:txBody>
+          <a:bodyPr vert="horz" wrap="none" lIns="91440" tIns="45720" rIns="91440" bIns="45720" numCol="1" rtlCol="0" anchor="ctr" anchorCtr="0" compatLnSpc="1">
+            <a:prstTxWarp prst="textNoShape">
+              <a:avLst/>
+            </a:prstTxWarp>
+          </a:bodyPr>
+          <a:lstStyle/>
+          <a:p>
+            <a:pPr marL="0" marR="0" indent="0" algn="ctr" defTabSz="914400" rtl="0" eaLnBrk="1" fontAlgn="base" latinLnBrk="0" hangingPunct="1">
+              <a:lnSpc>
+                <a:spcPct val="100000"/>
+              </a:lnSpc>
+              <a:spcBef>
+                <a:spcPct val="0"/>
+              </a:spcBef>
+              <a:spcAft>
+                <a:spcPct val="0"/>
+              </a:spcAft>
+              <a:buClrTx/>
+              <a:buSzTx/>
+              <a:buFontTx/>
+              <a:buNone/>
+              <a:tabLst/>
+            </a:pPr>
+            <a:r>
+              <a:rPr kumimoji="1" lang="ja-JP" altLang="en-US" sz="2800" i="0" u="none" strike="noStrike" cap="none" normalizeH="0" baseline="0" dirty="0" smtClean="0">
+                <a:ln>
+                  <a:noFill/>
+                </a:ln>
+                <a:solidFill>
+                  <a:schemeClr val="tx1"/>
+                </a:solidFill>
+                <a:effectLst/>
+                <a:latin typeface="+mn-ea"/>
+              </a:rPr>
+              <a:t>ここをクリック</a:t>
+            </a:r>
+          </a:p>
+        </p:txBody>
+      </p:sp>
+      <p:pic>
+        <p:nvPicPr>
+          <p:cNvPr id="12" name="図 11"/>
+          <p:cNvPicPr>
+            <a:picLocks noChangeAspect="1"/>
+          </p:cNvPicPr>
+          <p:nvPr/>
+        </p:nvPicPr>
+        <p:blipFill rotWithShape="1">
+          <a:blip r:embed="rId3">
+            <a:extLst>
+              <a:ext uri="{28A0092B-C50C-407E-A947-70E740481C1C}">
+                <a14:useLocalDpi xmlns:a14="http://schemas.microsoft.com/office/drawing/2010/main" val="0"/>
+              </a:ext>
+            </a:extLst>
+          </a:blip>
+          <a:srcRect l="19514" r="21307" b="23148"/>
+          <a:stretch/>
+        </p:blipFill>
+        <p:spPr>
+          <a:xfrm>
+            <a:off x="5314439" y="1484784"/>
+            <a:ext cx="3535875" cy="3066630"/>
+          </a:xfrm>
+          <a:prstGeom prst="rect">
+            <a:avLst/>
+          </a:prstGeom>
+        </p:spPr>
+      </p:pic>
+      <p:sp>
+        <p:nvSpPr>
+          <p:cNvPr id="14" name="角丸四角形吹き出し 13"/>
+          <p:cNvSpPr/>
+          <p:nvPr/>
+        </p:nvSpPr>
+        <p:spPr bwMode="auto">
+          <a:xfrm>
+            <a:off x="190013" y="5589240"/>
+            <a:ext cx="3307377" cy="903582"/>
+          </a:xfrm>
+          <a:prstGeom prst="wedgeRoundRectCallout">
+            <a:avLst>
+              <a:gd name="adj1" fmla="val 56218"/>
+              <a:gd name="adj2" fmla="val -17554"/>
+              <a:gd name="adj3" fmla="val 16667"/>
+            </a:avLst>
+          </a:prstGeom>
+          <a:solidFill>
+            <a:schemeClr val="bg1"/>
+          </a:solidFill>
+          <a:ln w="38100" cap="flat" cmpd="sng" algn="ctr">
+            <a:solidFill>
+              <a:srgbClr val="808080"/>
+            </a:solidFill>
+            <a:prstDash val="solid"/>
+            <a:round/>
+            <a:headEnd type="none" w="med" len="med"/>
+            <a:tailEnd type="none" w="med" len="med"/>
+          </a:ln>
+          <a:effectLst/>
+          <a:extLst>
+            <a:ext uri="{AF507438-7753-43E0-B8FC-AC1667EBCBE1}">
+              <a14:hiddenEffects xmlns:a14="http://schemas.microsoft.com/office/drawing/2010/main">
+                <a:effectLst>
+                  <a:outerShdw dist="35921" dir="2700000" algn="ctr" rotWithShape="0">
+                    <a:schemeClr val="bg2"/>
+                  </a:outerShdw>
+                </a:effectLst>
+              </a14:hiddenEffects>
+            </a:ext>
+          </a:extLst>
+        </p:spPr>
+        <p:txBody>
+          <a:bodyPr vert="horz" wrap="none" lIns="91440" tIns="45720" rIns="91440" bIns="45720" numCol="1" rtlCol="0" anchor="ctr" anchorCtr="0" compatLnSpc="1">
+            <a:prstTxWarp prst="textNoShape">
+              <a:avLst/>
+            </a:prstTxWarp>
+          </a:bodyPr>
+          <a:lstStyle/>
+          <a:p>
+            <a:pPr lvl="0"/>
+            <a:r>
+              <a:rPr lang="ja-JP" altLang="en-US" sz="1400" dirty="0" smtClean="0">
+                <a:solidFill>
+                  <a:prstClr val="black"/>
+                </a:solidFill>
+              </a:rPr>
+              <a:t>ゴール後管理</a:t>
+            </a:r>
+            <a:r>
+              <a:rPr lang="ja-JP" altLang="en-US" sz="1400" dirty="0">
+                <a:solidFill>
+                  <a:prstClr val="black"/>
+                </a:solidFill>
+              </a:rPr>
+              <a:t>画面よりデータストア</a:t>
+            </a:r>
+            <a:r>
+              <a:rPr lang="ja-JP" altLang="en-US" sz="1400" dirty="0" smtClean="0">
+                <a:solidFill>
+                  <a:prstClr val="black"/>
+                </a:solidFill>
+              </a:rPr>
+              <a:t>を</a:t>
+            </a:r>
+            <a:endParaRPr lang="en-US" altLang="ja-JP" sz="1400" dirty="0" smtClean="0">
+              <a:solidFill>
+                <a:prstClr val="black"/>
+              </a:solidFill>
+            </a:endParaRPr>
+          </a:p>
+          <a:p>
+            <a:pPr lvl="0"/>
+            <a:r>
+              <a:rPr lang="ja-JP" altLang="en-US" sz="1400" dirty="0" smtClean="0">
+                <a:solidFill>
+                  <a:prstClr val="black"/>
+                </a:solidFill>
+              </a:rPr>
+              <a:t>ご確認</a:t>
+            </a:r>
+            <a:r>
+              <a:rPr lang="ja-JP" altLang="en-US" sz="1400" dirty="0">
+                <a:solidFill>
+                  <a:prstClr val="black"/>
+                </a:solidFill>
+              </a:rPr>
+              <a:t>いただき左記のよう</a:t>
+            </a:r>
+            <a:r>
+              <a:rPr lang="ja-JP" altLang="en-US" sz="1400" dirty="0" smtClean="0">
+                <a:solidFill>
+                  <a:prstClr val="black"/>
+                </a:solidFill>
+              </a:rPr>
+              <a:t>にデータが</a:t>
+            </a:r>
+            <a:endParaRPr lang="en-US" altLang="ja-JP" sz="1400" dirty="0" smtClean="0">
+              <a:solidFill>
+                <a:prstClr val="black"/>
+              </a:solidFill>
+            </a:endParaRPr>
+          </a:p>
+          <a:p>
+            <a:pPr lvl="0"/>
+            <a:r>
+              <a:rPr lang="ja-JP" altLang="en-US" sz="1400" dirty="0" smtClean="0">
+                <a:solidFill>
+                  <a:prstClr val="black"/>
+                </a:solidFill>
+              </a:rPr>
+              <a:t>入っていることもご確認ください</a:t>
+            </a:r>
+            <a:endParaRPr lang="ja-JP" altLang="en-US" sz="1400" dirty="0">
+              <a:solidFill>
+                <a:prstClr val="black"/>
+              </a:solidFill>
+            </a:endParaRPr>
+          </a:p>
+        </p:txBody>
+      </p:sp>
+      <p:pic>
+        <p:nvPicPr>
+          <p:cNvPr id="1026" name="Picture 2" descr="C:\Users\fumisato\Desktop\キャプチャ.PNG"/>
+          <p:cNvPicPr>
+            <a:picLocks noChangeAspect="1" noChangeArrowheads="1"/>
+          </p:cNvPicPr>
+          <p:nvPr/>
+        </p:nvPicPr>
+        <p:blipFill rotWithShape="1">
+          <a:blip r:embed="rId4">
+            <a:extLst>
+              <a:ext uri="{28A0092B-C50C-407E-A947-70E740481C1C}">
+                <a14:useLocalDpi xmlns:a14="http://schemas.microsoft.com/office/drawing/2010/main" val="0"/>
+              </a:ext>
+            </a:extLst>
+          </a:blip>
+          <a:srcRect r="44602" b="43612"/>
+          <a:stretch/>
+        </p:blipFill>
+        <p:spPr bwMode="auto">
+          <a:xfrm>
+            <a:off x="3707904" y="5199154"/>
+            <a:ext cx="4849065" cy="1440586"/>
+          </a:xfrm>
+          <a:prstGeom prst="rect">
+            <a:avLst/>
+          </a:prstGeom>
+          <a:noFill/>
+          <a:extLst>
+            <a:ext uri="{909E8E84-426E-40DD-AFC4-6F175D3DCCD1}">
+              <a14:hiddenFill xmlns:a14="http://schemas.microsoft.com/office/drawing/2010/main">
+                <a:solidFill>
+                  <a:srgbClr val="FFFFFF"/>
+                </a:solidFill>
+              </a14:hiddenFill>
+            </a:ext>
+          </a:extLst>
+        </p:spPr>
+      </p:pic>
     </p:spTree>
     <p:extLst>
       <p:ext uri="{BB962C8B-B14F-4D97-AF65-F5344CB8AC3E}">
-        <p14:creationId xmlns:p14="http://schemas.microsoft.com/office/powerpoint/2010/main" val="3488629745"/>
+        <p14:creationId xmlns:p14="http://schemas.microsoft.com/office/powerpoint/2010/main" val="2798678528"/>
       </p:ext>
     </p:extLst>
   </p:cSld>
@@ -16049,7 +16363,7 @@
           <a:p>
             <a:r>
               <a:rPr kumimoji="1" lang="ja-JP" altLang="en-US" dirty="0" smtClean="0"/>
-              <a:t>動作確認</a:t>
+              <a:t>まとめ</a:t>
             </a:r>
             <a:endParaRPr kumimoji="1" lang="ja-JP" altLang="en-US" dirty="0"/>
           </a:p>
@@ -16057,406 +16371,347 @@
       </p:sp>
       <p:sp>
         <p:nvSpPr>
-          <p:cNvPr id="6" name="テキスト ボックス 5"/>
-          <p:cNvSpPr txBox="1"/>
-          <p:nvPr/>
-        </p:nvSpPr>
-        <p:spPr>
-          <a:xfrm>
-            <a:off x="229816" y="955458"/>
-            <a:ext cx="4568374" cy="1384995"/>
-          </a:xfrm>
-          <a:prstGeom prst="rect">
-            <a:avLst/>
-          </a:prstGeom>
-          <a:noFill/>
-        </p:spPr>
-        <p:txBody>
-          <a:bodyPr wrap="square" rtlCol="0">
-            <a:spAutoFit/>
-          </a:bodyPr>
+          <p:cNvPr id="3" name="コンテンツ プレースホルダー 2"/>
+          <p:cNvSpPr>
+            <a:spLocks noGrp="1"/>
+          </p:cNvSpPr>
+          <p:nvPr>
+            <p:ph idx="1"/>
+          </p:nvPr>
+        </p:nvSpPr>
+        <p:spPr/>
+        <p:txBody>
+          <a:bodyPr/>
           <a:lstStyle/>
           <a:p>
-            <a:r>
-              <a:rPr kumimoji="1" lang="ja-JP" altLang="en-US" sz="1400" dirty="0" smtClean="0"/>
-              <a:t>一度</a:t>
-            </a:r>
-            <a:r>
-              <a:rPr lang="en-US" altLang="ja-JP" sz="1400" dirty="0"/>
-              <a:t>Asset&gt;Scenes</a:t>
-            </a:r>
-            <a:r>
-              <a:rPr lang="ja-JP" altLang="en-US" sz="1400" dirty="0"/>
-              <a:t>の「</a:t>
-            </a:r>
-            <a:r>
-              <a:rPr lang="en-US" altLang="ja-JP" sz="1400" dirty="0"/>
-              <a:t> </a:t>
-            </a:r>
-            <a:r>
-              <a:rPr lang="en-US" altLang="ja-JP" sz="1400" dirty="0" smtClean="0"/>
-              <a:t>Start </a:t>
-            </a:r>
-            <a:r>
-              <a:rPr lang="ja-JP" altLang="en-US" sz="1400" dirty="0"/>
-              <a:t>」 シーン</a:t>
-            </a:r>
-            <a:r>
-              <a:rPr lang="ja-JP" altLang="en-US" sz="1400" dirty="0" smtClean="0"/>
-              <a:t>に</a:t>
-            </a:r>
-            <a:endParaRPr lang="en-US" altLang="ja-JP" sz="1400" dirty="0" smtClean="0"/>
-          </a:p>
-          <a:p>
-            <a:r>
-              <a:rPr kumimoji="1" lang="ja-JP" altLang="en-US" sz="1400" dirty="0" smtClean="0"/>
-              <a:t>戻っていただきゲームを実行してください</a:t>
-            </a:r>
-            <a:endParaRPr kumimoji="1" lang="en-US" altLang="ja-JP" sz="1400" dirty="0" smtClean="0"/>
-          </a:p>
-          <a:p>
-            <a:endParaRPr lang="en-US" altLang="ja-JP" sz="1400" dirty="0"/>
-          </a:p>
-          <a:p>
-            <a:r>
-              <a:rPr lang="ja-JP" altLang="en-US" sz="1400" dirty="0" smtClean="0"/>
-              <a:t>ゴール時の画面の</a:t>
-            </a:r>
-            <a:r>
-              <a:rPr lang="ja-JP" altLang="en-US" sz="1400" dirty="0"/>
-              <a:t>下部</a:t>
-            </a:r>
-            <a:endParaRPr lang="en-US" altLang="ja-JP" sz="1400" dirty="0" smtClean="0"/>
-          </a:p>
-          <a:p>
-            <a:r>
-              <a:rPr lang="ja-JP" altLang="en-US" sz="1400" dirty="0" smtClean="0"/>
-              <a:t>「</a:t>
-            </a:r>
-            <a:r>
-              <a:rPr lang="en-US" altLang="ja-JP" sz="1400" dirty="0" smtClean="0"/>
-              <a:t>Rankin</a:t>
-            </a:r>
-            <a:r>
-              <a:rPr lang="en-US" altLang="ja-JP" sz="1400" dirty="0"/>
-              <a:t>g</a:t>
-            </a:r>
-            <a:r>
-              <a:rPr lang="ja-JP" altLang="en-US" sz="1400" dirty="0" smtClean="0"/>
-              <a:t>」ボタンをクリックし</a:t>
-            </a:r>
-            <a:endParaRPr lang="en-US" altLang="ja-JP" sz="1400" dirty="0" smtClean="0"/>
-          </a:p>
-          <a:p>
-            <a:r>
-              <a:rPr kumimoji="1" lang="ja-JP" altLang="en-US" sz="1400" dirty="0" smtClean="0"/>
-              <a:t>ランキングが表示されることを確認してください</a:t>
-            </a:r>
-            <a:endParaRPr kumimoji="1" lang="ja-JP" altLang="en-US" sz="1400" dirty="0"/>
-          </a:p>
-        </p:txBody>
-      </p:sp>
-      <p:sp>
-        <p:nvSpPr>
-          <p:cNvPr id="9" name="下矢印 8"/>
-          <p:cNvSpPr/>
-          <p:nvPr/>
-        </p:nvSpPr>
-        <p:spPr bwMode="auto">
-          <a:xfrm rot="16200000">
-            <a:off x="3840708" y="3584228"/>
-            <a:ext cx="1549396" cy="1238939"/>
-          </a:xfrm>
-          <a:prstGeom prst="downArrow">
-            <a:avLst>
-              <a:gd name="adj1" fmla="val 50000"/>
-              <a:gd name="adj2" fmla="val 33897"/>
-            </a:avLst>
-          </a:prstGeom>
-          <a:ln>
-            <a:headEnd type="none" w="med" len="med"/>
-            <a:tailEnd type="none" w="med" len="med"/>
-          </a:ln>
-          <a:extLst/>
-        </p:spPr>
-        <p:style>
-          <a:lnRef idx="2">
-            <a:schemeClr val="accent1">
-              <a:shade val="50000"/>
-            </a:schemeClr>
-          </a:lnRef>
-          <a:fillRef idx="1">
-            <a:schemeClr val="accent1"/>
-          </a:fillRef>
-          <a:effectRef idx="0">
-            <a:schemeClr val="accent1"/>
-          </a:effectRef>
-          <a:fontRef idx="minor">
-            <a:schemeClr val="lt1"/>
-          </a:fontRef>
-        </p:style>
-        <p:txBody>
-          <a:bodyPr vert="horz" wrap="none" lIns="84406" tIns="42203" rIns="84406" bIns="42203" numCol="1" rtlCol="0" anchor="ctr" anchorCtr="0" compatLnSpc="1">
-            <a:prstTxWarp prst="textNoShape">
-              <a:avLst/>
-            </a:prstTxWarp>
-          </a:bodyPr>
-          <a:lstStyle/>
-          <a:p>
-            <a:pPr algn="ctr" defTabSz="844083" fontAlgn="base">
-              <a:spcBef>
-                <a:spcPct val="0"/>
-              </a:spcBef>
-              <a:spcAft>
-                <a:spcPct val="0"/>
-              </a:spcAft>
+            <a:pPr marL="0" indent="0">
+              <a:buNone/>
             </a:pPr>
-            <a:endParaRPr lang="ja-JP" altLang="en-US" sz="2585" b="1" dirty="0">
-              <a:solidFill>
-                <a:schemeClr val="tx1"/>
-              </a:solidFill>
-              <a:latin typeface="HGP創英角ｺﾞｼｯｸUB" pitchFamily="50" charset="-128"/>
-              <a:ea typeface="HGP創英角ｺﾞｼｯｸUB" pitchFamily="50" charset="-128"/>
+            <a:r>
+              <a:rPr lang="ja-JP" altLang="en-US" sz="1400" dirty="0" smtClean="0">
+                <a:latin typeface="+mn-ea"/>
+              </a:rPr>
+              <a:t>ハンズオンは以上にて終了です。お疲れ様でした！</a:t>
+            </a:r>
+            <a:endParaRPr lang="en-US" altLang="ja-JP" sz="1400" dirty="0" smtClean="0">
+              <a:latin typeface="+mn-ea"/>
             </a:endParaRPr>
           </a:p>
-        </p:txBody>
-      </p:sp>
-      <p:sp>
-        <p:nvSpPr>
-          <p:cNvPr id="10" name="テキスト ボックス 9"/>
-          <p:cNvSpPr txBox="1"/>
-          <p:nvPr/>
-        </p:nvSpPr>
-        <p:spPr>
-          <a:xfrm>
-            <a:off x="3940554" y="3942087"/>
-            <a:ext cx="1281344" cy="523220"/>
-          </a:xfrm>
-          <a:prstGeom prst="rect">
-            <a:avLst/>
-          </a:prstGeom>
-          <a:noFill/>
-        </p:spPr>
-        <p:txBody>
-          <a:bodyPr wrap="square" rtlCol="0">
-            <a:spAutoFit/>
-          </a:bodyPr>
-          <a:lstStyle/>
-          <a:p>
+          <a:p>
+            <a:pPr marL="0" indent="0">
+              <a:buNone/>
+            </a:pPr>
             <a:r>
               <a:rPr lang="ja-JP" altLang="en-US" sz="1400" dirty="0" smtClean="0">
-                <a:solidFill>
-                  <a:schemeClr val="bg1"/>
-                </a:solidFill>
-              </a:rPr>
-              <a:t>ランキングに</a:t>
+                <a:latin typeface="+mn-ea"/>
+              </a:rPr>
+              <a:t>本日は以下のことを体験していただきました。</a:t>
+            </a:r>
+            <a:endParaRPr lang="en-US" altLang="ja-JP" sz="1400" dirty="0">
+              <a:latin typeface="+mn-ea"/>
+            </a:endParaRPr>
+          </a:p>
+          <a:p>
+            <a:pPr marL="0" indent="0">
+              <a:buNone/>
+            </a:pPr>
+            <a:endParaRPr kumimoji="1" lang="en-US" altLang="ja-JP" sz="1400" dirty="0" smtClean="0">
+              <a:latin typeface="+mn-ea"/>
+            </a:endParaRPr>
+          </a:p>
+          <a:p>
+            <a:pPr marL="0" indent="0">
+              <a:buNone/>
+            </a:pPr>
+            <a:r>
+              <a:rPr lang="ja-JP" altLang="en-US" sz="1400" dirty="0">
+                <a:latin typeface="+mn-ea"/>
+              </a:rPr>
+              <a:t>・ゲームスコアの保存</a:t>
+            </a:r>
+            <a:endParaRPr lang="en-US" altLang="ja-JP" sz="1400" dirty="0">
+              <a:latin typeface="+mn-ea"/>
+            </a:endParaRPr>
+          </a:p>
+          <a:p>
+            <a:pPr marL="0" indent="0">
+              <a:buNone/>
+            </a:pPr>
+            <a:r>
+              <a:rPr lang="ja-JP" altLang="en-US" sz="1400" dirty="0">
+                <a:latin typeface="+mn-ea"/>
+              </a:rPr>
+              <a:t>・ランキングの</a:t>
+            </a:r>
+            <a:r>
+              <a:rPr lang="ja-JP" altLang="en-US" sz="1400" dirty="0" smtClean="0">
+                <a:latin typeface="+mn-ea"/>
+              </a:rPr>
+              <a:t>実装</a:t>
             </a:r>
             <a:endParaRPr lang="en-US" altLang="ja-JP" sz="1400" dirty="0" smtClean="0">
-              <a:solidFill>
-                <a:schemeClr val="bg1"/>
-              </a:solidFill>
+              <a:latin typeface="+mn-ea"/>
             </a:endParaRPr>
           </a:p>
           <a:p>
+            <a:pPr marL="0" indent="0">
+              <a:buNone/>
+            </a:pPr>
+            <a:endParaRPr kumimoji="1" lang="en-US" altLang="ja-JP" sz="1400" dirty="0" smtClean="0">
+              <a:latin typeface="+mn-ea"/>
+            </a:endParaRPr>
+          </a:p>
+          <a:p>
+            <a:pPr marL="0" indent="0">
+              <a:buNone/>
+            </a:pPr>
+            <a:r>
+              <a:rPr lang="ja-JP" altLang="en-US" sz="1400" dirty="0">
+                <a:latin typeface="+mn-ea"/>
+              </a:rPr>
+              <a:t>また</a:t>
+            </a:r>
+            <a:r>
+              <a:rPr lang="en-US" altLang="ja-JP" sz="1400" dirty="0" err="1" smtClean="0">
+                <a:latin typeface="+mn-ea"/>
+              </a:rPr>
+              <a:t>mBaaS</a:t>
+            </a:r>
             <a:r>
               <a:rPr lang="ja-JP" altLang="en-US" sz="1400" dirty="0" smtClean="0">
-                <a:solidFill>
-                  <a:schemeClr val="bg1"/>
-                </a:solidFill>
-              </a:rPr>
-              <a:t>遷移</a:t>
-            </a:r>
-            <a:endParaRPr kumimoji="1" lang="ja-JP" altLang="en-US" sz="1400" dirty="0">
-              <a:solidFill>
-                <a:schemeClr val="bg1"/>
-              </a:solidFill>
+                <a:latin typeface="+mn-ea"/>
+              </a:rPr>
+              <a:t>はデータストアだけでなく、プッシュ通知の配信なども行えます。</a:t>
+            </a:r>
+            <a:endParaRPr lang="en-US" altLang="ja-JP" sz="1400" dirty="0" smtClean="0">
+              <a:latin typeface="+mn-ea"/>
             </a:endParaRPr>
           </a:p>
-        </p:txBody>
-      </p:sp>
-      <p:sp>
-        <p:nvSpPr>
-          <p:cNvPr id="11" name="テキスト ボックス 10"/>
-          <p:cNvSpPr txBox="1"/>
-          <p:nvPr/>
-        </p:nvSpPr>
-        <p:spPr>
-          <a:xfrm>
-            <a:off x="4798190" y="6123934"/>
-            <a:ext cx="4568374" cy="307777"/>
-          </a:xfrm>
-          <a:prstGeom prst="rect">
-            <a:avLst/>
-          </a:prstGeom>
-          <a:noFill/>
-        </p:spPr>
-        <p:txBody>
-          <a:bodyPr wrap="square" rtlCol="0">
-            <a:spAutoFit/>
-          </a:bodyPr>
-          <a:lstStyle/>
-          <a:p>
-            <a:r>
-              <a:rPr kumimoji="1" lang="ja-JP" altLang="en-US" sz="1400" dirty="0" smtClean="0"/>
-              <a:t>上記のよう</a:t>
-            </a:r>
-            <a:r>
-              <a:rPr lang="ja-JP" altLang="en-US" sz="1400" dirty="0" smtClean="0"/>
-              <a:t>にランキング</a:t>
-            </a:r>
-            <a:r>
-              <a:rPr kumimoji="1" lang="ja-JP" altLang="en-US" sz="1400" dirty="0" smtClean="0"/>
-              <a:t>が表示されたら成功です！</a:t>
-            </a:r>
-            <a:endParaRPr kumimoji="1" lang="ja-JP" altLang="en-US" sz="1400" dirty="0"/>
-          </a:p>
-        </p:txBody>
-      </p:sp>
-      <p:pic>
-        <p:nvPicPr>
-          <p:cNvPr id="3" name="図 2"/>
-          <p:cNvPicPr>
-            <a:picLocks noChangeAspect="1"/>
-          </p:cNvPicPr>
-          <p:nvPr/>
-        </p:nvPicPr>
-        <p:blipFill rotWithShape="1">
-          <a:blip r:embed="rId2">
-            <a:extLst>
-              <a:ext uri="{28A0092B-C50C-407E-A947-70E740481C1C}">
-                <a14:useLocalDpi xmlns:a14="http://schemas.microsoft.com/office/drawing/2010/main" val="0"/>
-              </a:ext>
-            </a:extLst>
-          </a:blip>
-          <a:srcRect l="21680" t="12539" r="21970" b="22951"/>
-          <a:stretch/>
-        </p:blipFill>
-        <p:spPr>
-          <a:xfrm>
-            <a:off x="204329" y="2987083"/>
-            <a:ext cx="3593700" cy="2736304"/>
-          </a:xfrm>
-          <a:prstGeom prst="rect">
-            <a:avLst/>
-          </a:prstGeom>
-        </p:spPr>
-      </p:pic>
-      <p:sp>
-        <p:nvSpPr>
-          <p:cNvPr id="7" name="角丸四角形吹き出し 6"/>
-          <p:cNvSpPr/>
-          <p:nvPr/>
-        </p:nvSpPr>
-        <p:spPr bwMode="auto">
-          <a:xfrm>
-            <a:off x="1348266" y="5859406"/>
-            <a:ext cx="2592288" cy="510611"/>
-          </a:xfrm>
-          <a:prstGeom prst="wedgeRoundRectCallout">
-            <a:avLst>
-              <a:gd name="adj1" fmla="val -9585"/>
-              <a:gd name="adj2" fmla="val -122307"/>
-              <a:gd name="adj3" fmla="val 16667"/>
-            </a:avLst>
-          </a:prstGeom>
-          <a:solidFill>
-            <a:schemeClr val="bg1"/>
-          </a:solidFill>
-          <a:ln w="38100" cap="flat" cmpd="sng" algn="ctr">
-            <a:solidFill>
-              <a:srgbClr val="808080"/>
-            </a:solidFill>
-            <a:prstDash val="solid"/>
-            <a:round/>
-            <a:headEnd type="none" w="med" len="med"/>
-            <a:tailEnd type="none" w="med" len="med"/>
-          </a:ln>
-          <a:effectLst/>
-          <a:extLst>
-            <a:ext uri="{AF507438-7753-43E0-B8FC-AC1667EBCBE1}">
-              <a14:hiddenEffects xmlns:a14="http://schemas.microsoft.com/office/drawing/2010/main">
-                <a:effectLst>
-                  <a:outerShdw dist="35921" dir="2700000" algn="ctr" rotWithShape="0">
-                    <a:schemeClr val="bg2"/>
-                  </a:outerShdw>
-                </a:effectLst>
-              </a14:hiddenEffects>
-            </a:ext>
-          </a:extLst>
-        </p:spPr>
-        <p:txBody>
-          <a:bodyPr vert="horz" wrap="none" lIns="91440" tIns="45720" rIns="91440" bIns="45720" numCol="1" rtlCol="0" anchor="ctr" anchorCtr="0" compatLnSpc="1">
-            <a:prstTxWarp prst="textNoShape">
-              <a:avLst/>
-            </a:prstTxWarp>
-          </a:bodyPr>
-          <a:lstStyle/>
-          <a:p>
-            <a:pPr marL="0" marR="0" indent="0" algn="ctr" defTabSz="914400" rtl="0" eaLnBrk="1" fontAlgn="base" latinLnBrk="0" hangingPunct="1">
-              <a:lnSpc>
-                <a:spcPct val="100000"/>
-              </a:lnSpc>
-              <a:spcBef>
-                <a:spcPct val="0"/>
-              </a:spcBef>
-              <a:spcAft>
-                <a:spcPct val="0"/>
-              </a:spcAft>
-              <a:buClrTx/>
-              <a:buSzTx/>
-              <a:buFontTx/>
+          <a:p>
+            <a:pPr marL="0" indent="0">
               <a:buNone/>
-              <a:tabLst/>
             </a:pPr>
             <a:r>
-              <a:rPr kumimoji="1" lang="ja-JP" altLang="en-US" sz="2800" i="0" u="none" strike="noStrike" cap="none" normalizeH="0" baseline="0" dirty="0" smtClean="0">
-                <a:ln>
-                  <a:noFill/>
-                </a:ln>
-                <a:solidFill>
-                  <a:schemeClr val="tx1"/>
-                </a:solidFill>
-                <a:effectLst/>
+              <a:rPr lang="ja-JP" altLang="en-US" sz="1400" dirty="0" smtClean="0">
                 <a:latin typeface="+mn-ea"/>
               </a:rPr>
-              <a:t>ここをクリック</a:t>
-            </a:r>
-          </a:p>
-        </p:txBody>
-      </p:sp>
-      <p:pic>
-        <p:nvPicPr>
-          <p:cNvPr id="12" name="図 11"/>
-          <p:cNvPicPr>
-            <a:picLocks noChangeAspect="1"/>
-          </p:cNvPicPr>
-          <p:nvPr/>
-        </p:nvPicPr>
-        <p:blipFill rotWithShape="1">
-          <a:blip r:embed="rId3">
-            <a:extLst>
-              <a:ext uri="{28A0092B-C50C-407E-A947-70E740481C1C}">
-                <a14:useLocalDpi xmlns:a14="http://schemas.microsoft.com/office/drawing/2010/main" val="0"/>
-              </a:ext>
-            </a:extLst>
-          </a:blip>
-          <a:srcRect l="19514" r="21307" b="23148"/>
-          <a:stretch/>
-        </p:blipFill>
-        <p:spPr>
-          <a:xfrm>
-            <a:off x="5314439" y="2821920"/>
-            <a:ext cx="3535875" cy="3066630"/>
-          </a:xfrm>
-          <a:prstGeom prst="rect">
-            <a:avLst/>
-          </a:prstGeom>
-        </p:spPr>
-      </p:pic>
+              <a:t>プッシュ通知の実装に関するドキュメントもございますのでこちら</a:t>
+            </a:r>
+            <a:r>
+              <a:rPr lang="ja-JP" altLang="en-US" sz="1400" dirty="0">
+                <a:latin typeface="+mn-ea"/>
+              </a:rPr>
+              <a:t>もぜひ一度お試し</a:t>
+            </a:r>
+            <a:r>
+              <a:rPr lang="ja-JP" altLang="en-US" sz="1400" dirty="0" smtClean="0">
+                <a:latin typeface="+mn-ea"/>
+              </a:rPr>
+              <a:t>ください。</a:t>
+            </a:r>
+            <a:endParaRPr lang="en-US" altLang="ja-JP" sz="1400" dirty="0" smtClean="0">
+              <a:latin typeface="+mn-ea"/>
+            </a:endParaRPr>
+          </a:p>
+          <a:p>
+            <a:pPr marL="0" indent="0">
+              <a:buNone/>
+            </a:pPr>
+            <a:endParaRPr lang="en-US" altLang="ja-JP" sz="1400" dirty="0" smtClean="0">
+              <a:latin typeface="+mn-ea"/>
+            </a:endParaRPr>
+          </a:p>
+          <a:p>
+            <a:pPr marL="0" indent="0">
+              <a:buNone/>
+            </a:pPr>
+            <a:r>
+              <a:rPr kumimoji="1" lang="ja-JP" altLang="en-US" sz="1400" dirty="0" smtClean="0">
+                <a:latin typeface="+mn-ea"/>
+              </a:rPr>
+              <a:t>プッシュ</a:t>
+            </a:r>
+            <a:r>
+              <a:rPr kumimoji="1" lang="ja-JP" altLang="en-US" sz="1400" dirty="0">
+                <a:latin typeface="+mn-ea"/>
+              </a:rPr>
+              <a:t>通知</a:t>
+            </a:r>
+            <a:r>
+              <a:rPr kumimoji="1" lang="ja-JP" altLang="en-US" sz="1400" dirty="0" smtClean="0">
+                <a:latin typeface="+mn-ea"/>
+              </a:rPr>
+              <a:t>の解説ドキュメント</a:t>
+            </a:r>
+            <a:endParaRPr kumimoji="1" lang="en-US" altLang="ja-JP" sz="1400" dirty="0" smtClean="0">
+              <a:latin typeface="+mn-ea"/>
+            </a:endParaRPr>
+          </a:p>
+          <a:p>
+            <a:pPr marL="0" indent="0">
+              <a:buNone/>
+            </a:pPr>
+            <a:r>
+              <a:rPr lang="en-US" altLang="ja-JP" sz="1400" dirty="0">
+                <a:latin typeface="+mn-ea"/>
+                <a:hlinkClick r:id="rId2"/>
+              </a:rPr>
+              <a:t>http://</a:t>
+            </a:r>
+            <a:r>
+              <a:rPr lang="en-US" altLang="ja-JP" sz="1400" dirty="0" smtClean="0">
+                <a:latin typeface="+mn-ea"/>
+                <a:hlinkClick r:id="rId2"/>
+              </a:rPr>
+              <a:t>mb.cloud.nifty.com/doc/sdkguide/unity/push.html</a:t>
+            </a:r>
+            <a:endParaRPr lang="en-US" altLang="ja-JP" sz="1400" dirty="0" smtClean="0">
+              <a:latin typeface="+mn-ea"/>
+            </a:endParaRPr>
+          </a:p>
+          <a:p>
+            <a:pPr marL="0" indent="0">
+              <a:buNone/>
+            </a:pPr>
+            <a:endParaRPr lang="en-US" altLang="ja-JP" sz="1400" dirty="0" smtClean="0">
+              <a:latin typeface="+mn-ea"/>
+            </a:endParaRPr>
+          </a:p>
+          <a:p>
+            <a:pPr marL="0" indent="0">
+              <a:buNone/>
+            </a:pPr>
+            <a:r>
+              <a:rPr lang="ja-JP" altLang="en-US" sz="1400" dirty="0" smtClean="0">
+                <a:latin typeface="+mn-ea"/>
+              </a:rPr>
+              <a:t>この他にもなにかわからないことがありましたら</a:t>
+            </a:r>
+            <a:endParaRPr lang="en-US" altLang="ja-JP" sz="1400" dirty="0" smtClean="0">
+              <a:latin typeface="+mn-ea"/>
+            </a:endParaRPr>
+          </a:p>
+          <a:p>
+            <a:pPr marL="0" indent="0">
+              <a:buNone/>
+            </a:pPr>
+            <a:r>
+              <a:rPr lang="ja-JP" altLang="en-US" sz="1400" dirty="0" smtClean="0">
+                <a:latin typeface="+mn-ea"/>
+              </a:rPr>
+              <a:t>ユーザーコミュニティもご用意していますのでそちらもぜひご利用ください！</a:t>
+            </a:r>
+            <a:endParaRPr lang="en-US" altLang="ja-JP" sz="1400" dirty="0" smtClean="0">
+              <a:latin typeface="+mn-ea"/>
+            </a:endParaRPr>
+          </a:p>
+          <a:p>
+            <a:pPr marL="0" indent="0">
+              <a:buNone/>
+            </a:pPr>
+            <a:endParaRPr lang="en-US" altLang="ja-JP" sz="1400" dirty="0" smtClean="0">
+              <a:latin typeface="+mn-ea"/>
+              <a:hlinkClick r:id="rId3"/>
+            </a:endParaRPr>
+          </a:p>
+          <a:p>
+            <a:pPr marL="0" indent="0">
+              <a:buNone/>
+            </a:pPr>
+            <a:r>
+              <a:rPr lang="ja-JP" altLang="en-US" sz="1400" dirty="0" smtClean="0">
+                <a:latin typeface="+mn-ea"/>
+              </a:rPr>
+              <a:t>ユーザーコミュニティ</a:t>
+            </a:r>
+            <a:endParaRPr lang="en-US" altLang="ja-JP" sz="1400" dirty="0">
+              <a:latin typeface="+mn-ea"/>
+              <a:hlinkClick r:id="rId3"/>
+            </a:endParaRPr>
+          </a:p>
+          <a:p>
+            <a:pPr marL="0" indent="0">
+              <a:buNone/>
+            </a:pPr>
+            <a:r>
+              <a:rPr lang="en-US" altLang="ja-JP" sz="1400" dirty="0" smtClean="0">
+                <a:latin typeface="+mn-ea"/>
+                <a:hlinkClick r:id="rId3"/>
+              </a:rPr>
+              <a:t>https</a:t>
+            </a:r>
+            <a:r>
+              <a:rPr lang="en-US" altLang="ja-JP" sz="1400" dirty="0">
+                <a:latin typeface="+mn-ea"/>
+                <a:hlinkClick r:id="rId3"/>
+              </a:rPr>
+              <a:t>://</a:t>
+            </a:r>
+            <a:r>
+              <a:rPr lang="en-US" altLang="ja-JP" sz="1400" dirty="0" smtClean="0">
+                <a:latin typeface="+mn-ea"/>
+                <a:hlinkClick r:id="rId3"/>
+              </a:rPr>
+              <a:t>github.com/NIFTYCloud-mbaas/UserCommunity</a:t>
+            </a:r>
+            <a:endParaRPr lang="en-US" altLang="ja-JP" sz="1400" dirty="0" smtClean="0">
+              <a:latin typeface="+mn-ea"/>
+            </a:endParaRPr>
+          </a:p>
+          <a:p>
+            <a:pPr marL="0" indent="0">
+              <a:buNone/>
+            </a:pPr>
+            <a:endParaRPr lang="en-US" altLang="ja-JP" sz="1400" dirty="0" smtClean="0">
+              <a:latin typeface="+mn-ea"/>
+            </a:endParaRPr>
+          </a:p>
+          <a:p>
+            <a:pPr marL="0" indent="0">
+              <a:buNone/>
+            </a:pPr>
+            <a:r>
+              <a:rPr lang="ja-JP" altLang="en-US" sz="1400" dirty="0" smtClean="0">
+                <a:latin typeface="+mn-ea"/>
+              </a:rPr>
+              <a:t>本日はお忙しい中、ハンズオンにお越しいただきありがとうございました。</a:t>
+            </a:r>
+            <a:endParaRPr kumimoji="1" lang="en-US" altLang="ja-JP" sz="1400" dirty="0" smtClean="0">
+              <a:latin typeface="+mn-ea"/>
+            </a:endParaRPr>
+          </a:p>
+          <a:p>
+            <a:pPr marL="0" indent="0">
+              <a:buNone/>
+            </a:pPr>
+            <a:r>
+              <a:rPr kumimoji="1" lang="ja-JP" altLang="en-US" sz="1400" dirty="0" smtClean="0">
+                <a:latin typeface="+mn-ea"/>
+              </a:rPr>
+              <a:t>今後ともニフティクラウド</a:t>
+            </a:r>
+            <a:r>
+              <a:rPr kumimoji="1" lang="en-US" altLang="ja-JP" sz="1400" dirty="0" smtClean="0">
+                <a:latin typeface="+mn-ea"/>
+              </a:rPr>
+              <a:t>mobile backend</a:t>
+            </a:r>
+            <a:r>
+              <a:rPr kumimoji="1" lang="ja-JP" altLang="en-US" sz="1400" dirty="0" smtClean="0">
+                <a:latin typeface="+mn-ea"/>
+              </a:rPr>
+              <a:t>をなにとぞよろしくお願いいたします。</a:t>
+            </a:r>
+            <a:endParaRPr kumimoji="1" lang="en-US" altLang="ja-JP" sz="1400" dirty="0" smtClean="0">
+              <a:latin typeface="+mn-ea"/>
+            </a:endParaRPr>
+          </a:p>
+        </p:txBody>
+      </p:sp>
     </p:spTree>
     <p:extLst>
       <p:ext uri="{BB962C8B-B14F-4D97-AF65-F5344CB8AC3E}">
-        <p14:creationId xmlns:p14="http://schemas.microsoft.com/office/powerpoint/2010/main" val="2798678528"/>
+        <p14:creationId xmlns:p14="http://schemas.microsoft.com/office/powerpoint/2010/main" val="2000517228"/>
       </p:ext>
     </p:extLst>
   </p:cSld>
@@ -16507,7 +16762,19 @@
           <a:p>
             <a:r>
               <a:rPr kumimoji="1" lang="ja-JP" altLang="en-US" dirty="0" smtClean="0"/>
-              <a:t>まとめ</a:t>
+              <a:t>補足：</a:t>
+            </a:r>
+            <a:r>
+              <a:rPr kumimoji="1" lang="en-US" altLang="ja-JP" dirty="0" smtClean="0"/>
+              <a:t>UnityRemote4</a:t>
+            </a:r>
+            <a:r>
+              <a:rPr lang="ja-JP" altLang="en-US" dirty="0" err="1" smtClean="0"/>
+              <a:t>での</a:t>
+            </a:r>
+            <a:r>
+              <a:rPr lang="ja-JP" altLang="en-US" dirty="0" smtClean="0"/>
+              <a:t>デバッグ</a:t>
             </a:r>
             <a:endParaRPr kumimoji="1" lang="ja-JP" altLang="en-US" dirty="0"/>
           </a:p>
@@ -16523,7 +16790,12 @@
             <p:ph idx="1"/>
           </p:nvPr>
         </p:nvSpPr>
-        <p:spPr/>
+        <p:spPr>
+          <a:xfrm>
+            <a:off x="467544" y="908720"/>
+            <a:ext cx="8229600" cy="1079897"/>
+          </a:xfrm>
+        </p:spPr>
         <p:txBody>
           <a:bodyPr/>
           <a:lstStyle/>
@@ -16532,343 +16804,368 @@
               <a:buNone/>
             </a:pPr>
             <a:r>
-              <a:rPr lang="ja-JP" altLang="en-US" sz="1400" dirty="0" smtClean="0">
-                <a:latin typeface="+mn-ea"/>
-              </a:rPr>
-              <a:t>ハンズオンは以上にて終了です。お疲れ様でした！</a:t>
-            </a:r>
-            <a:endParaRPr lang="en-US" altLang="ja-JP" sz="1400" dirty="0" smtClean="0">
-              <a:latin typeface="+mn-ea"/>
-            </a:endParaRPr>
-          </a:p>
-          <a:p>
-            <a:pPr marL="0" indent="0">
-              <a:buNone/>
-            </a:pPr>
-            <a:r>
-              <a:rPr lang="ja-JP" altLang="en-US" sz="1400" dirty="0" smtClean="0">
-                <a:latin typeface="+mn-ea"/>
-              </a:rPr>
-              <a:t>本日は以下のことを体験していただきました。</a:t>
-            </a:r>
-            <a:endParaRPr lang="en-US" altLang="ja-JP" sz="1400" dirty="0">
-              <a:latin typeface="+mn-ea"/>
-            </a:endParaRPr>
-          </a:p>
-          <a:p>
-            <a:pPr marL="0" indent="0">
-              <a:buNone/>
-            </a:pPr>
-            <a:endParaRPr kumimoji="1" lang="en-US" altLang="ja-JP" sz="1400" dirty="0" smtClean="0">
-              <a:latin typeface="+mn-ea"/>
-            </a:endParaRPr>
-          </a:p>
-          <a:p>
-            <a:pPr marL="0" indent="0">
-              <a:buNone/>
-            </a:pPr>
-            <a:r>
-              <a:rPr lang="ja-JP" altLang="en-US" sz="1400" dirty="0">
-                <a:latin typeface="+mn-ea"/>
-              </a:rPr>
-              <a:t>・ゲームスコアの保存</a:t>
-            </a:r>
-            <a:endParaRPr lang="en-US" altLang="ja-JP" sz="1400" dirty="0">
-              <a:latin typeface="+mn-ea"/>
-            </a:endParaRPr>
-          </a:p>
-          <a:p>
-            <a:pPr marL="0" indent="0">
-              <a:buNone/>
-            </a:pPr>
-            <a:r>
-              <a:rPr lang="ja-JP" altLang="en-US" sz="1400" dirty="0">
-                <a:latin typeface="+mn-ea"/>
-              </a:rPr>
-              <a:t>・ランキングの</a:t>
-            </a:r>
-            <a:r>
-              <a:rPr lang="ja-JP" altLang="en-US" sz="1400" dirty="0" smtClean="0">
-                <a:latin typeface="+mn-ea"/>
-              </a:rPr>
-              <a:t>実装</a:t>
-            </a:r>
-            <a:endParaRPr lang="en-US" altLang="ja-JP" sz="1400" dirty="0" smtClean="0">
-              <a:latin typeface="+mn-ea"/>
-            </a:endParaRPr>
-          </a:p>
-          <a:p>
-            <a:pPr marL="0" indent="0">
-              <a:buNone/>
-            </a:pPr>
-            <a:endParaRPr kumimoji="1" lang="en-US" altLang="ja-JP" sz="1400" dirty="0" smtClean="0">
-              <a:latin typeface="+mn-ea"/>
-            </a:endParaRPr>
-          </a:p>
-          <a:p>
-            <a:pPr marL="0" indent="0">
-              <a:buNone/>
-            </a:pPr>
-            <a:r>
-              <a:rPr lang="ja-JP" altLang="en-US" sz="1400" dirty="0">
-                <a:latin typeface="+mn-ea"/>
-              </a:rPr>
-              <a:t>また</a:t>
-            </a:r>
-            <a:r>
-              <a:rPr lang="en-US" altLang="ja-JP" sz="1400" dirty="0" err="1" smtClean="0">
-                <a:latin typeface="+mn-ea"/>
-              </a:rPr>
-              <a:t>mBaaS</a:t>
-            </a:r>
-            <a:r>
-              <a:rPr lang="ja-JP" altLang="en-US" sz="1400" dirty="0" smtClean="0">
-                <a:latin typeface="+mn-ea"/>
-              </a:rPr>
-              <a:t>はデータストアだけでなく、プッシュ通知の配信なども行えます。</a:t>
-            </a:r>
-            <a:endParaRPr lang="en-US" altLang="ja-JP" sz="1400" dirty="0" smtClean="0">
-              <a:latin typeface="+mn-ea"/>
-            </a:endParaRPr>
-          </a:p>
-          <a:p>
-            <a:pPr marL="0" indent="0">
-              <a:buNone/>
-            </a:pPr>
-            <a:r>
-              <a:rPr lang="ja-JP" altLang="en-US" sz="1400" dirty="0" smtClean="0">
-                <a:latin typeface="+mn-ea"/>
-              </a:rPr>
-              <a:t>プッシュ通知の実装に関するドキュメントもございますのでこちら</a:t>
-            </a:r>
-            <a:r>
-              <a:rPr lang="ja-JP" altLang="en-US" sz="1400" dirty="0">
-                <a:latin typeface="+mn-ea"/>
-              </a:rPr>
-              <a:t>もぜひ一度お試し</a:t>
-            </a:r>
-            <a:r>
-              <a:rPr lang="ja-JP" altLang="en-US" sz="1400" dirty="0" smtClean="0">
-                <a:latin typeface="+mn-ea"/>
-              </a:rPr>
-              <a:t>ください。</a:t>
-            </a:r>
-            <a:endParaRPr lang="en-US" altLang="ja-JP" sz="1400" dirty="0" smtClean="0">
-              <a:latin typeface="+mn-ea"/>
-            </a:endParaRPr>
-          </a:p>
-          <a:p>
-            <a:pPr marL="0" indent="0">
-              <a:buNone/>
-            </a:pPr>
-            <a:endParaRPr lang="en-US" altLang="ja-JP" sz="1400" dirty="0" smtClean="0">
-              <a:latin typeface="+mn-ea"/>
-            </a:endParaRPr>
-          </a:p>
-          <a:p>
-            <a:pPr marL="0" indent="0">
-              <a:buNone/>
-            </a:pPr>
-            <a:r>
-              <a:rPr kumimoji="1" lang="ja-JP" altLang="en-US" sz="1400" dirty="0" smtClean="0">
-                <a:latin typeface="+mn-ea"/>
-              </a:rPr>
-              <a:t>プッシュ</a:t>
-            </a:r>
-            <a:r>
-              <a:rPr kumimoji="1" lang="ja-JP" altLang="en-US" sz="1400" dirty="0">
-                <a:latin typeface="+mn-ea"/>
-              </a:rPr>
-              <a:t>通知</a:t>
-            </a:r>
-            <a:r>
-              <a:rPr kumimoji="1" lang="ja-JP" altLang="en-US" sz="1400" dirty="0" smtClean="0">
-                <a:latin typeface="+mn-ea"/>
-              </a:rPr>
-              <a:t>の解説ドキュメント</a:t>
-            </a:r>
-            <a:endParaRPr kumimoji="1" lang="en-US" altLang="ja-JP" sz="1400" dirty="0" smtClean="0">
-              <a:latin typeface="+mn-ea"/>
-            </a:endParaRPr>
-          </a:p>
-          <a:p>
-            <a:pPr marL="0" indent="0">
-              <a:buNone/>
-            </a:pPr>
-            <a:r>
-              <a:rPr lang="en-US" altLang="ja-JP" sz="1400" dirty="0">
-                <a:latin typeface="+mn-ea"/>
+              <a:rPr lang="ja-JP" altLang="en-US" sz="1800" dirty="0" smtClean="0"/>
+              <a:t>このハコスコアプリを</a:t>
+            </a:r>
+            <a:r>
+              <a:rPr lang="en-US" altLang="ja-JP" sz="1800" dirty="0" smtClean="0"/>
+              <a:t>UnityRemote4</a:t>
+            </a:r>
+            <a:r>
+              <a:rPr lang="ja-JP" altLang="en-US" sz="1800" dirty="0" smtClean="0"/>
+              <a:t>でデバッグできます。</a:t>
+            </a:r>
+            <a:endParaRPr kumimoji="1" lang="ja-JP" altLang="en-US" sz="1800" dirty="0"/>
+          </a:p>
+        </p:txBody>
+      </p:sp>
+      <p:sp>
+        <p:nvSpPr>
+          <p:cNvPr id="4" name="正方形/長方形 3"/>
+          <p:cNvSpPr/>
+          <p:nvPr/>
+        </p:nvSpPr>
+        <p:spPr>
+          <a:xfrm>
+            <a:off x="467544" y="1268760"/>
+            <a:ext cx="7416824" cy="1200329"/>
+          </a:xfrm>
+          <a:prstGeom prst="rect">
+            <a:avLst/>
+          </a:prstGeom>
+        </p:spPr>
+        <p:txBody>
+          <a:bodyPr wrap="square">
+            <a:spAutoFit/>
+          </a:bodyPr>
+          <a:lstStyle/>
+          <a:p>
+            <a:r>
+              <a:rPr lang="ja-JP" altLang="en-US" dirty="0" smtClean="0"/>
+              <a:t>デバッグの方法は下記の</a:t>
+            </a:r>
+            <a:r>
+              <a:rPr lang="en-US" altLang="ja-JP" dirty="0" smtClean="0"/>
+              <a:t>UnityRemote4</a:t>
+            </a:r>
+            <a:r>
+              <a:rPr lang="ja-JP" altLang="en-US" dirty="0" smtClean="0"/>
+              <a:t>の</a:t>
+            </a:r>
+            <a:endParaRPr lang="en-US" altLang="ja-JP" dirty="0" smtClean="0"/>
+          </a:p>
+          <a:p>
+            <a:r>
+              <a:rPr lang="ja-JP" altLang="en-US" dirty="0" smtClean="0"/>
+              <a:t>ドキュメントに書かれています。</a:t>
+            </a:r>
+            <a:endParaRPr lang="en-US" altLang="ja-JP" dirty="0" smtClean="0"/>
+          </a:p>
+          <a:p>
+            <a:r>
+              <a:rPr lang="en-US" altLang="ja-JP" dirty="0" smtClean="0">
                 <a:hlinkClick r:id="rId2"/>
               </a:rPr>
-              <a:t>http://</a:t>
-            </a:r>
-            <a:r>
-              <a:rPr lang="en-US" altLang="ja-JP" sz="1400" dirty="0" smtClean="0">
-                <a:latin typeface="+mn-ea"/>
+              <a:t>http</a:t>
+            </a:r>
+            <a:r>
+              <a:rPr lang="en-US" altLang="ja-JP" dirty="0">
                 <a:hlinkClick r:id="rId2"/>
               </a:rPr>
-              <a:t>mb.cloud.nifty.com/doc/sdkguide/unity/push.html</a:t>
-            </a:r>
-            <a:endParaRPr lang="en-US" altLang="ja-JP" sz="1400" dirty="0" smtClean="0">
-              <a:latin typeface="+mn-ea"/>
-            </a:endParaRPr>
-          </a:p>
-          <a:p>
-            <a:pPr marL="0" indent="0">
-              <a:buNone/>
-            </a:pPr>
-            <a:endParaRPr lang="en-US" altLang="ja-JP" sz="1400" dirty="0" smtClean="0">
-              <a:latin typeface="+mn-ea"/>
-            </a:endParaRPr>
-          </a:p>
-          <a:p>
-            <a:pPr marL="0" indent="0">
-              <a:buNone/>
-            </a:pPr>
-            <a:r>
-              <a:rPr lang="ja-JP" altLang="en-US" sz="1400" dirty="0" smtClean="0">
-                <a:latin typeface="+mn-ea"/>
-              </a:rPr>
-              <a:t>この他にもなにかわからないことがありましたら</a:t>
-            </a:r>
-            <a:endParaRPr lang="en-US" altLang="ja-JP" sz="1400" dirty="0" smtClean="0">
-              <a:latin typeface="+mn-ea"/>
-            </a:endParaRPr>
-          </a:p>
-          <a:p>
-            <a:pPr marL="0" indent="0">
-              <a:buNone/>
-            </a:pPr>
-            <a:r>
-              <a:rPr lang="ja-JP" altLang="en-US" sz="1400" dirty="0" smtClean="0">
-                <a:latin typeface="+mn-ea"/>
-              </a:rPr>
-              <a:t>ユーザーコミュニティもご用意していますのでそちらもぜひご利用ください！</a:t>
-            </a:r>
-            <a:endParaRPr lang="en-US" altLang="ja-JP" sz="1400" dirty="0" smtClean="0">
-              <a:latin typeface="+mn-ea"/>
-            </a:endParaRPr>
-          </a:p>
-          <a:p>
-            <a:pPr marL="0" indent="0">
-              <a:buNone/>
-            </a:pPr>
-            <a:endParaRPr lang="en-US" altLang="ja-JP" sz="1400" dirty="0" smtClean="0">
-              <a:latin typeface="+mn-ea"/>
+              <a:t>://</a:t>
+            </a:r>
+            <a:r>
+              <a:rPr lang="en-US" altLang="ja-JP" dirty="0" smtClean="0">
+                <a:hlinkClick r:id="rId2"/>
+              </a:rPr>
+              <a:t>docs.unity3d.com/ja/current/Manual/UnityRemote4.html</a:t>
+            </a:r>
+            <a:endParaRPr lang="en-US" altLang="ja-JP" dirty="0" smtClean="0"/>
+          </a:p>
+          <a:p>
+            <a:endParaRPr lang="ja-JP" altLang="en-US" dirty="0"/>
+          </a:p>
+        </p:txBody>
+      </p:sp>
+      <p:sp>
+        <p:nvSpPr>
+          <p:cNvPr id="5" name="正方形/長方形 4"/>
+          <p:cNvSpPr/>
+          <p:nvPr/>
+        </p:nvSpPr>
+        <p:spPr>
+          <a:xfrm>
+            <a:off x="455393" y="5380672"/>
+            <a:ext cx="8149053" cy="1477328"/>
+          </a:xfrm>
+          <a:prstGeom prst="rect">
+            <a:avLst/>
+          </a:prstGeom>
+        </p:spPr>
+        <p:txBody>
+          <a:bodyPr wrap="square">
+            <a:spAutoFit/>
+          </a:bodyPr>
+          <a:lstStyle/>
+          <a:p>
+            <a:r>
+              <a:rPr lang="en-US" altLang="ja-JP" dirty="0" smtClean="0"/>
+              <a:t>Android:</a:t>
+            </a:r>
+            <a:endParaRPr lang="en-US" altLang="ja-JP" dirty="0" smtClean="0">
               <a:hlinkClick r:id="rId3"/>
             </a:endParaRPr>
           </a:p>
           <a:p>
-            <a:pPr marL="0" indent="0">
-              <a:buNone/>
-            </a:pPr>
-            <a:r>
-              <a:rPr lang="ja-JP" altLang="en-US" sz="1400" dirty="0" smtClean="0">
-                <a:latin typeface="+mn-ea"/>
-              </a:rPr>
-              <a:t>ユーザーコミュニティ</a:t>
-            </a:r>
-            <a:endParaRPr lang="en-US" altLang="ja-JP" sz="1400" dirty="0">
-              <a:latin typeface="+mn-ea"/>
-              <a:hlinkClick r:id="rId3"/>
-            </a:endParaRPr>
-          </a:p>
-          <a:p>
-            <a:pPr marL="0" indent="0">
-              <a:buNone/>
-            </a:pPr>
-            <a:r>
-              <a:rPr lang="en-US" altLang="ja-JP" sz="1400" dirty="0" smtClean="0">
-                <a:latin typeface="+mn-ea"/>
+            <a:r>
+              <a:rPr lang="en-US" altLang="ja-JP" dirty="0" smtClean="0">
                 <a:hlinkClick r:id="rId3"/>
               </a:rPr>
               <a:t>https</a:t>
             </a:r>
             <a:r>
-              <a:rPr lang="en-US" altLang="ja-JP" sz="1400" dirty="0">
-                <a:latin typeface="+mn-ea"/>
+              <a:rPr lang="en-US" altLang="ja-JP" dirty="0">
                 <a:hlinkClick r:id="rId3"/>
               </a:rPr>
               <a:t>://</a:t>
             </a:r>
             <a:r>
-              <a:rPr lang="en-US" altLang="ja-JP" sz="1400" dirty="0" smtClean="0">
-                <a:latin typeface="+mn-ea"/>
+              <a:rPr lang="en-US" altLang="ja-JP" dirty="0" smtClean="0">
                 <a:hlinkClick r:id="rId3"/>
               </a:rPr>
-              <a:t>github.com/NIFTYCloud-mbaas/UserCommunity</a:t>
-            </a:r>
-            <a:endParaRPr lang="en-US" altLang="ja-JP" sz="1400" dirty="0" smtClean="0">
-              <a:latin typeface="+mn-ea"/>
-            </a:endParaRPr>
-          </a:p>
-          <a:p>
-            <a:pPr marL="0" indent="0">
-              <a:buNone/>
-            </a:pPr>
-            <a:endParaRPr lang="en-US" altLang="ja-JP" sz="1400" dirty="0" smtClean="0">
-              <a:latin typeface="+mn-ea"/>
-            </a:endParaRPr>
-          </a:p>
-          <a:p>
-            <a:pPr marL="0" indent="0">
-              <a:buNone/>
-            </a:pPr>
-            <a:r>
-              <a:rPr lang="ja-JP" altLang="en-US" sz="1400" dirty="0" smtClean="0">
-                <a:latin typeface="+mn-ea"/>
-              </a:rPr>
-              <a:t>本日はお忙しい中、ハンズオンにお越しいただきありがとうございました。</a:t>
-            </a:r>
-            <a:endParaRPr kumimoji="1" lang="en-US" altLang="ja-JP" sz="1400" dirty="0" smtClean="0">
-              <a:latin typeface="+mn-ea"/>
-            </a:endParaRPr>
-          </a:p>
-          <a:p>
-            <a:pPr marL="0" indent="0">
-              <a:buNone/>
-            </a:pPr>
-            <a:r>
-              <a:rPr kumimoji="1" lang="ja-JP" altLang="en-US" sz="1400" dirty="0" smtClean="0">
-                <a:latin typeface="+mn-ea"/>
-              </a:rPr>
-              <a:t>今後ともニフティクラウド</a:t>
-            </a:r>
-            <a:r>
-              <a:rPr kumimoji="1" lang="en-US" altLang="ja-JP" sz="1400" dirty="0" smtClean="0">
-                <a:latin typeface="+mn-ea"/>
-              </a:rPr>
-              <a:t>mobile backend</a:t>
-            </a:r>
-            <a:r>
-              <a:rPr kumimoji="1" lang="ja-JP" altLang="en-US" sz="1400" dirty="0" smtClean="0">
-                <a:latin typeface="+mn-ea"/>
-              </a:rPr>
-              <a:t>をなにとぞよろしくお願いいたします。</a:t>
-            </a:r>
-            <a:endParaRPr kumimoji="1" lang="en-US" altLang="ja-JP" sz="1400" dirty="0" smtClean="0">
-              <a:latin typeface="+mn-ea"/>
-            </a:endParaRPr>
+              <a:t>play.google.com/store/apps/details?id=com.unity3d.genericremote</a:t>
+            </a:r>
+            <a:endParaRPr lang="en-US" altLang="ja-JP" dirty="0" smtClean="0"/>
+          </a:p>
+          <a:p>
+            <a:r>
+              <a:rPr lang="en-US" altLang="ja-JP" dirty="0" smtClean="0"/>
+              <a:t>iOS:</a:t>
+            </a:r>
+          </a:p>
+          <a:p>
+            <a:r>
+              <a:rPr lang="en-US" altLang="ja-JP" dirty="0">
+                <a:hlinkClick r:id="rId4"/>
+              </a:rPr>
+              <a:t>https://</a:t>
+            </a:r>
+            <a:r>
+              <a:rPr lang="en-US" altLang="ja-JP" dirty="0" smtClean="0">
+                <a:hlinkClick r:id="rId4"/>
+              </a:rPr>
+              <a:t>itunes.apple.com/us/app/unity-remote-4/id871767552</a:t>
+            </a:r>
+            <a:endParaRPr lang="en-US" altLang="ja-JP" dirty="0" smtClean="0"/>
+          </a:p>
+          <a:p>
+            <a:endParaRPr lang="ja-JP" altLang="en-US" dirty="0"/>
+          </a:p>
+        </p:txBody>
+      </p:sp>
+      <p:sp>
+        <p:nvSpPr>
+          <p:cNvPr id="6" name="AutoShape 2" descr="Cover art"/>
+          <p:cNvSpPr>
+            <a:spLocks noChangeAspect="1" noChangeArrowheads="1"/>
+          </p:cNvSpPr>
+          <p:nvPr/>
+        </p:nvSpPr>
+        <p:spPr bwMode="auto">
+          <a:xfrm>
+            <a:off x="155575" y="-144463"/>
+            <a:ext cx="304800" cy="304801"/>
+          </a:xfrm>
+          <a:prstGeom prst="rect">
+            <a:avLst/>
+          </a:prstGeom>
+          <a:noFill/>
+          <a:extLst>
+            <a:ext uri="{909E8E84-426E-40DD-AFC4-6F175D3DCCD1}">
+              <a14:hiddenFill xmlns:a14="http://schemas.microsoft.com/office/drawing/2010/main">
+                <a:solidFill>
+                  <a:srgbClr val="FFFFFF"/>
+                </a:solidFill>
+              </a14:hiddenFill>
+            </a:ext>
+          </a:extLst>
+        </p:spPr>
+        <p:txBody>
+          <a:bodyPr vert="horz" wrap="square" lIns="91440" tIns="45720" rIns="91440" bIns="45720" numCol="1" anchor="t" anchorCtr="0" compatLnSpc="1">
+            <a:prstTxWarp prst="textNoShape">
+              <a:avLst/>
+            </a:prstTxWarp>
+          </a:bodyPr>
+          <a:lstStyle/>
+          <a:p>
+            <a:endParaRPr lang="ja-JP" altLang="en-US"/>
+          </a:p>
+        </p:txBody>
+      </p:sp>
+      <p:sp>
+        <p:nvSpPr>
+          <p:cNvPr id="7" name="AutoShape 5" descr="Cover art"/>
+          <p:cNvSpPr>
+            <a:spLocks noChangeAspect="1" noChangeArrowheads="1"/>
+          </p:cNvSpPr>
+          <p:nvPr/>
+        </p:nvSpPr>
+        <p:spPr bwMode="auto">
+          <a:xfrm>
+            <a:off x="307975" y="7937"/>
+            <a:ext cx="304800" cy="304801"/>
+          </a:xfrm>
+          <a:prstGeom prst="rect">
+            <a:avLst/>
+          </a:prstGeom>
+          <a:noFill/>
+          <a:extLst>
+            <a:ext uri="{909E8E84-426E-40DD-AFC4-6F175D3DCCD1}">
+              <a14:hiddenFill xmlns:a14="http://schemas.microsoft.com/office/drawing/2010/main">
+                <a:solidFill>
+                  <a:srgbClr val="FFFFFF"/>
+                </a:solidFill>
+              </a14:hiddenFill>
+            </a:ext>
+          </a:extLst>
+        </p:spPr>
+        <p:txBody>
+          <a:bodyPr vert="horz" wrap="square" lIns="91440" tIns="45720" rIns="91440" bIns="45720" numCol="1" anchor="t" anchorCtr="0" compatLnSpc="1">
+            <a:prstTxWarp prst="textNoShape">
+              <a:avLst/>
+            </a:prstTxWarp>
+          </a:bodyPr>
+          <a:lstStyle/>
+          <a:p>
+            <a:endParaRPr lang="ja-JP" altLang="en-US"/>
+          </a:p>
+        </p:txBody>
+      </p:sp>
+      <p:pic>
+        <p:nvPicPr>
+          <p:cNvPr id="2054" name="Picture 6"/>
+          <p:cNvPicPr>
+            <a:picLocks noChangeAspect="1" noChangeArrowheads="1"/>
+          </p:cNvPicPr>
+          <p:nvPr/>
+        </p:nvPicPr>
+        <p:blipFill>
+          <a:blip r:embed="rId5">
+            <a:extLst>
+              <a:ext uri="{28A0092B-C50C-407E-A947-70E740481C1C}">
+                <a14:useLocalDpi xmlns:a14="http://schemas.microsoft.com/office/drawing/2010/main" val="0"/>
+              </a:ext>
+            </a:extLst>
+          </a:blip>
+          <a:srcRect/>
+          <a:stretch>
+            <a:fillRect/>
+          </a:stretch>
+        </p:blipFill>
+        <p:spPr bwMode="auto">
+          <a:xfrm>
+            <a:off x="487738" y="2204864"/>
+            <a:ext cx="4724400" cy="2952750"/>
+          </a:xfrm>
+          <a:prstGeom prst="rect">
+            <a:avLst/>
+          </a:prstGeom>
+          <a:noFill/>
+          <a:ln>
+            <a:noFill/>
+          </a:ln>
+          <a:extLst>
+            <a:ext uri="{909E8E84-426E-40DD-AFC4-6F175D3DCCD1}">
+              <a14:hiddenFill xmlns:a14="http://schemas.microsoft.com/office/drawing/2010/main">
+                <a:solidFill>
+                  <a:schemeClr val="accent1"/>
+                </a:solidFill>
+              </a14:hiddenFill>
+            </a:ext>
+            <a:ext uri="{91240B29-F687-4F45-9708-019B960494DF}">
+              <a14:hiddenLine xmlns:a14="http://schemas.microsoft.com/office/drawing/2010/main" w="9525">
+                <a:solidFill>
+                  <a:schemeClr val="tx1"/>
+                </a:solidFill>
+                <a:miter lim="800000"/>
+                <a:headEnd/>
+                <a:tailEnd/>
+              </a14:hiddenLine>
+            </a:ext>
+          </a:extLst>
+        </p:spPr>
+      </p:pic>
+      <p:sp>
+        <p:nvSpPr>
+          <p:cNvPr id="8" name="テキスト ボックス 7"/>
+          <p:cNvSpPr txBox="1"/>
+          <p:nvPr/>
+        </p:nvSpPr>
+        <p:spPr>
+          <a:xfrm>
+            <a:off x="5308015" y="2204864"/>
+            <a:ext cx="3647152" cy="1754326"/>
+          </a:xfrm>
+          <a:prstGeom prst="rect">
+            <a:avLst/>
+          </a:prstGeom>
+          <a:noFill/>
+        </p:spPr>
+        <p:txBody>
+          <a:bodyPr wrap="none" rtlCol="0">
+            <a:spAutoFit/>
+          </a:bodyPr>
+          <a:lstStyle/>
+          <a:p>
+            <a:r>
+              <a:rPr lang="ja-JP" altLang="en-US" dirty="0" smtClean="0"/>
+              <a:t>ビルドをしなくても</a:t>
+            </a:r>
+            <a:endParaRPr lang="en-US" altLang="ja-JP" dirty="0" smtClean="0"/>
+          </a:p>
+          <a:p>
+            <a:r>
+              <a:rPr lang="ja-JP" altLang="en-US" dirty="0" smtClean="0"/>
+              <a:t>スマホでデバッグできます。</a:t>
+            </a:r>
+            <a:endParaRPr lang="en-US" altLang="ja-JP" dirty="0" smtClean="0"/>
+          </a:p>
+          <a:p>
+            <a:endParaRPr lang="en-US" altLang="ja-JP" dirty="0"/>
+          </a:p>
+          <a:p>
+            <a:r>
+              <a:rPr kumimoji="1" lang="ja-JP" altLang="en-US" dirty="0" smtClean="0"/>
+              <a:t>加速度などのセンサの値も</a:t>
+            </a:r>
+            <a:endParaRPr kumimoji="1" lang="en-US" altLang="ja-JP" dirty="0" smtClean="0"/>
+          </a:p>
+          <a:p>
+            <a:r>
+              <a:rPr kumimoji="1" lang="ja-JP" altLang="en-US" dirty="0" smtClean="0"/>
+              <a:t>取得できるのでハコスコなどの</a:t>
+            </a:r>
+            <a:endParaRPr kumimoji="1" lang="en-US" altLang="ja-JP" dirty="0" smtClean="0"/>
+          </a:p>
+          <a:p>
+            <a:r>
+              <a:rPr kumimoji="1" lang="ja-JP" altLang="en-US" dirty="0" smtClean="0"/>
+              <a:t>実機動作確認を行う際に使えます</a:t>
+            </a:r>
+            <a:endParaRPr kumimoji="1" lang="ja-JP" altLang="en-US" dirty="0"/>
           </a:p>
         </p:txBody>
       </p:sp>
     </p:spTree>
     <p:extLst>
       <p:ext uri="{BB962C8B-B14F-4D97-AF65-F5344CB8AC3E}">
-        <p14:creationId xmlns:p14="http://schemas.microsoft.com/office/powerpoint/2010/main" val="2000517228"/>
+        <p14:creationId xmlns:p14="http://schemas.microsoft.com/office/powerpoint/2010/main" val="421088474"/>
       </p:ext>
     </p:extLst>
   </p:cSld>
   <p:clrMapOvr>
     <a:masterClrMapping/>
   </p:clrMapOvr>
-  <p:timing>
-    <p:tnLst>
-      <p:par>
-        <p:cTn id="1" dur="indefinite" restart="never" nodeType="tmRoot"/>
-      </p:par>
-    </p:tnLst>
-  </p:timing>
 </p:sld>
 </file>
 
@@ -17158,6 +17455,199 @@
 </file>
 
 <file path=ppt/slides/slide30.xml><?xml version="1.0" encoding="utf-8"?>
+<p:sld xmlns:a="http://schemas.openxmlformats.org/drawingml/2006/main" xmlns:r="http://schemas.openxmlformats.org/officeDocument/2006/relationships" xmlns:p="http://schemas.openxmlformats.org/presentationml/2006/main">
+  <p:cSld>
+    <p:spTree>
+      <p:nvGrpSpPr>
+        <p:cNvPr id="1" name=""/>
+        <p:cNvGrpSpPr/>
+        <p:nvPr/>
+      </p:nvGrpSpPr>
+      <p:grpSpPr>
+        <a:xfrm>
+          <a:off x="0" y="0"/>
+          <a:ext cx="0" cy="0"/>
+          <a:chOff x="0" y="0"/>
+          <a:chExt cx="0" cy="0"/>
+        </a:xfrm>
+      </p:grpSpPr>
+      <p:sp>
+        <p:nvSpPr>
+          <p:cNvPr id="2" name="タイトル 1"/>
+          <p:cNvSpPr>
+            <a:spLocks noGrp="1"/>
+          </p:cNvSpPr>
+          <p:nvPr>
+            <p:ph type="title"/>
+          </p:nvPr>
+        </p:nvSpPr>
+        <p:spPr/>
+        <p:txBody>
+          <a:bodyPr/>
+          <a:lstStyle/>
+          <a:p>
+            <a:r>
+              <a:rPr lang="ja-JP" altLang="en-US" dirty="0" smtClean="0"/>
+              <a:t>補足：障害物生成プロジェクトについて</a:t>
+            </a:r>
+            <a:endParaRPr kumimoji="1" lang="ja-JP" altLang="en-US" dirty="0"/>
+          </a:p>
+        </p:txBody>
+      </p:sp>
+      <p:sp>
+        <p:nvSpPr>
+          <p:cNvPr id="3" name="コンテンツ プレースホルダー 2"/>
+          <p:cNvSpPr>
+            <a:spLocks noGrp="1"/>
+          </p:cNvSpPr>
+          <p:nvPr>
+            <p:ph idx="1"/>
+          </p:nvPr>
+        </p:nvSpPr>
+        <p:spPr/>
+        <p:txBody>
+          <a:bodyPr/>
+          <a:lstStyle/>
+          <a:p>
+            <a:pPr marL="0" indent="0">
+              <a:buNone/>
+            </a:pPr>
+            <a:r>
+              <a:rPr kumimoji="1" lang="ja-JP" altLang="en-US" dirty="0" smtClean="0"/>
+              <a:t>今回障害物のプロジェクトは</a:t>
+            </a:r>
+            <a:endParaRPr kumimoji="1" lang="en-US" altLang="ja-JP" dirty="0" smtClean="0"/>
+          </a:p>
+          <a:p>
+            <a:pPr marL="0" indent="0">
+              <a:buNone/>
+            </a:pPr>
+            <a:r>
+              <a:rPr lang="ja-JP" altLang="en-US" dirty="0" smtClean="0"/>
+              <a:t>多くの</a:t>
+            </a:r>
+            <a:r>
+              <a:rPr lang="en-US" altLang="ja-JP" dirty="0" smtClean="0"/>
+              <a:t>Unity</a:t>
+            </a:r>
+            <a:r>
+              <a:rPr lang="ja-JP" altLang="en-US" dirty="0" smtClean="0"/>
+              <a:t>チュートリアルを執筆されている</a:t>
+            </a:r>
+            <a:endParaRPr lang="en-US" altLang="ja-JP" dirty="0" smtClean="0"/>
+          </a:p>
+          <a:p>
+            <a:pPr marL="0" indent="0">
+              <a:buNone/>
+            </a:pPr>
+            <a:r>
+              <a:rPr kumimoji="1" lang="en-US" altLang="ja-JP" dirty="0" err="1" smtClean="0"/>
+              <a:t>hiyotama</a:t>
+            </a:r>
+            <a:r>
+              <a:rPr kumimoji="1" lang="ja-JP" altLang="en-US" dirty="0" err="1" smtClean="0"/>
+              <a:t>さん</a:t>
+            </a:r>
+            <a:r>
+              <a:rPr kumimoji="1" lang="ja-JP" altLang="en-US" dirty="0" smtClean="0"/>
+              <a:t>ブログの</a:t>
+            </a:r>
+            <a:r>
+              <a:rPr kumimoji="1" lang="en-US" altLang="ja-JP" dirty="0" err="1" smtClean="0"/>
+              <a:t>createscript</a:t>
+            </a:r>
+            <a:endParaRPr kumimoji="1" lang="en-US" altLang="ja-JP" dirty="0" smtClean="0"/>
+          </a:p>
+          <a:p>
+            <a:pPr marL="0" indent="0">
+              <a:buNone/>
+            </a:pPr>
+            <a:r>
+              <a:rPr lang="en-US" altLang="ja-JP" dirty="0">
+                <a:hlinkClick r:id="rId2"/>
+              </a:rPr>
+              <a:t>http://</a:t>
+            </a:r>
+            <a:r>
+              <a:rPr lang="en-US" altLang="ja-JP" dirty="0" smtClean="0">
+                <a:hlinkClick r:id="rId2"/>
+              </a:rPr>
+              <a:t>hiyotama.hatenablog.com/entry/2015/05/09/080000</a:t>
+            </a:r>
+            <a:endParaRPr lang="en-US" altLang="ja-JP" dirty="0" smtClean="0"/>
+          </a:p>
+          <a:p>
+            <a:pPr marL="0" indent="0">
+              <a:buNone/>
+            </a:pPr>
+            <a:r>
+              <a:rPr lang="ja-JP" altLang="en-US" dirty="0"/>
+              <a:t>を</a:t>
+            </a:r>
+            <a:r>
+              <a:rPr lang="ja-JP" altLang="en-US" dirty="0" smtClean="0"/>
+              <a:t>参考にさせていただいています。</a:t>
+            </a:r>
+            <a:endParaRPr lang="en-US" altLang="ja-JP" dirty="0" smtClean="0"/>
+          </a:p>
+          <a:p>
+            <a:pPr marL="0" indent="0">
+              <a:buNone/>
+            </a:pPr>
+            <a:r>
+              <a:rPr lang="ja-JP" altLang="en-US" dirty="0" smtClean="0"/>
+              <a:t>素晴らしい</a:t>
+            </a:r>
+            <a:r>
+              <a:rPr lang="en-US" altLang="ja-JP" dirty="0" smtClean="0"/>
+              <a:t>Unity</a:t>
+            </a:r>
+            <a:r>
+              <a:rPr lang="ja-JP" altLang="en-US" dirty="0" smtClean="0"/>
+              <a:t>の解説がたくさん載っていますので皆さん、ぜひお読みください。</a:t>
+            </a:r>
+            <a:endParaRPr lang="en-US" altLang="ja-JP" dirty="0" smtClean="0"/>
+          </a:p>
+          <a:p>
+            <a:pPr marL="0" indent="0">
+              <a:buNone/>
+            </a:pPr>
+            <a:endParaRPr kumimoji="1" lang="en-US" altLang="ja-JP" dirty="0"/>
+          </a:p>
+          <a:p>
+            <a:pPr marL="0" indent="0">
+              <a:buNone/>
+            </a:pPr>
+            <a:r>
+              <a:rPr lang="en-US" altLang="ja-JP" dirty="0" err="1" smtClean="0"/>
+              <a:t>hiyotama</a:t>
+            </a:r>
+            <a:r>
+              <a:rPr lang="ja-JP" altLang="en-US" dirty="0" err="1" smtClean="0"/>
+              <a:t>さん</a:t>
+            </a:r>
+            <a:r>
+              <a:rPr lang="ja-JP" altLang="en-US" dirty="0" smtClean="0"/>
+              <a:t>ありがとうございます！</a:t>
+            </a:r>
+            <a:endParaRPr kumimoji="1" lang="en-US" altLang="ja-JP" dirty="0" smtClean="0"/>
+          </a:p>
+        </p:txBody>
+      </p:sp>
+    </p:spTree>
+    <p:extLst>
+      <p:ext uri="{BB962C8B-B14F-4D97-AF65-F5344CB8AC3E}">
+        <p14:creationId xmlns:p14="http://schemas.microsoft.com/office/powerpoint/2010/main" val="92650875"/>
+      </p:ext>
+    </p:extLst>
+  </p:cSld>
+  <p:clrMapOvr>
+    <a:masterClrMapping/>
+  </p:clrMapOvr>
+</p:sld>
+</file>
+
+<file path=ppt/slides/slide31.xml><?xml version="1.0" encoding="utf-8"?>
 <p:sld xmlns:a="http://schemas.openxmlformats.org/drawingml/2006/main" xmlns:r="http://schemas.openxmlformats.org/officeDocument/2006/relationships" xmlns:p="http://schemas.openxmlformats.org/presentationml/2006/main">
   <p:cSld>
     <p:spTree>
@@ -20802,7 +21292,13 @@
               <a:rPr lang="en-US" altLang="ja-JP" sz="2000" dirty="0">
                 <a:latin typeface="+mn-ea"/>
               </a:rPr>
-              <a:t>https://github.com/hounenhounen/NCMB_BitSummit_2DShooting</a:t>
+              <a:t>https://</a:t>
+            </a:r>
+            <a:r>
+              <a:rPr lang="en-US" altLang="ja-JP" sz="2000" dirty="0" smtClean="0">
+                <a:latin typeface="+mn-ea"/>
+              </a:rPr>
+              <a:t>github.com/hounenhounen/NCMB_BitSummit_hacosco</a:t>
             </a:r>
             <a:endParaRPr kumimoji="1" lang="ja-JP" altLang="en-US" sz="2000" b="0" i="0" u="none" strike="noStrike" cap="none" normalizeH="0" baseline="0" dirty="0" smtClean="0">
               <a:ln>
@@ -21051,35 +21547,6 @@
           <a:chExt cx="0" cy="0"/>
         </a:xfrm>
       </p:grpSpPr>
-      <p:pic>
-        <p:nvPicPr>
-          <p:cNvPr id="17" name="図 16"/>
-          <p:cNvPicPr>
-            <a:picLocks noChangeAspect="1"/>
-          </p:cNvPicPr>
-          <p:nvPr/>
-        </p:nvPicPr>
-        <p:blipFill rotWithShape="1">
-          <a:blip r:embed="rId2">
-            <a:extLst>
-              <a:ext uri="{28A0092B-C50C-407E-A947-70E740481C1C}">
-                <a14:useLocalDpi xmlns:a14="http://schemas.microsoft.com/office/drawing/2010/main" val="0"/>
-              </a:ext>
-            </a:extLst>
-          </a:blip>
-          <a:srcRect b="17040"/>
-          <a:stretch/>
-        </p:blipFill>
-        <p:spPr>
-          <a:xfrm>
-            <a:off x="179512" y="2218428"/>
-            <a:ext cx="4214351" cy="1430087"/>
-          </a:xfrm>
-          <a:prstGeom prst="rect">
-            <a:avLst/>
-          </a:prstGeom>
-        </p:spPr>
-      </p:pic>
       <p:sp>
         <p:nvSpPr>
           <p:cNvPr id="14" name="角丸四角形吹き出し 13"/>
@@ -21286,6 +21753,12 @@
               <a:tabLst/>
             </a:pPr>
             <a:r>
+              <a:rPr lang="ja-JP" altLang="en-US" sz="1400" dirty="0">
+                <a:latin typeface="+mn-ea"/>
+              </a:rPr>
+              <a:t>ハンズオン</a:t>
+            </a:r>
+            <a:r>
               <a:rPr kumimoji="1" lang="ja-JP" altLang="en-US" sz="1400" i="0" u="none" strike="noStrike" cap="none" normalizeH="0" baseline="0" dirty="0" smtClean="0">
                 <a:ln>
                   <a:noFill/>
@@ -21296,7 +21769,20 @@
                 <a:effectLst/>
                 <a:latin typeface="+mn-ea"/>
               </a:rPr>
-              <a:t>本日体験会で使う</a:t>
+              <a:t>で</a:t>
+            </a:r>
+            <a:r>
+              <a:rPr kumimoji="1" lang="ja-JP" altLang="en-US" sz="1400" i="0" u="none" strike="noStrike" cap="none" normalizeH="0" baseline="0" dirty="0" smtClean="0">
+                <a:ln>
+                  <a:noFill/>
+                </a:ln>
+                <a:solidFill>
+                  <a:schemeClr val="tx1"/>
+                </a:solidFill>
+                <a:effectLst/>
+                <a:latin typeface="+mn-ea"/>
+              </a:rPr>
+              <a:t>使う</a:t>
             </a:r>
             <a:r>
               <a:rPr lang="ja-JP" altLang="en-US" sz="1400" dirty="0">
@@ -21319,19 +21805,19 @@
       </p:sp>
       <p:sp>
         <p:nvSpPr>
-          <p:cNvPr id="7" name="角丸四角形吹き出し 6"/>
+          <p:cNvPr id="8" name="角丸四角形吹き出し 7"/>
           <p:cNvSpPr/>
           <p:nvPr/>
         </p:nvSpPr>
         <p:spPr bwMode="auto">
           <a:xfrm>
-            <a:off x="179512" y="1628800"/>
-            <a:ext cx="2376264" cy="504056"/>
+            <a:off x="2801412" y="1642888"/>
+            <a:ext cx="1512168" cy="504056"/>
           </a:xfrm>
           <a:prstGeom prst="wedgeRoundRectCallout">
             <a:avLst>
-              <a:gd name="adj1" fmla="val -19184"/>
-              <a:gd name="adj2" fmla="val 86413"/>
+              <a:gd name="adj1" fmla="val -13137"/>
+              <a:gd name="adj2" fmla="val 69922"/>
               <a:gd name="adj3" fmla="val 16667"/>
             </a:avLst>
           </a:prstGeom>
@@ -21385,145 +21871,6 @@
               <a:tabLst/>
             </a:pPr>
             <a:r>
-              <a:rPr kumimoji="1" lang="ja-JP" altLang="en-US" sz="1400" i="0" u="none" strike="noStrike" cap="none" normalizeH="0" baseline="0" dirty="0" smtClean="0">
-                <a:ln>
-                  <a:noFill/>
-                </a:ln>
-                <a:solidFill>
-                  <a:schemeClr val="tx1"/>
-                </a:solidFill>
-                <a:effectLst/>
-                <a:latin typeface="+mn-ea"/>
-              </a:rPr>
-              <a:t>完成ファイル</a:t>
-            </a:r>
-            <a:endParaRPr kumimoji="1" lang="en-US" altLang="ja-JP" sz="1400" i="0" u="none" strike="noStrike" cap="none" normalizeH="0" baseline="0" dirty="0" smtClean="0">
-              <a:ln>
-                <a:noFill/>
-              </a:ln>
-              <a:solidFill>
-                <a:schemeClr val="tx1"/>
-              </a:solidFill>
-              <a:effectLst/>
-              <a:latin typeface="+mn-ea"/>
-            </a:endParaRPr>
-          </a:p>
-          <a:p>
-            <a:pPr marL="0" marR="0" indent="0" algn="ctr" defTabSz="914400" rtl="0" eaLnBrk="1" fontAlgn="base" latinLnBrk="0" hangingPunct="1">
-              <a:lnSpc>
-                <a:spcPct val="100000"/>
-              </a:lnSpc>
-              <a:spcBef>
-                <a:spcPct val="0"/>
-              </a:spcBef>
-              <a:spcAft>
-                <a:spcPct val="0"/>
-              </a:spcAft>
-              <a:buClrTx/>
-              <a:buSzTx/>
-              <a:buFontTx/>
-              <a:buNone/>
-              <a:tabLst/>
-            </a:pPr>
-            <a:r>
-              <a:rPr lang="en-US" altLang="ja-JP" sz="800" dirty="0" smtClean="0">
-                <a:latin typeface="+mn-ea"/>
-              </a:rPr>
-              <a:t>(</a:t>
-            </a:r>
-            <a:r>
-              <a:rPr lang="ja-JP" altLang="en-US" sz="800" dirty="0" smtClean="0">
-                <a:latin typeface="+mn-ea"/>
-              </a:rPr>
-              <a:t>途中でわからなくなった場合につかってください</a:t>
-            </a:r>
-            <a:r>
-              <a:rPr lang="en-US" altLang="ja-JP" sz="800" dirty="0" smtClean="0">
-                <a:latin typeface="+mn-ea"/>
-              </a:rPr>
-              <a:t>)</a:t>
-            </a:r>
-            <a:endParaRPr kumimoji="1" lang="ja-JP" altLang="en-US" sz="800" i="0" u="none" strike="noStrike" cap="none" normalizeH="0" baseline="0" dirty="0" smtClean="0">
-              <a:ln>
-                <a:noFill/>
-              </a:ln>
-              <a:solidFill>
-                <a:schemeClr val="tx1"/>
-              </a:solidFill>
-              <a:effectLst/>
-              <a:latin typeface="+mn-ea"/>
-            </a:endParaRPr>
-          </a:p>
-        </p:txBody>
-      </p:sp>
-      <p:sp>
-        <p:nvSpPr>
-          <p:cNvPr id="8" name="角丸四角形吹き出し 7"/>
-          <p:cNvSpPr/>
-          <p:nvPr/>
-        </p:nvSpPr>
-        <p:spPr bwMode="auto">
-          <a:xfrm>
-            <a:off x="2801412" y="1642888"/>
-            <a:ext cx="1512168" cy="504056"/>
-          </a:xfrm>
-          <a:prstGeom prst="wedgeRoundRectCallout">
-            <a:avLst>
-              <a:gd name="adj1" fmla="val -13137"/>
-              <a:gd name="adj2" fmla="val 69922"/>
-              <a:gd name="adj3" fmla="val 16667"/>
-            </a:avLst>
-          </a:prstGeom>
-          <a:solidFill>
-            <a:schemeClr val="bg1"/>
-          </a:solidFill>
-          <a:ln w="38100" cap="flat" cmpd="sng" algn="ctr">
-            <a:solidFill>
-              <a:srgbClr val="808080"/>
-            </a:solidFill>
-            <a:prstDash val="solid"/>
-            <a:round/>
-            <a:headEnd type="none" w="med" len="med"/>
-            <a:tailEnd type="none" w="med" len="med"/>
-          </a:ln>
-          <a:effectLst/>
-          <a:extLst>
-            <a:ext uri="{AF507438-7753-43E0-B8FC-AC1667EBCBE1}">
-              <a14:hiddenEffects xmlns:a14="http://schemas.microsoft.com/office/drawing/2010/main">
-                <a:effectLst>
-                  <a:outerShdw dist="35921" dir="2700000" algn="ctr" rotWithShape="0">
-                    <a:schemeClr val="bg2"/>
-                  </a:outerShdw>
-                </a:effectLst>
-              </a14:hiddenEffects>
-            </a:ext>
-          </a:extLst>
-        </p:spPr>
-        <p:txBody>
-          <a:bodyPr vert="horz" wrap="none" lIns="91440" tIns="45720" rIns="91440" bIns="45720" numCol="1" rtlCol="0" anchor="ctr" anchorCtr="0" compatLnSpc="1">
-            <a:prstTxWarp prst="textNoShape">
-              <a:avLst/>
-            </a:prstTxWarp>
-          </a:bodyPr>
-          <a:lstStyle/>
-          <a:p>
-            <a:pPr marL="0" marR="0" indent="0" algn="ctr" defTabSz="914400" rtl="0" eaLnBrk="1" fontAlgn="base" latinLnBrk="0" hangingPunct="1">
-              <a:lnSpc>
-                <a:spcPct val="100000"/>
-              </a:lnSpc>
-              <a:spcBef>
-                <a:spcPct val="0"/>
-              </a:spcBef>
-              <a:spcAft>
-                <a:spcPct val="0"/>
-              </a:spcAft>
-              <a:buClrTx/>
-              <a:buSzTx/>
-              <a:buFontTx/>
-              <a:buNone/>
-              <a:tabLst/>
-            </a:pPr>
-            <a:r>
               <a:rPr lang="ja-JP" altLang="en-US" sz="1400" dirty="0" smtClean="0">
                 <a:latin typeface="+mn-ea"/>
               </a:rPr>
@@ -21623,7 +21970,7 @@
         <p:spPr>
           <a:xfrm>
             <a:off x="5245948" y="842669"/>
-            <a:ext cx="3790548" cy="1600438"/>
+            <a:ext cx="3790548" cy="1815882"/>
           </a:xfrm>
           <a:prstGeom prst="rect">
             <a:avLst/>
@@ -21653,11 +22000,28 @@
           </a:p>
           <a:p>
             <a:r>
+              <a:rPr lang="ja-JP" altLang="en-US" sz="1400" dirty="0">
+                <a:latin typeface="+mn-ea"/>
+              </a:rPr>
+              <a:t>ハンズオン</a:t>
+            </a:r>
+            <a:r>
               <a:rPr lang="ja-JP" altLang="en-US" sz="1400" dirty="0" smtClean="0">
                 <a:latin typeface="+mn-ea"/>
               </a:rPr>
-              <a:t>体験会で使うフォルダの中に</a:t>
-            </a:r>
+              <a:t>で使うフォルダの中</a:t>
+            </a:r>
+            <a:r>
+              <a:rPr lang="ja-JP" altLang="en-US" sz="1400" dirty="0" smtClean="0">
+                <a:latin typeface="+mn-ea"/>
+              </a:rPr>
+              <a:t>に</a:t>
+            </a:r>
+            <a:endParaRPr lang="en-US" altLang="ja-JP" sz="1400" dirty="0" smtClean="0">
+              <a:latin typeface="+mn-ea"/>
+            </a:endParaRPr>
+          </a:p>
+          <a:p>
             <a:r>
               <a:rPr lang="en-US" altLang="ja-JP" sz="1400" dirty="0" smtClean="0">
                 <a:latin typeface="+mn-ea"/>
@@ -22201,7 +22565,7 @@
           <p:nvPr/>
         </p:nvPicPr>
         <p:blipFill>
-          <a:blip r:embed="rId3" cstate="print">
+          <a:blip r:embed="rId2" cstate="print">
             <a:extLst>
               <a:ext uri="{28A0092B-C50C-407E-A947-70E740481C1C}">
                 <a14:useLocalDpi xmlns:a14="http://schemas.microsoft.com/office/drawing/2010/main" val="0"/>
@@ -22231,7 +22595,7 @@
           <p:nvPr/>
         </p:nvPicPr>
         <p:blipFill rotWithShape="1">
-          <a:blip r:embed="rId4" cstate="print">
+          <a:blip r:embed="rId3" cstate="print">
             <a:extLst>
               <a:ext uri="{28A0092B-C50C-407E-A947-70E740481C1C}">
                 <a14:useLocalDpi xmlns:a14="http://schemas.microsoft.com/office/drawing/2010/main" val="0"/>
@@ -22876,7 +23240,7 @@
   </a:extraClrSchemeLst>
   <a:extLst>
     <a:ext uri="{05A4C25C-085E-4340-85A3-A5531E510DB2}">
-      <thm15:themeFamily xmlns:thm15="http://schemas.microsoft.com/office/thememl/2012/main" name="NC" id="{4E9356B0-D521-44A4-9009-BF432751A013}" vid="{F73EFB00-890F-4F08-8FA4-393D78C83036}"/>
+      <thm15:themeFamily xmlns="" xmlns:thm15="http://schemas.microsoft.com/office/thememl/2012/main" name="NC" id="{4E9356B0-D521-44A4-9009-BF432751A013}" vid="{F73EFB00-890F-4F08-8FA4-393D78C83036}"/>
     </a:ext>
   </a:extLst>
 </a:theme>
@@ -23137,7 +23501,7 @@
   <a:extraClrSchemeLst/>
   <a:extLst>
     <a:ext uri="{05A4C25C-085E-4340-85A3-A5531E510DB2}">
-      <thm15:themeFamily xmlns:thm15="http://schemas.microsoft.com/office/thememl/2012/main" name="Office Theme" id="{62F939B6-93AF-4DB8-9C6B-D6C7DFDC589F}" vid="{4A3C46E8-61CC-4603-A589-7422A47A8E4A}"/>
+      <thm15:themeFamily xmlns="" xmlns:thm15="http://schemas.microsoft.com/office/thememl/2012/main" name="Office Theme" id="{62F939B6-93AF-4DB8-9C6B-D6C7DFDC589F}" vid="{4A3C46E8-61CC-4603-A589-7422A47A8E4A}"/>
     </a:ext>
   </a:extLst>
 </a:theme>
